--- a/src/week01/introduction/introductiontojava.pptx
+++ b/src/week01/introduction/introductiontojava.pptx
@@ -5,51 +5,50 @@
     <p:sldMasterId id="2147483672" r:id="rId1"/>
   </p:sldMasterIdLst>
   <p:notesMasterIdLst>
-    <p:notesMasterId r:id="rId44"/>
+    <p:notesMasterId r:id="rId43"/>
   </p:notesMasterIdLst>
   <p:sldIdLst>
     <p:sldId id="256" r:id="rId2"/>
-    <p:sldId id="257" r:id="rId3"/>
-    <p:sldId id="260" r:id="rId4"/>
-    <p:sldId id="264" r:id="rId5"/>
-    <p:sldId id="298" r:id="rId6"/>
-    <p:sldId id="299" r:id="rId7"/>
-    <p:sldId id="263" r:id="rId8"/>
-    <p:sldId id="265" r:id="rId9"/>
-    <p:sldId id="266" r:id="rId10"/>
-    <p:sldId id="267" r:id="rId11"/>
-    <p:sldId id="268" r:id="rId12"/>
-    <p:sldId id="269" r:id="rId13"/>
-    <p:sldId id="270" r:id="rId14"/>
-    <p:sldId id="271" r:id="rId15"/>
-    <p:sldId id="272" r:id="rId16"/>
-    <p:sldId id="273" r:id="rId17"/>
-    <p:sldId id="274" r:id="rId18"/>
-    <p:sldId id="275" r:id="rId19"/>
-    <p:sldId id="286" r:id="rId20"/>
-    <p:sldId id="287" r:id="rId21"/>
-    <p:sldId id="288" r:id="rId22"/>
-    <p:sldId id="289" r:id="rId23"/>
-    <p:sldId id="290" r:id="rId24"/>
-    <p:sldId id="291" r:id="rId25"/>
-    <p:sldId id="292" r:id="rId26"/>
-    <p:sldId id="295" r:id="rId27"/>
-    <p:sldId id="293" r:id="rId28"/>
-    <p:sldId id="294" r:id="rId29"/>
-    <p:sldId id="296" r:id="rId30"/>
-    <p:sldId id="297" r:id="rId31"/>
-    <p:sldId id="281" r:id="rId32"/>
-    <p:sldId id="282" r:id="rId33"/>
-    <p:sldId id="283" r:id="rId34"/>
-    <p:sldId id="284" r:id="rId35"/>
-    <p:sldId id="285" r:id="rId36"/>
-    <p:sldId id="278" r:id="rId37"/>
-    <p:sldId id="300" r:id="rId38"/>
-    <p:sldId id="301" r:id="rId39"/>
-    <p:sldId id="302" r:id="rId40"/>
-    <p:sldId id="303" r:id="rId41"/>
-    <p:sldId id="304" r:id="rId42"/>
-    <p:sldId id="280" r:id="rId43"/>
+    <p:sldId id="260" r:id="rId3"/>
+    <p:sldId id="264" r:id="rId4"/>
+    <p:sldId id="298" r:id="rId5"/>
+    <p:sldId id="299" r:id="rId6"/>
+    <p:sldId id="263" r:id="rId7"/>
+    <p:sldId id="265" r:id="rId8"/>
+    <p:sldId id="266" r:id="rId9"/>
+    <p:sldId id="267" r:id="rId10"/>
+    <p:sldId id="268" r:id="rId11"/>
+    <p:sldId id="269" r:id="rId12"/>
+    <p:sldId id="270" r:id="rId13"/>
+    <p:sldId id="271" r:id="rId14"/>
+    <p:sldId id="272" r:id="rId15"/>
+    <p:sldId id="273" r:id="rId16"/>
+    <p:sldId id="274" r:id="rId17"/>
+    <p:sldId id="275" r:id="rId18"/>
+    <p:sldId id="286" r:id="rId19"/>
+    <p:sldId id="287" r:id="rId20"/>
+    <p:sldId id="288" r:id="rId21"/>
+    <p:sldId id="289" r:id="rId22"/>
+    <p:sldId id="290" r:id="rId23"/>
+    <p:sldId id="291" r:id="rId24"/>
+    <p:sldId id="292" r:id="rId25"/>
+    <p:sldId id="295" r:id="rId26"/>
+    <p:sldId id="293" r:id="rId27"/>
+    <p:sldId id="294" r:id="rId28"/>
+    <p:sldId id="296" r:id="rId29"/>
+    <p:sldId id="297" r:id="rId30"/>
+    <p:sldId id="281" r:id="rId31"/>
+    <p:sldId id="282" r:id="rId32"/>
+    <p:sldId id="283" r:id="rId33"/>
+    <p:sldId id="284" r:id="rId34"/>
+    <p:sldId id="285" r:id="rId35"/>
+    <p:sldId id="300" r:id="rId36"/>
+    <p:sldId id="301" r:id="rId37"/>
+    <p:sldId id="302" r:id="rId38"/>
+    <p:sldId id="303" r:id="rId39"/>
+    <p:sldId id="304" r:id="rId40"/>
+    <p:sldId id="305" r:id="rId41"/>
+    <p:sldId id="280" r:id="rId42"/>
   </p:sldIdLst>
   <p:sldSz cx="9144000" cy="6858000" type="screen4x3"/>
   <p:notesSz cx="6858000" cy="9144000"/>
@@ -250,7 +249,7 @@
             <a:fld id="{4C46643C-C3F6-4C08-A21C-D4AC71CEF4AB}" type="datetimeFigureOut">
               <a:rPr lang="en-US" smtClean="0"/>
               <a:pPr/>
-              <a:t>12/13/2016</a:t>
+              <a:t>12/14/2016</a:t>
             </a:fld>
             <a:endParaRPr lang="en-US"/>
           </a:p>
@@ -558,7 +557,7 @@
             <a:fld id="{306E9399-D2AC-43AE-961F-FF13A11B6578}" type="slidenum">
               <a:rPr lang="en-US"/>
               <a:pPr/>
-              <a:t>4</a:t>
+              <a:t>3</a:t>
             </a:fld>
             <a:endParaRPr lang="en-US"/>
           </a:p>
@@ -674,7 +673,7 @@
             <a:fld id="{4EDD120A-A9D5-44E6-A046-5D152A3AED8E}" type="slidenum">
               <a:rPr lang="en-US"/>
               <a:pPr/>
-              <a:t>9</a:t>
+              <a:t>8</a:t>
             </a:fld>
             <a:endParaRPr lang="en-US"/>
           </a:p>
@@ -1146,91 +1145,6 @@
 </p:notes>
 </file>
 
-<file path=ppt/notesSlides/notesSlide7.xml><?xml version="1.0" encoding="utf-8"?>
-<p:notes xmlns:a="http://schemas.openxmlformats.org/drawingml/2006/main" xmlns:r="http://schemas.openxmlformats.org/officeDocument/2006/relationships" xmlns:p="http://schemas.openxmlformats.org/presentationml/2006/main">
-  <p:cSld>
-    <p:spTree>
-      <p:nvGrpSpPr>
-        <p:cNvPr id="1" name=""/>
-        <p:cNvGrpSpPr/>
-        <p:nvPr/>
-      </p:nvGrpSpPr>
-      <p:grpSpPr>
-        <a:xfrm>
-          <a:off x="0" y="0"/>
-          <a:ext cx="0" cy="0"/>
-          <a:chOff x="0" y="0"/>
-          <a:chExt cx="0" cy="0"/>
-        </a:xfrm>
-      </p:grpSpPr>
-      <p:sp>
-        <p:nvSpPr>
-          <p:cNvPr id="2" name="Slide Image Placeholder 1"/>
-          <p:cNvSpPr>
-            <a:spLocks noGrp="1" noRot="1" noChangeAspect="1"/>
-          </p:cNvSpPr>
-          <p:nvPr>
-            <p:ph type="sldImg"/>
-          </p:nvPr>
-        </p:nvSpPr>
-        <p:spPr/>
-      </p:sp>
-      <p:sp>
-        <p:nvSpPr>
-          <p:cNvPr id="3" name="Notes Placeholder 2"/>
-          <p:cNvSpPr>
-            <a:spLocks noGrp="1"/>
-          </p:cNvSpPr>
-          <p:nvPr>
-            <p:ph type="body" idx="1"/>
-          </p:nvPr>
-        </p:nvSpPr>
-        <p:spPr/>
-        <p:txBody>
-          <a:bodyPr/>
-          <a:lstStyle/>
-          <a:p>
-            <a:endParaRPr lang="en-US" dirty="0"/>
-          </a:p>
-        </p:txBody>
-      </p:sp>
-      <p:sp>
-        <p:nvSpPr>
-          <p:cNvPr id="4" name="Slide Number Placeholder 3"/>
-          <p:cNvSpPr>
-            <a:spLocks noGrp="1"/>
-          </p:cNvSpPr>
-          <p:nvPr>
-            <p:ph type="sldNum" sz="quarter" idx="10"/>
-          </p:nvPr>
-        </p:nvSpPr>
-        <p:spPr/>
-        <p:txBody>
-          <a:bodyPr/>
-          <a:lstStyle/>
-          <a:p>
-            <a:fld id="{242DEBD4-F904-4B9E-B19A-8C6A3F8400DC}" type="slidenum">
-              <a:rPr lang="en-US" smtClean="0"/>
-              <a:pPr/>
-              <a:t>36</a:t>
-            </a:fld>
-            <a:endParaRPr lang="en-US"/>
-          </a:p>
-        </p:txBody>
-      </p:sp>
-    </p:spTree>
-    <p:extLst>
-      <p:ext uri="{BB962C8B-B14F-4D97-AF65-F5344CB8AC3E}">
-        <p14:creationId xmlns:p14="http://schemas.microsoft.com/office/powerpoint/2010/main" val="1495455544"/>
-      </p:ext>
-    </p:extLst>
-  </p:cSld>
-  <p:clrMapOvr>
-    <a:masterClrMapping/>
-  </p:clrMapOvr>
-</p:notes>
-</file>
-
 <file path=ppt/slideLayouts/slideLayout1.xml><?xml version="1.0" encoding="utf-8"?>
 <p:sldLayout xmlns:a="http://schemas.openxmlformats.org/drawingml/2006/main" xmlns:r="http://schemas.openxmlformats.org/officeDocument/2006/relationships" xmlns:p="http://schemas.openxmlformats.org/presentationml/2006/main" type="title" preserve="1">
   <p:cSld name="Title Slide">
@@ -1413,7 +1327,7 @@
             <a:fld id="{F1315630-22C8-4D1F-9BCE-2C27106E1117}" type="datetime1">
               <a:rPr lang="en-US" smtClean="0"/>
               <a:pPr/>
-              <a:t>12/13/2016</a:t>
+              <a:t>12/14/2016</a:t>
             </a:fld>
             <a:endParaRPr lang="en-US"/>
           </a:p>
@@ -1584,7 +1498,7 @@
             <a:fld id="{9C2E9B8E-F7B1-4C58-A08F-F7BB00F90ED0}" type="datetime1">
               <a:rPr lang="en-US" smtClean="0"/>
               <a:pPr/>
-              <a:t>12/13/2016</a:t>
+              <a:t>12/14/2016</a:t>
             </a:fld>
             <a:endParaRPr lang="en-US"/>
           </a:p>
@@ -1765,7 +1679,7 @@
             <a:fld id="{0241B31D-48BD-4056-AC66-615C50A1F581}" type="datetime1">
               <a:rPr lang="en-US" smtClean="0"/>
               <a:pPr/>
-              <a:t>12/13/2016</a:t>
+              <a:t>12/14/2016</a:t>
             </a:fld>
             <a:endParaRPr lang="en-US"/>
           </a:p>
@@ -2108,7 +2022,7 @@
             <a:fld id="{11718CF4-5AF7-4C83-83B9-E56FD8DA35A6}" type="datetime1">
               <a:rPr lang="en-US" smtClean="0"/>
               <a:pPr/>
-              <a:t>12/13/2016</a:t>
+              <a:t>12/14/2016</a:t>
             </a:fld>
             <a:endParaRPr lang="en-US"/>
           </a:p>
@@ -2355,7 +2269,7 @@
             <a:fld id="{6E7DE1DC-932F-46E6-BAA6-6365DDEDC8BA}" type="datetime1">
               <a:rPr lang="en-US" smtClean="0"/>
               <a:pPr/>
-              <a:t>12/13/2016</a:t>
+              <a:t>12/14/2016</a:t>
             </a:fld>
             <a:endParaRPr lang="en-US"/>
           </a:p>
@@ -2644,7 +2558,7 @@
             <a:fld id="{44321F4A-26B3-4973-85F2-5BFE41BF7F5B}" type="datetime1">
               <a:rPr lang="en-US" smtClean="0"/>
               <a:pPr/>
-              <a:t>12/13/2016</a:t>
+              <a:t>12/14/2016</a:t>
             </a:fld>
             <a:endParaRPr lang="en-US"/>
           </a:p>
@@ -3067,7 +2981,7 @@
             <a:fld id="{2AE2357C-7B67-4590-9BAA-8A21D71BB569}" type="datetime1">
               <a:rPr lang="en-US" smtClean="0"/>
               <a:pPr/>
-              <a:t>12/13/2016</a:t>
+              <a:t>12/14/2016</a:t>
             </a:fld>
             <a:endParaRPr lang="en-US"/>
           </a:p>
@@ -3186,7 +3100,7 @@
             <a:fld id="{8EDCFF48-0C82-4C0D-A157-75F5C5A76407}" type="datetime1">
               <a:rPr lang="en-US" smtClean="0"/>
               <a:pPr/>
-              <a:t>12/13/2016</a:t>
+              <a:t>12/14/2016</a:t>
             </a:fld>
             <a:endParaRPr lang="en-US"/>
           </a:p>
@@ -3282,7 +3196,7 @@
             <a:fld id="{21F70A41-9C4D-4764-84FD-444CA204F58A}" type="datetime1">
               <a:rPr lang="en-US" smtClean="0"/>
               <a:pPr/>
-              <a:t>12/13/2016</a:t>
+              <a:t>12/14/2016</a:t>
             </a:fld>
             <a:endParaRPr lang="en-US"/>
           </a:p>
@@ -3560,7 +3474,7 @@
             <a:fld id="{19317354-D450-42F4-BEFC-F59EE2A84482}" type="datetime1">
               <a:rPr lang="en-US" smtClean="0"/>
               <a:pPr/>
-              <a:t>12/13/2016</a:t>
+              <a:t>12/14/2016</a:t>
             </a:fld>
             <a:endParaRPr lang="en-US"/>
           </a:p>
@@ -3814,7 +3728,7 @@
             <a:fld id="{C1F88670-86FB-4F58-BB3C-3920EC14737B}" type="datetime1">
               <a:rPr lang="en-US" smtClean="0"/>
               <a:pPr/>
-              <a:t>12/13/2016</a:t>
+              <a:t>12/14/2016</a:t>
             </a:fld>
             <a:endParaRPr lang="en-US"/>
           </a:p>
@@ -4028,7 +3942,7 @@
             <a:fld id="{987403E4-1A7C-4D9A-A2DE-C2BF8B3E8663}" type="datetime1">
               <a:rPr lang="en-US" smtClean="0"/>
               <a:pPr/>
-              <a:t>12/13/2016</a:t>
+              <a:t>12/14/2016</a:t>
             </a:fld>
             <a:endParaRPr lang="en-US"/>
           </a:p>
@@ -4513,7 +4427,7 @@
       </p:grpSpPr>
       <p:sp>
         <p:nvSpPr>
-          <p:cNvPr id="16386" name="Rectangle 2"/>
+          <p:cNvPr id="18434" name="Rectangle 2"/>
           <p:cNvSpPr>
             <a:spLocks noGrp="1" noChangeArrowheads="1"/>
           </p:cNvSpPr>
@@ -4552,7 +4466,7 @@
                   <a:srgbClr val="FF0000"/>
                 </a:solidFill>
               </a:rPr>
-              <a:t>C</a:t>
+              <a:t>C++</a:t>
             </a:r>
             <a:r>
               <a:rPr lang="en-US" dirty="0" smtClean="0"/>
@@ -4564,7 +4478,7 @@
       </p:sp>
       <p:sp>
         <p:nvSpPr>
-          <p:cNvPr id="16388" name="Rectangle 4"/>
+          <p:cNvPr id="18435" name="Rectangle 3"/>
           <p:cNvSpPr>
             <a:spLocks noGrp="1" noChangeArrowheads="1"/>
           </p:cNvSpPr>
@@ -4575,221 +4489,166 @@
         <p:spPr/>
         <p:txBody>
           <a:bodyPr>
-            <a:normAutofit/>
+            <a:normAutofit lnSpcReduction="10000"/>
           </a:bodyPr>
           <a:lstStyle/>
           <a:p>
-            <a:pPr>
-              <a:lnSpc>
-                <a:spcPct val="90000"/>
-              </a:lnSpc>
+            <a:r>
+              <a:rPr lang="en-US" dirty="0"/>
+              <a:t>C++ language</a:t>
+            </a:r>
+          </a:p>
+          <a:p>
+            <a:pPr lvl="1">
+              <a:buFont typeface="Wingdings" pitchFamily="2" charset="2"/>
+              <a:buNone/>
             </a:pPr>
             <a:r>
-              <a:rPr lang="en-US" sz="2200" b="1" dirty="0"/>
-              <a:t>C </a:t>
-            </a:r>
-            <a:r>
-              <a:rPr lang="en-US" sz="2200" b="1" dirty="0" smtClean="0"/>
-              <a:t> Language</a:t>
-            </a:r>
-            <a:r>
-              <a:rPr lang="en-US" sz="2200" b="1" dirty="0"/>
-              <a:t>:</a:t>
+              <a:rPr lang="en-US" dirty="0"/>
+              <a:t>Features removed in java:</a:t>
             </a:r>
           </a:p>
           <a:p>
             <a:pPr lvl="1" algn="just">
-              <a:lnSpc>
-                <a:spcPct val="90000"/>
-              </a:lnSpc>
+              <a:buFont typeface="Wingdings" pitchFamily="2" charset="2"/>
+              <a:buChar char="Ø"/>
             </a:pPr>
             <a:r>
-              <a:rPr lang="en-US" sz="2200" dirty="0"/>
-              <a:t>Major difference is that C is a </a:t>
-            </a:r>
-            <a:r>
-              <a:rPr lang="en-US" sz="2200" dirty="0">
+              <a:rPr lang="en-US" sz="2400" dirty="0"/>
+              <a:t>Java doesn’t support </a:t>
+            </a:r>
+            <a:r>
+              <a:rPr lang="en-US" sz="2400" dirty="0">
                 <a:solidFill>
-                  <a:srgbClr val="FF3300"/>
+                  <a:srgbClr val="FF0000"/>
                 </a:solidFill>
               </a:rPr>
-              <a:t>structure oriented </a:t>
-            </a:r>
-            <a:r>
-              <a:rPr lang="en-US" sz="2200" dirty="0" smtClean="0">
+              <a:t>pointers</a:t>
+            </a:r>
+            <a:r>
+              <a:rPr lang="en-US" sz="2400" dirty="0"/>
+              <a:t> to avoid </a:t>
+            </a:r>
+            <a:r>
+              <a:rPr lang="en-US" sz="2400" dirty="0">
                 <a:solidFill>
-                  <a:srgbClr val="FF3300"/>
+                  <a:srgbClr val="FF0000"/>
                 </a:solidFill>
               </a:rPr>
-              <a:t>language</a:t>
-            </a:r>
-            <a:r>
-              <a:rPr lang="en-US" sz="2200" dirty="0" smtClean="0"/>
-              <a:t> </a:t>
-            </a:r>
-            <a:r>
-              <a:rPr lang="en-US" sz="2200" dirty="0"/>
-              <a:t>and Java is an </a:t>
-            </a:r>
-            <a:r>
-              <a:rPr lang="en-US" sz="2200" dirty="0">
+              <a:t>unauthorized</a:t>
+            </a:r>
+            <a:r>
+              <a:rPr lang="en-US" sz="2400" dirty="0"/>
+              <a:t> access of </a:t>
+            </a:r>
+            <a:r>
+              <a:rPr lang="en-US" sz="2400" dirty="0">
                 <a:solidFill>
-                  <a:srgbClr val="FF3300"/>
+                  <a:srgbClr val="FF0000"/>
                 </a:solidFill>
               </a:rPr>
-              <a:t>object oriented language</a:t>
-            </a:r>
-            <a:r>
-              <a:rPr lang="en-US" sz="2200" dirty="0"/>
-              <a:t> and has mechanism to define classes and objects.</a:t>
-            </a:r>
-          </a:p>
-          <a:p>
-            <a:pPr lvl="1">
-              <a:lnSpc>
-                <a:spcPct val="90000"/>
-              </a:lnSpc>
+              <a:t>memory locations</a:t>
+            </a:r>
+            <a:r>
+              <a:rPr lang="en-US" sz="2400" dirty="0"/>
+              <a:t>.</a:t>
+            </a:r>
+          </a:p>
+          <a:p>
+            <a:pPr lvl="1" algn="just">
+              <a:buFont typeface="Wingdings" pitchFamily="2" charset="2"/>
+              <a:buChar char="Ø"/>
             </a:pPr>
             <a:r>
-              <a:rPr lang="en-US" sz="2200" dirty="0"/>
-              <a:t>Java does not support an explicit </a:t>
-            </a:r>
-            <a:r>
-              <a:rPr lang="en-US" sz="2200" dirty="0">
+              <a:rPr lang="en-US" sz="2400" dirty="0"/>
+              <a:t>Java does not include structures, unions and </a:t>
+            </a:r>
+            <a:r>
+              <a:rPr lang="en-US" sz="2400" dirty="0" err="1"/>
+              <a:t>enum</a:t>
+            </a:r>
+            <a:r>
+              <a:rPr lang="en-US" sz="2400" dirty="0"/>
+              <a:t> data types.</a:t>
+            </a:r>
+          </a:p>
+          <a:p>
+            <a:pPr lvl="1" algn="just">
+              <a:buFont typeface="Wingdings" pitchFamily="2" charset="2"/>
+              <a:buChar char="Ø"/>
+            </a:pPr>
+            <a:r>
+              <a:rPr lang="en-US" sz="2400" dirty="0"/>
+              <a:t>Java does not support </a:t>
+            </a:r>
+            <a:r>
+              <a:rPr lang="en-US" sz="2400" dirty="0">
                 <a:solidFill>
-                  <a:srgbClr val="FF3300"/>
+                  <a:srgbClr val="FF0000"/>
                 </a:solidFill>
               </a:rPr>
-              <a:t>pointer</a:t>
-            </a:r>
-            <a:r>
-              <a:rPr lang="en-US" sz="2200" dirty="0"/>
-              <a:t> type</a:t>
+              <a:t>operator over loading</a:t>
+            </a:r>
+            <a:r>
+              <a:rPr lang="en-US" sz="2400" dirty="0"/>
+              <a:t>.</a:t>
             </a:r>
           </a:p>
           <a:p>
             <a:pPr lvl="1" algn="just">
-              <a:lnSpc>
-                <a:spcPct val="90000"/>
-              </a:lnSpc>
+              <a:buFont typeface="Wingdings" pitchFamily="2" charset="2"/>
+              <a:buChar char="Ø"/>
             </a:pPr>
             <a:r>
-              <a:rPr lang="en-US" sz="2200" dirty="0"/>
-              <a:t>Java does not have </a:t>
-            </a:r>
-            <a:r>
-              <a:rPr lang="en-US" sz="2200" dirty="0">
+              <a:rPr lang="en-US" sz="2400" dirty="0"/>
+              <a:t>Preprocessor plays less important role in C++ and so </a:t>
+            </a:r>
+            <a:r>
+              <a:rPr lang="en-US" sz="2400" dirty="0">
                 <a:solidFill>
-                  <a:srgbClr val="FF3300"/>
+                  <a:srgbClr val="FF0000"/>
                 </a:solidFill>
               </a:rPr>
-              <a:t>preprocessor</a:t>
-            </a:r>
-            <a:r>
-              <a:rPr lang="en-US" sz="2200" dirty="0"/>
-              <a:t>, so we cant use #define, #include and #</a:t>
-            </a:r>
-            <a:r>
-              <a:rPr lang="en-US" sz="2200" dirty="0" err="1"/>
-              <a:t>ifdef</a:t>
-            </a:r>
-            <a:r>
-              <a:rPr lang="en-US" sz="2200" dirty="0"/>
-              <a:t> statements.</a:t>
+              <a:t>eliminated </a:t>
+            </a:r>
+            <a:r>
+              <a:rPr lang="en-US" sz="2400" dirty="0"/>
+              <a:t>entirely in java.</a:t>
             </a:r>
           </a:p>
           <a:p>
             <a:pPr lvl="1" algn="just">
-              <a:lnSpc>
-                <a:spcPct val="90000"/>
-              </a:lnSpc>
+              <a:buFont typeface="Wingdings" pitchFamily="2" charset="2"/>
+              <a:buChar char="Ø"/>
             </a:pPr>
             <a:r>
-              <a:rPr lang="en-US" sz="2200" dirty="0"/>
-              <a:t>Java does not include structures, unions and </a:t>
-            </a:r>
-            <a:r>
-              <a:rPr lang="en-US" sz="2200" dirty="0" err="1"/>
-              <a:t>enum</a:t>
-            </a:r>
-            <a:r>
-              <a:rPr lang="en-US" sz="2200" dirty="0"/>
-              <a:t> data types.</a:t>
-            </a:r>
-          </a:p>
-          <a:p>
-            <a:pPr lvl="1" algn="just">
-              <a:lnSpc>
-                <a:spcPct val="90000"/>
-              </a:lnSpc>
-            </a:pPr>
-            <a:r>
-              <a:rPr lang="en-US" sz="2200" dirty="0"/>
-              <a:t>Java does not include keywords like </a:t>
-            </a:r>
-            <a:r>
-              <a:rPr lang="en-US" sz="2200" dirty="0" err="1"/>
-              <a:t>goto</a:t>
-            </a:r>
-            <a:r>
-              <a:rPr lang="en-US" sz="2200" dirty="0"/>
-              <a:t>, </a:t>
-            </a:r>
-            <a:r>
-              <a:rPr lang="en-US" sz="2200" dirty="0" err="1"/>
-              <a:t>sizeof</a:t>
-            </a:r>
-            <a:r>
-              <a:rPr lang="en-US" sz="2200" dirty="0"/>
-              <a:t> and </a:t>
-            </a:r>
-            <a:r>
-              <a:rPr lang="en-US" sz="2200" dirty="0" err="1"/>
-              <a:t>typedef</a:t>
-            </a:r>
-            <a:r>
-              <a:rPr lang="en-US" sz="2200" dirty="0"/>
+              <a:rPr lang="en-US" sz="2400" dirty="0"/>
+              <a:t>Java does not perform </a:t>
+            </a:r>
+            <a:r>
+              <a:rPr lang="en-US" sz="2400" dirty="0">
+                <a:solidFill>
+                  <a:srgbClr val="FF0000"/>
+                </a:solidFill>
+              </a:rPr>
+              <a:t>automatic</a:t>
+            </a:r>
+            <a:r>
+              <a:rPr lang="en-US" sz="2400" dirty="0"/>
+              <a:t> type conversions that result in loss of </a:t>
+            </a:r>
+            <a:r>
+              <a:rPr lang="en-US" sz="2400" dirty="0">
+                <a:solidFill>
+                  <a:srgbClr val="FF0000"/>
+                </a:solidFill>
+              </a:rPr>
+              <a:t>precision</a:t>
+            </a:r>
+            <a:r>
+              <a:rPr lang="en-US" sz="2400" dirty="0"/>
               <a:t>.</a:t>
             </a:r>
-          </a:p>
-          <a:p>
-            <a:pPr lvl="1" algn="just">
-              <a:lnSpc>
-                <a:spcPct val="90000"/>
-              </a:lnSpc>
-            </a:pPr>
-            <a:r>
-              <a:rPr lang="en-US" sz="2200" dirty="0"/>
-              <a:t>Java adds labeled break and continue statements.</a:t>
-            </a:r>
-          </a:p>
-          <a:p>
-            <a:pPr lvl="1" algn="just">
-              <a:lnSpc>
-                <a:spcPct val="90000"/>
-              </a:lnSpc>
-            </a:pPr>
-            <a:r>
-              <a:rPr lang="en-US" sz="2200" dirty="0"/>
-              <a:t>Java adds many features required for object oriented programming.</a:t>
-            </a:r>
-          </a:p>
-          <a:p>
-            <a:pPr lvl="1">
-              <a:lnSpc>
-                <a:spcPct val="90000"/>
-              </a:lnSpc>
-              <a:buNone/>
-            </a:pPr>
-            <a:endParaRPr lang="en-US" sz="2000" dirty="0"/>
-          </a:p>
-          <a:p>
-            <a:pPr lvl="1">
-              <a:lnSpc>
-                <a:spcPct val="90000"/>
-              </a:lnSpc>
-            </a:pPr>
-            <a:endParaRPr lang="en-US" sz="2000" dirty="0"/>
           </a:p>
         </p:txBody>
       </p:sp>
@@ -4827,7 +4686,7 @@
       </p:grpSpPr>
       <p:sp>
         <p:nvSpPr>
-          <p:cNvPr id="18434" name="Rectangle 2"/>
+          <p:cNvPr id="20482" name="Rectangle 2"/>
           <p:cNvSpPr>
             <a:spLocks noGrp="1" noChangeArrowheads="1"/>
           </p:cNvSpPr>
@@ -4841,44 +4700,15 @@
           <a:lstStyle/>
           <a:p>
             <a:r>
-              <a:rPr lang="en-US" dirty="0"/>
-              <a:t>How is </a:t>
-            </a:r>
-            <a:r>
-              <a:rPr lang="en-US" dirty="0">
-                <a:solidFill>
-                  <a:srgbClr val="FF0000"/>
-                </a:solidFill>
-              </a:rPr>
-              <a:t>Java</a:t>
-            </a:r>
-            <a:r>
-              <a:rPr lang="en-US" dirty="0"/>
-              <a:t> different </a:t>
-            </a:r>
-            <a:r>
-              <a:rPr lang="en-US" dirty="0" smtClean="0"/>
-              <a:t>from </a:t>
-            </a:r>
-            <a:r>
-              <a:rPr lang="en-US" dirty="0" smtClean="0">
-                <a:solidFill>
-                  <a:srgbClr val="FF0000"/>
-                </a:solidFill>
-              </a:rPr>
-              <a:t>C++</a:t>
-            </a:r>
-            <a:r>
-              <a:rPr lang="en-US" dirty="0" smtClean="0"/>
-              <a:t>…</a:t>
-            </a:r>
-            <a:endParaRPr lang="en-US" dirty="0"/>
+              <a:rPr lang="en-US"/>
+              <a:t>Cont…</a:t>
+            </a:r>
           </a:p>
         </p:txBody>
       </p:sp>
       <p:sp>
         <p:nvSpPr>
-          <p:cNvPr id="18435" name="Rectangle 3"/>
+          <p:cNvPr id="20483" name="Rectangle 3"/>
           <p:cNvSpPr>
             <a:spLocks noGrp="1" noChangeArrowheads="1"/>
           </p:cNvSpPr>
@@ -4886,167 +4716,210 @@
             <p:ph type="body" idx="1"/>
           </p:nvPr>
         </p:nvSpPr>
-        <p:spPr/>
+        <p:spPr>
+          <a:xfrm>
+            <a:off x="457200" y="1163638"/>
+            <a:ext cx="8229600" cy="4530725"/>
+          </a:xfrm>
+        </p:spPr>
         <p:txBody>
           <a:bodyPr>
-            <a:normAutofit lnSpcReduction="10000"/>
+            <a:normAutofit fontScale="85000" lnSpcReduction="10000"/>
           </a:bodyPr>
           <a:lstStyle/>
           <a:p>
-            <a:r>
-              <a:rPr lang="en-US" dirty="0"/>
-              <a:t>C++ language</a:t>
-            </a:r>
-          </a:p>
-          <a:p>
-            <a:pPr lvl="1">
+            <a:pPr lvl="2">
               <a:buFont typeface="Wingdings" pitchFamily="2" charset="2"/>
               <a:buNone/>
             </a:pPr>
-            <a:r>
-              <a:rPr lang="en-US" dirty="0"/>
-              <a:t>Features removed in java:</a:t>
-            </a:r>
-          </a:p>
-          <a:p>
-            <a:pPr lvl="1" algn="just">
+            <a:endParaRPr lang="en-US" dirty="0"/>
+          </a:p>
+          <a:p>
+            <a:pPr algn="just">
+              <a:buClr>
+                <a:schemeClr val="tx1"/>
+              </a:buClr>
               <a:buFont typeface="Wingdings" pitchFamily="2" charset="2"/>
               <a:buChar char="Ø"/>
             </a:pPr>
             <a:r>
-              <a:rPr lang="en-US" sz="2400" dirty="0"/>
-              <a:t>Java doesn’t support </a:t>
-            </a:r>
-            <a:r>
-              <a:rPr lang="en-US" sz="2400" dirty="0">
+              <a:rPr lang="en-US" dirty="0" smtClean="0"/>
+              <a:t>  Java </a:t>
+            </a:r>
+            <a:r>
+              <a:rPr lang="en-US" dirty="0"/>
+              <a:t>does not support </a:t>
+            </a:r>
+            <a:r>
+              <a:rPr lang="en-US" dirty="0">
                 <a:solidFill>
                   <a:srgbClr val="FF0000"/>
                 </a:solidFill>
               </a:rPr>
-              <a:t>pointers</a:t>
-            </a:r>
-            <a:r>
-              <a:rPr lang="en-US" sz="2400" dirty="0"/>
-              <a:t> to avoid </a:t>
-            </a:r>
-            <a:r>
-              <a:rPr lang="en-US" sz="2400" dirty="0">
+              <a:t>global variables</a:t>
+            </a:r>
+            <a:r>
+              <a:rPr lang="en-US" dirty="0"/>
+              <a:t>. Every method and variable is declared within a </a:t>
+            </a:r>
+            <a:r>
+              <a:rPr lang="en-US" dirty="0">
                 <a:solidFill>
                   <a:srgbClr val="FF0000"/>
                 </a:solidFill>
               </a:rPr>
-              <a:t>unauthorized</a:t>
-            </a:r>
-            <a:r>
-              <a:rPr lang="en-US" sz="2400" dirty="0"/>
-              <a:t> access of </a:t>
-            </a:r>
-            <a:r>
-              <a:rPr lang="en-US" sz="2400" dirty="0">
+              <a:t>class </a:t>
+            </a:r>
+            <a:r>
+              <a:rPr lang="en-US" dirty="0"/>
+              <a:t>and forms part of that class.</a:t>
+            </a:r>
+          </a:p>
+          <a:p>
+            <a:pPr algn="just">
+              <a:buClr>
+                <a:schemeClr val="tx1"/>
+              </a:buClr>
+              <a:buFont typeface="Wingdings" pitchFamily="2" charset="2"/>
+              <a:buChar char="Ø"/>
+            </a:pPr>
+            <a:r>
+              <a:rPr lang="en-US" dirty="0"/>
+              <a:t>Java does not allow </a:t>
+            </a:r>
+            <a:r>
+              <a:rPr lang="en-US" dirty="0">
                 <a:solidFill>
                   <a:srgbClr val="FF0000"/>
                 </a:solidFill>
               </a:rPr>
-              <a:t>memory locations</a:t>
-            </a:r>
-            <a:r>
-              <a:rPr lang="en-US" sz="2400" dirty="0"/>
+              <a:t>default arguments</a:t>
+            </a:r>
+            <a:r>
+              <a:rPr lang="en-US" dirty="0"/>
               <a:t>.</a:t>
             </a:r>
           </a:p>
           <a:p>
-            <a:pPr lvl="1" algn="just">
+            <a:pPr algn="just">
+              <a:buClr>
+                <a:schemeClr val="tx1"/>
+              </a:buClr>
               <a:buFont typeface="Wingdings" pitchFamily="2" charset="2"/>
               <a:buChar char="Ø"/>
             </a:pPr>
             <a:r>
-              <a:rPr lang="en-US" sz="2400" dirty="0"/>
-              <a:t>Java does not include structures, unions and </a:t>
-            </a:r>
-            <a:r>
-              <a:rPr lang="en-US" sz="2400" dirty="0" err="1"/>
-              <a:t>enum</a:t>
-            </a:r>
-            <a:r>
-              <a:rPr lang="en-US" sz="2400" dirty="0"/>
-              <a:t> data types.</a:t>
-            </a:r>
-          </a:p>
-          <a:p>
-            <a:pPr lvl="1" algn="just">
-              <a:buFont typeface="Wingdings" pitchFamily="2" charset="2"/>
-              <a:buChar char="Ø"/>
-            </a:pPr>
-            <a:r>
-              <a:rPr lang="en-US" sz="2400" dirty="0"/>
-              <a:t>Java does not support </a:t>
-            </a:r>
-            <a:r>
-              <a:rPr lang="en-US" sz="2400" dirty="0">
+              <a:rPr lang="en-US" dirty="0"/>
+              <a:t>Java does not support inheritance of </a:t>
+            </a:r>
+            <a:r>
+              <a:rPr lang="en-US" dirty="0">
                 <a:solidFill>
                   <a:srgbClr val="FF0000"/>
                 </a:solidFill>
               </a:rPr>
-              <a:t>operator over loading</a:t>
-            </a:r>
-            <a:r>
-              <a:rPr lang="en-US" sz="2400" dirty="0"/>
-              <a:t>.</a:t>
-            </a:r>
-          </a:p>
-          <a:p>
-            <a:pPr lvl="1" algn="just">
-              <a:buFont typeface="Wingdings" pitchFamily="2" charset="2"/>
-              <a:buChar char="Ø"/>
-            </a:pPr>
-            <a:r>
-              <a:rPr lang="en-US" sz="2400" dirty="0"/>
-              <a:t>Preprocessor plays less important role in C++ and so </a:t>
-            </a:r>
-            <a:r>
-              <a:rPr lang="en-US" sz="2400" dirty="0">
+              <a:t>multiple</a:t>
+            </a:r>
+            <a:r>
+              <a:rPr lang="en-US" dirty="0"/>
+              <a:t> super classes by a sub class (i.e., </a:t>
+            </a:r>
+            <a:r>
+              <a:rPr lang="en-US" dirty="0">
                 <a:solidFill>
                   <a:srgbClr val="FF0000"/>
                 </a:solidFill>
               </a:rPr>
-              <a:t>eliminated </a:t>
-            </a:r>
-            <a:r>
-              <a:rPr lang="en-US" sz="2400" dirty="0"/>
-              <a:t>entirely in java.</a:t>
-            </a:r>
-          </a:p>
-          <a:p>
-            <a:pPr lvl="1" algn="just">
-              <a:buFont typeface="Wingdings" pitchFamily="2" charset="2"/>
-              <a:buChar char="Ø"/>
-            </a:pPr>
-            <a:r>
-              <a:rPr lang="en-US" sz="2400" dirty="0"/>
-              <a:t>Java does not perform </a:t>
-            </a:r>
-            <a:r>
-              <a:rPr lang="en-US" sz="2400" dirty="0">
+              <a:t>multiple inheritance</a:t>
+            </a:r>
+            <a:r>
+              <a:rPr lang="en-US" dirty="0"/>
+              <a:t>). This is accomplished by using ‘</a:t>
+            </a:r>
+            <a:r>
+              <a:rPr lang="en-US" dirty="0">
                 <a:solidFill>
                   <a:srgbClr val="FF0000"/>
                 </a:solidFill>
               </a:rPr>
-              <a:t>automatic</a:t>
-            </a:r>
-            <a:r>
-              <a:rPr lang="en-US" sz="2400" dirty="0"/>
-              <a:t> type conversions that result in loss of </a:t>
-            </a:r>
-            <a:r>
-              <a:rPr lang="en-US" sz="2400" dirty="0">
+              <a:t>interface</a:t>
+            </a:r>
+            <a:r>
+              <a:rPr lang="en-US" dirty="0"/>
+              <a:t>’ concept.</a:t>
+            </a:r>
+          </a:p>
+          <a:p>
+            <a:pPr algn="just">
+              <a:buClr>
+                <a:schemeClr val="tx1"/>
+              </a:buClr>
+              <a:buFont typeface="Wingdings" pitchFamily="2" charset="2"/>
+              <a:buChar char="Ø"/>
+            </a:pPr>
+            <a:r>
+              <a:rPr lang="en-US" dirty="0"/>
+              <a:t>It is not possible to declare </a:t>
+            </a:r>
+            <a:r>
+              <a:rPr lang="en-US" dirty="0">
                 <a:solidFill>
                   <a:srgbClr val="FF0000"/>
                 </a:solidFill>
               </a:rPr>
-              <a:t>precision</a:t>
-            </a:r>
-            <a:r>
-              <a:rPr lang="en-US" sz="2400" dirty="0"/>
+              <a:t>unsigned integers </a:t>
+            </a:r>
+            <a:r>
+              <a:rPr lang="en-US" dirty="0"/>
+              <a:t>in java.</a:t>
+            </a:r>
+          </a:p>
+          <a:p>
+            <a:pPr algn="just">
+              <a:buClr>
+                <a:schemeClr val="tx1"/>
+              </a:buClr>
+              <a:buFont typeface="Wingdings" pitchFamily="2" charset="2"/>
+              <a:buChar char="Ø"/>
+            </a:pPr>
+            <a:r>
+              <a:rPr lang="en-US" dirty="0"/>
+              <a:t>In java objects are passed by </a:t>
+            </a:r>
+            <a:r>
+              <a:rPr lang="en-US" dirty="0">
+                <a:solidFill>
+                  <a:srgbClr val="FF0000"/>
+                </a:solidFill>
+              </a:rPr>
+              <a:t>reference</a:t>
+            </a:r>
+            <a:r>
+              <a:rPr lang="en-US" dirty="0"/>
+              <a:t> only. In C++ objects may be passed by </a:t>
+            </a:r>
+            <a:r>
+              <a:rPr lang="en-US" dirty="0">
+                <a:solidFill>
+                  <a:srgbClr val="FF0000"/>
+                </a:solidFill>
+              </a:rPr>
+              <a:t>value</a:t>
+            </a:r>
+            <a:r>
+              <a:rPr lang="en-US" dirty="0"/>
+              <a:t> or </a:t>
+            </a:r>
+            <a:r>
+              <a:rPr lang="en-US" dirty="0">
+                <a:solidFill>
+                  <a:srgbClr val="FF0000"/>
+                </a:solidFill>
+              </a:rPr>
+              <a:t>reference</a:t>
+            </a:r>
+            <a:r>
+              <a:rPr lang="en-US" dirty="0"/>
               <a:t>.</a:t>
             </a:r>
           </a:p>
@@ -5086,7 +4959,7 @@
       </p:grpSpPr>
       <p:sp>
         <p:nvSpPr>
-          <p:cNvPr id="20482" name="Rectangle 2"/>
+          <p:cNvPr id="21506" name="Rectangle 2"/>
           <p:cNvSpPr>
             <a:spLocks noGrp="1" noChangeArrowheads="1"/>
           </p:cNvSpPr>
@@ -5100,15 +4973,15 @@
           <a:lstStyle/>
           <a:p>
             <a:r>
-              <a:rPr lang="en-US"/>
-              <a:t>Cont…</a:t>
+              <a:rPr lang="en-US" dirty="0"/>
+              <a:t>Cont …</a:t>
             </a:r>
           </a:p>
         </p:txBody>
       </p:sp>
       <p:sp>
         <p:nvSpPr>
-          <p:cNvPr id="20483" name="Rectangle 3"/>
+          <p:cNvPr id="21507" name="Rectangle 3"/>
           <p:cNvSpPr>
             <a:spLocks noGrp="1" noChangeArrowheads="1"/>
           </p:cNvSpPr>
@@ -5116,23 +4989,34 @@
             <p:ph type="body" idx="1"/>
           </p:nvPr>
         </p:nvSpPr>
-        <p:spPr>
-          <a:xfrm>
-            <a:off x="457200" y="1163638"/>
-            <a:ext cx="8229600" cy="4530725"/>
-          </a:xfrm>
-        </p:spPr>
+        <p:spPr/>
         <p:txBody>
           <a:bodyPr>
-            <a:normAutofit fontScale="85000" lnSpcReduction="10000"/>
+            <a:normAutofit fontScale="85000" lnSpcReduction="20000"/>
           </a:bodyPr>
           <a:lstStyle/>
           <a:p>
-            <a:pPr lvl="2">
-              <a:buFont typeface="Wingdings" pitchFamily="2" charset="2"/>
+            <a:pPr>
+              <a:buClr>
+                <a:schemeClr val="tx1"/>
+              </a:buClr>
+              <a:buFont typeface="Arial" pitchFamily="34" charset="0"/>
               <a:buNone/>
             </a:pPr>
-            <a:endParaRPr lang="en-US" dirty="0"/>
+            <a:r>
+              <a:rPr lang="en-US" sz="3300" dirty="0"/>
+              <a:t>New features added in Java:</a:t>
+            </a:r>
+          </a:p>
+          <a:p>
+            <a:pPr lvl="2">
+              <a:buClr>
+                <a:schemeClr val="tx1"/>
+              </a:buClr>
+              <a:buFont typeface="Arial" pitchFamily="34" charset="0"/>
+              <a:buNone/>
+            </a:pPr>
+            <a:endParaRPr lang="en-US" b="1" dirty="0"/>
           </a:p>
           <a:p>
             <a:pPr algn="just">
@@ -5143,36 +5027,16 @@
               <a:buChar char="Ø"/>
             </a:pPr>
             <a:r>
-              <a:rPr lang="en-US" dirty="0" smtClean="0"/>
-              <a:t>  Java </a:t>
-            </a:r>
-            <a:r>
-              <a:rPr lang="en-US" dirty="0"/>
-              <a:t>does not support </a:t>
-            </a:r>
-            <a:r>
               <a:rPr lang="en-US" dirty="0">
                 <a:solidFill>
-                  <a:srgbClr val="FF0000"/>
+                  <a:srgbClr val="FF3300"/>
                 </a:solidFill>
               </a:rPr>
-              <a:t>global variables</a:t>
+              <a:t>Multithreading</a:t>
             </a:r>
             <a:r>
               <a:rPr lang="en-US" dirty="0"/>
-              <a:t>. Every method and variable is declared within a </a:t>
-            </a:r>
-            <a:r>
-              <a:rPr lang="en-US" dirty="0">
-                <a:solidFill>
-                  <a:srgbClr val="FF0000"/>
-                </a:solidFill>
-              </a:rPr>
-              <a:t>class </a:t>
-            </a:r>
-            <a:r>
-              <a:rPr lang="en-US" dirty="0"/>
-              <a:t>and forms part of that class.</a:t>
+              <a:t>, that allows two or more pieces of the same program to execute concurrently.</a:t>
             </a:r>
           </a:p>
           <a:p>
@@ -5185,19 +5049,15 @@
             </a:pPr>
             <a:r>
               <a:rPr lang="en-US" dirty="0"/>
-              <a:t>Java does not allow </a:t>
+              <a:t>C++ has a set of library functions that use a common header file. But java  replaces it with its own set of </a:t>
             </a:r>
             <a:r>
               <a:rPr lang="en-US" dirty="0">
                 <a:solidFill>
-                  <a:srgbClr val="FF0000"/>
+                  <a:srgbClr val="FF3300"/>
                 </a:solidFill>
               </a:rPr>
-              <a:t>default arguments</a:t>
-            </a:r>
-            <a:r>
-              <a:rPr lang="en-US" dirty="0"/>
-              <a:t>.</a:t>
+              <a:t>API classes.</a:t>
             </a:r>
           </a:p>
           <a:p>
@@ -5210,43 +5070,27 @@
             </a:pPr>
             <a:r>
               <a:rPr lang="en-US" dirty="0"/>
-              <a:t>Java does not support inheritance of </a:t>
+              <a:t>It adds </a:t>
             </a:r>
             <a:r>
               <a:rPr lang="en-US" dirty="0">
                 <a:solidFill>
-                  <a:srgbClr val="FF0000"/>
+                  <a:srgbClr val="FF3300"/>
                 </a:solidFill>
               </a:rPr>
-              <a:t>multiple</a:t>
+              <a:t>packages</a:t>
             </a:r>
             <a:r>
               <a:rPr lang="en-US" dirty="0"/>
-              <a:t> super classes by a sub class (i.e., </a:t>
+              <a:t> and </a:t>
             </a:r>
             <a:r>
               <a:rPr lang="en-US" dirty="0">
                 <a:solidFill>
-                  <a:srgbClr val="FF0000"/>
+                  <a:srgbClr val="FF3300"/>
                 </a:solidFill>
               </a:rPr>
-              <a:t>multiple inheritance</a:t>
-            </a:r>
-            <a:r>
-              <a:rPr lang="en-US" dirty="0"/>
-              <a:t>). This is accomplished by using ‘</a:t>
-            </a:r>
-            <a:r>
-              <a:rPr lang="en-US" dirty="0">
-                <a:solidFill>
-                  <a:srgbClr val="FF0000"/>
-                </a:solidFill>
-              </a:rPr>
-              <a:t>interface</a:t>
-            </a:r>
-            <a:r>
-              <a:rPr lang="en-US" dirty="0"/>
-              <a:t>’ concept.</a:t>
+              <a:t>interfaces.</a:t>
             </a:r>
           </a:p>
           <a:p>
@@ -5259,19 +5103,15 @@
             </a:pPr>
             <a:r>
               <a:rPr lang="en-US" dirty="0"/>
-              <a:t>It is not possible to declare </a:t>
+              <a:t>Java supports automatic </a:t>
             </a:r>
             <a:r>
               <a:rPr lang="en-US" dirty="0">
                 <a:solidFill>
-                  <a:srgbClr val="FF0000"/>
+                  <a:srgbClr val="FF3300"/>
                 </a:solidFill>
               </a:rPr>
-              <a:t>unsigned integers </a:t>
-            </a:r>
-            <a:r>
-              <a:rPr lang="en-US" dirty="0"/>
-              <a:t>in java.</a:t>
+              <a:t>garbage collection.</a:t>
             </a:r>
           </a:p>
           <a:p>
@@ -5283,20 +5123,16 @@
               <a:buChar char="Ø"/>
             </a:pPr>
             <a:r>
-              <a:rPr lang="en-US" dirty="0"/>
-              <a:t>In java objects are passed by </a:t>
-            </a:r>
-            <a:r>
               <a:rPr lang="en-US" dirty="0">
                 <a:solidFill>
                   <a:srgbClr val="FF0000"/>
                 </a:solidFill>
               </a:rPr>
-              <a:t>reference</a:t>
+              <a:t>break</a:t>
             </a:r>
             <a:r>
               <a:rPr lang="en-US" dirty="0"/>
-              <a:t> only. In C++ objects may be passed by </a:t>
+              <a:t> and </a:t>
             </a:r>
             <a:r>
               <a:rPr lang="en-US" dirty="0">
@@ -5304,23 +5140,36 @@
                   <a:srgbClr val="FF0000"/>
                 </a:solidFill>
               </a:rPr>
-              <a:t>value</a:t>
+              <a:t>continue</a:t>
             </a:r>
             <a:r>
               <a:rPr lang="en-US" dirty="0"/>
-              <a:t> or </a:t>
-            </a:r>
-            <a:r>
-              <a:rPr lang="en-US" dirty="0">
+              <a:t> statements have been enhanced in java to accept labels as targets.</a:t>
+            </a:r>
+          </a:p>
+          <a:p>
+            <a:pPr algn="just">
+              <a:buClr>
+                <a:schemeClr val="tx1"/>
+              </a:buClr>
+              <a:buFont typeface="Wingdings" pitchFamily="2" charset="2"/>
+              <a:buChar char="Ø"/>
+            </a:pPr>
+            <a:r>
+              <a:rPr lang="en-US" dirty="0"/>
+              <a:t>The use of </a:t>
+            </a:r>
+            <a:r>
+              <a:rPr lang="en-US" dirty="0" err="1">
                 <a:solidFill>
                   <a:srgbClr val="FF0000"/>
                 </a:solidFill>
               </a:rPr>
-              <a:t>reference</a:t>
+              <a:t>unicode</a:t>
             </a:r>
             <a:r>
               <a:rPr lang="en-US" dirty="0"/>
-              <a:t>.</a:t>
+              <a:t> characters ensures portability.</a:t>
             </a:r>
           </a:p>
         </p:txBody>
@@ -5359,7 +5208,7 @@
       </p:grpSpPr>
       <p:sp>
         <p:nvSpPr>
-          <p:cNvPr id="21506" name="Rectangle 2"/>
+          <p:cNvPr id="22530" name="Rectangle 2"/>
           <p:cNvSpPr>
             <a:spLocks noGrp="1" noChangeArrowheads="1"/>
           </p:cNvSpPr>
@@ -5373,7 +5222,7 @@
           <a:lstStyle/>
           <a:p>
             <a:r>
-              <a:rPr lang="en-US" dirty="0"/>
+              <a:rPr lang="en-US"/>
               <a:t>Cont …</a:t>
             </a:r>
           </a:p>
@@ -5381,7 +5230,7 @@
       </p:sp>
       <p:sp>
         <p:nvSpPr>
-          <p:cNvPr id="21507" name="Rectangle 3"/>
+          <p:cNvPr id="22531" name="Rectangle 3"/>
           <p:cNvSpPr>
             <a:spLocks noGrp="1" noChangeArrowheads="1"/>
           </p:cNvSpPr>
@@ -5392,185 +5241,156 @@
         <p:spPr/>
         <p:txBody>
           <a:bodyPr>
-            <a:normAutofit fontScale="85000" lnSpcReduction="20000"/>
+            <a:normAutofit/>
           </a:bodyPr>
           <a:lstStyle/>
           <a:p>
             <a:pPr>
-              <a:buClr>
-                <a:schemeClr val="tx1"/>
-              </a:buClr>
-              <a:buFont typeface="Arial" pitchFamily="34" charset="0"/>
+              <a:buFont typeface="Wingdings" pitchFamily="2" charset="2"/>
               <a:buNone/>
             </a:pPr>
             <a:r>
-              <a:rPr lang="en-US" sz="3300" dirty="0"/>
-              <a:t>New features added in Java:</a:t>
+              <a:rPr lang="en-US" sz="2400" b="1" dirty="0"/>
+              <a:t>Features that differ:</a:t>
             </a:r>
           </a:p>
           <a:p>
             <a:pPr lvl="2">
-              <a:buClr>
-                <a:schemeClr val="tx1"/>
-              </a:buClr>
-              <a:buFont typeface="Arial" pitchFamily="34" charset="0"/>
+              <a:buFont typeface="Wingdings" pitchFamily="2" charset="2"/>
               <a:buNone/>
             </a:pPr>
             <a:endParaRPr lang="en-US" b="1" dirty="0"/>
           </a:p>
           <a:p>
             <a:pPr algn="just">
-              <a:buClr>
-                <a:schemeClr val="tx1"/>
-              </a:buClr>
               <a:buFont typeface="Wingdings" pitchFamily="2" charset="2"/>
               <a:buChar char="Ø"/>
             </a:pPr>
             <a:r>
-              <a:rPr lang="en-US" dirty="0">
-                <a:solidFill>
-                  <a:srgbClr val="FF3300"/>
-                </a:solidFill>
-              </a:rPr>
-              <a:t>Multithreading</a:t>
-            </a:r>
-            <a:r>
-              <a:rPr lang="en-US" dirty="0"/>
-              <a:t>, that allows two or more pieces of the same program to execute concurrently.</a:t>
-            </a:r>
-          </a:p>
-          <a:p>
-            <a:pPr algn="just">
-              <a:buClr>
-                <a:schemeClr val="tx1"/>
-              </a:buClr>
-              <a:buFont typeface="Wingdings" pitchFamily="2" charset="2"/>
-              <a:buChar char="Ø"/>
-            </a:pPr>
-            <a:r>
-              <a:rPr lang="en-US" dirty="0"/>
-              <a:t>C++ has a set of library functions that use a common header file. But java  replaces it with its own set of </a:t>
-            </a:r>
-            <a:r>
-              <a:rPr lang="en-US" dirty="0">
-                <a:solidFill>
-                  <a:srgbClr val="FF3300"/>
-                </a:solidFill>
-              </a:rPr>
-              <a:t>API classes.</a:t>
-            </a:r>
-          </a:p>
-          <a:p>
-            <a:pPr algn="just">
-              <a:buClr>
-                <a:schemeClr val="tx1"/>
-              </a:buClr>
-              <a:buFont typeface="Wingdings" pitchFamily="2" charset="2"/>
-              <a:buChar char="Ø"/>
-            </a:pPr>
-            <a:r>
-              <a:rPr lang="en-US" dirty="0"/>
-              <a:t>It adds </a:t>
-            </a:r>
-            <a:r>
-              <a:rPr lang="en-US" dirty="0">
-                <a:solidFill>
-                  <a:srgbClr val="FF3300"/>
-                </a:solidFill>
-              </a:rPr>
-              <a:t>packages</a:t>
-            </a:r>
-            <a:r>
-              <a:rPr lang="en-US" dirty="0"/>
-              <a:t> and </a:t>
-            </a:r>
-            <a:r>
-              <a:rPr lang="en-US" dirty="0">
-                <a:solidFill>
-                  <a:srgbClr val="FF3300"/>
-                </a:solidFill>
-              </a:rPr>
-              <a:t>interfaces.</a:t>
-            </a:r>
-          </a:p>
-          <a:p>
-            <a:pPr algn="just">
-              <a:buClr>
-                <a:schemeClr val="tx1"/>
-              </a:buClr>
-              <a:buFont typeface="Wingdings" pitchFamily="2" charset="2"/>
-              <a:buChar char="Ø"/>
-            </a:pPr>
-            <a:r>
-              <a:rPr lang="en-US" dirty="0"/>
-              <a:t>Java supports automatic </a:t>
-            </a:r>
-            <a:r>
-              <a:rPr lang="en-US" dirty="0">
-                <a:solidFill>
-                  <a:srgbClr val="FF3300"/>
-                </a:solidFill>
-              </a:rPr>
-              <a:t>garbage collection.</a:t>
-            </a:r>
-          </a:p>
-          <a:p>
-            <a:pPr algn="just">
-              <a:buClr>
-                <a:schemeClr val="tx1"/>
-              </a:buClr>
-              <a:buFont typeface="Wingdings" pitchFamily="2" charset="2"/>
-              <a:buChar char="Ø"/>
-            </a:pPr>
-            <a:r>
-              <a:rPr lang="en-US" dirty="0">
+              <a:rPr lang="en-US" sz="2400" dirty="0"/>
+              <a:t>Though </a:t>
+            </a:r>
+            <a:r>
+              <a:rPr lang="en-US" sz="2400" dirty="0">
                 <a:solidFill>
                   <a:srgbClr val="FF0000"/>
                 </a:solidFill>
               </a:rPr>
-              <a:t>break</a:t>
-            </a:r>
-            <a:r>
-              <a:rPr lang="en-US" dirty="0"/>
-              <a:t> and </a:t>
-            </a:r>
-            <a:r>
-              <a:rPr lang="en-US" dirty="0">
+              <a:t>C++ </a:t>
+            </a:r>
+            <a:r>
+              <a:rPr lang="en-US" sz="2400" dirty="0"/>
+              <a:t>and </a:t>
+            </a:r>
+            <a:r>
+              <a:rPr lang="en-US" sz="2400" dirty="0">
                 <a:solidFill>
                   <a:srgbClr val="FF0000"/>
                 </a:solidFill>
               </a:rPr>
-              <a:t>continue</a:t>
-            </a:r>
-            <a:r>
-              <a:rPr lang="en-US" dirty="0"/>
-              <a:t> statements have been enhanced in java to accept labels as targets.</a:t>
-            </a:r>
-          </a:p>
-          <a:p>
-            <a:pPr algn="just">
-              <a:buClr>
-                <a:schemeClr val="tx1"/>
-              </a:buClr>
-              <a:buFont typeface="Wingdings" pitchFamily="2" charset="2"/>
-              <a:buChar char="Ø"/>
-            </a:pPr>
-            <a:r>
-              <a:rPr lang="en-US" dirty="0"/>
-              <a:t>The use of </a:t>
-            </a:r>
-            <a:r>
-              <a:rPr lang="en-US" dirty="0" err="1">
+              <a:t>java</a:t>
+            </a:r>
+            <a:r>
+              <a:rPr lang="en-US" sz="2400" dirty="0"/>
+              <a:t> supports Boolean data type, C++ takes any </a:t>
+            </a:r>
+            <a:r>
+              <a:rPr lang="en-US" sz="2400" dirty="0">
                 <a:solidFill>
                   <a:srgbClr val="FF0000"/>
                 </a:solidFill>
               </a:rPr>
-              <a:t>unicode</a:t>
-            </a:r>
-            <a:r>
-              <a:rPr lang="en-US" dirty="0"/>
-              <a:t> characters ensures portability.</a:t>
-            </a:r>
+              <a:t>nonzero value </a:t>
+            </a:r>
+            <a:r>
+              <a:rPr lang="en-US" sz="2400" dirty="0"/>
+              <a:t>as true and </a:t>
+            </a:r>
+            <a:r>
+              <a:rPr lang="en-US" sz="2400" dirty="0">
+                <a:solidFill>
+                  <a:srgbClr val="FF0000"/>
+                </a:solidFill>
+              </a:rPr>
+              <a:t>zero as </a:t>
+            </a:r>
+            <a:r>
+              <a:rPr lang="en-US" sz="2400" dirty="0"/>
+              <a:t>false. True and false in java are predefined literals that are values for a </a:t>
+            </a:r>
+            <a:r>
+              <a:rPr lang="en-US" sz="2400" dirty="0" err="1"/>
+              <a:t>boolean</a:t>
+            </a:r>
+            <a:r>
+              <a:rPr lang="en-US" sz="2400" dirty="0"/>
+              <a:t> expression</a:t>
+            </a:r>
+            <a:r>
+              <a:rPr lang="en-US" sz="2400" dirty="0" smtClean="0"/>
+              <a:t>.</a:t>
+            </a:r>
+            <a:endParaRPr lang="en-US" sz="2400" dirty="0"/>
+          </a:p>
+          <a:p>
+            <a:pPr algn="just">
+              <a:buFont typeface="Wingdings" pitchFamily="2" charset="2"/>
+              <a:buChar char="Ø"/>
+            </a:pPr>
+            <a:r>
+              <a:rPr lang="en-US" sz="2400" dirty="0"/>
+              <a:t>Java has replaced</a:t>
+            </a:r>
+            <a:r>
+              <a:rPr lang="en-US" sz="2400" b="1" dirty="0"/>
+              <a:t> </a:t>
+            </a:r>
+            <a:r>
+              <a:rPr lang="en-US" sz="2400" dirty="0"/>
+              <a:t>the </a:t>
+            </a:r>
+            <a:r>
+              <a:rPr lang="en-US" sz="2400" dirty="0">
+                <a:solidFill>
+                  <a:srgbClr val="FF0000"/>
+                </a:solidFill>
+              </a:rPr>
+              <a:t>destructor</a:t>
+            </a:r>
+            <a:r>
+              <a:rPr lang="en-US" sz="2400" dirty="0"/>
+              <a:t> function with a </a:t>
+            </a:r>
+            <a:r>
+              <a:rPr lang="en-US" sz="2400" dirty="0">
+                <a:solidFill>
+                  <a:srgbClr val="FF0000"/>
+                </a:solidFill>
+              </a:rPr>
+              <a:t>finalize() </a:t>
+            </a:r>
+            <a:r>
+              <a:rPr lang="en-US" sz="2400" dirty="0"/>
+              <a:t>function</a:t>
+            </a:r>
+            <a:r>
+              <a:rPr lang="en-US" sz="2400" dirty="0" smtClean="0"/>
+              <a:t>.</a:t>
+            </a:r>
+            <a:endParaRPr lang="en-US" sz="2400" dirty="0"/>
+          </a:p>
+          <a:p>
+            <a:pPr algn="just">
+              <a:buFont typeface="Wingdings" pitchFamily="2" charset="2"/>
+              <a:buChar char="Ø"/>
+            </a:pPr>
+            <a:r>
+              <a:rPr lang="en-US" sz="2400" dirty="0"/>
+              <a:t>C++ supports exception handling that is similar to java's. However, in C++ there is no requirement that a thrown exception be caught.</a:t>
+            </a:r>
+          </a:p>
+          <a:p>
+            <a:endParaRPr lang="en-US" sz="1900" dirty="0"/>
           </a:p>
         </p:txBody>
       </p:sp>
@@ -5608,226 +5428,6 @@
       </p:grpSpPr>
       <p:sp>
         <p:nvSpPr>
-          <p:cNvPr id="22530" name="Rectangle 2"/>
-          <p:cNvSpPr>
-            <a:spLocks noGrp="1" noChangeArrowheads="1"/>
-          </p:cNvSpPr>
-          <p:nvPr>
-            <p:ph type="title"/>
-          </p:nvPr>
-        </p:nvSpPr>
-        <p:spPr/>
-        <p:txBody>
-          <a:bodyPr/>
-          <a:lstStyle/>
-          <a:p>
-            <a:r>
-              <a:rPr lang="en-US"/>
-              <a:t>Cont …</a:t>
-            </a:r>
-          </a:p>
-        </p:txBody>
-      </p:sp>
-      <p:sp>
-        <p:nvSpPr>
-          <p:cNvPr id="22531" name="Rectangle 3"/>
-          <p:cNvSpPr>
-            <a:spLocks noGrp="1" noChangeArrowheads="1"/>
-          </p:cNvSpPr>
-          <p:nvPr>
-            <p:ph type="body" idx="1"/>
-          </p:nvPr>
-        </p:nvSpPr>
-        <p:spPr/>
-        <p:txBody>
-          <a:bodyPr>
-            <a:normAutofit/>
-          </a:bodyPr>
-          <a:lstStyle/>
-          <a:p>
-            <a:pPr>
-              <a:buFont typeface="Wingdings" pitchFamily="2" charset="2"/>
-              <a:buNone/>
-            </a:pPr>
-            <a:r>
-              <a:rPr lang="en-US" sz="2400" b="1" dirty="0"/>
-              <a:t>Features that differ:</a:t>
-            </a:r>
-          </a:p>
-          <a:p>
-            <a:pPr lvl="2">
-              <a:buFont typeface="Wingdings" pitchFamily="2" charset="2"/>
-              <a:buNone/>
-            </a:pPr>
-            <a:endParaRPr lang="en-US" b="1" dirty="0"/>
-          </a:p>
-          <a:p>
-            <a:pPr algn="just">
-              <a:buFont typeface="Wingdings" pitchFamily="2" charset="2"/>
-              <a:buChar char="Ø"/>
-            </a:pPr>
-            <a:r>
-              <a:rPr lang="en-US" sz="2400" dirty="0"/>
-              <a:t>Though </a:t>
-            </a:r>
-            <a:r>
-              <a:rPr lang="en-US" sz="2400" dirty="0">
-                <a:solidFill>
-                  <a:srgbClr val="FF0000"/>
-                </a:solidFill>
-              </a:rPr>
-              <a:t>C++ </a:t>
-            </a:r>
-            <a:r>
-              <a:rPr lang="en-US" sz="2400" dirty="0"/>
-              <a:t>and </a:t>
-            </a:r>
-            <a:r>
-              <a:rPr lang="en-US" sz="2400" dirty="0">
-                <a:solidFill>
-                  <a:srgbClr val="FF0000"/>
-                </a:solidFill>
-              </a:rPr>
-              <a:t>java</a:t>
-            </a:r>
-            <a:r>
-              <a:rPr lang="en-US" sz="2400" dirty="0"/>
-              <a:t> supports Boolean data type, C++ takes any </a:t>
-            </a:r>
-            <a:r>
-              <a:rPr lang="en-US" sz="2400" dirty="0">
-                <a:solidFill>
-                  <a:srgbClr val="FF0000"/>
-                </a:solidFill>
-              </a:rPr>
-              <a:t>nonzero value </a:t>
-            </a:r>
-            <a:r>
-              <a:rPr lang="en-US" sz="2400" dirty="0"/>
-              <a:t>as true and </a:t>
-            </a:r>
-            <a:r>
-              <a:rPr lang="en-US" sz="2400" dirty="0">
-                <a:solidFill>
-                  <a:srgbClr val="FF0000"/>
-                </a:solidFill>
-              </a:rPr>
-              <a:t>zero as </a:t>
-            </a:r>
-            <a:r>
-              <a:rPr lang="en-US" sz="2400" dirty="0"/>
-              <a:t>false. True and false in java are predefined literals that are values for a </a:t>
-            </a:r>
-            <a:r>
-              <a:rPr lang="en-US" sz="2400" dirty="0" err="1"/>
-              <a:t>boolean</a:t>
-            </a:r>
-            <a:r>
-              <a:rPr lang="en-US" sz="2400" dirty="0"/>
-              <a:t> expression</a:t>
-            </a:r>
-            <a:r>
-              <a:rPr lang="en-US" sz="2400" dirty="0" smtClean="0"/>
-              <a:t>.</a:t>
-            </a:r>
-            <a:endParaRPr lang="en-US" sz="2400" dirty="0"/>
-          </a:p>
-          <a:p>
-            <a:pPr algn="just">
-              <a:buFont typeface="Wingdings" pitchFamily="2" charset="2"/>
-              <a:buChar char="Ø"/>
-            </a:pPr>
-            <a:r>
-              <a:rPr lang="en-US" sz="2400" dirty="0"/>
-              <a:t>Java has replaced</a:t>
-            </a:r>
-            <a:r>
-              <a:rPr lang="en-US" sz="2400" b="1" dirty="0"/>
-              <a:t> </a:t>
-            </a:r>
-            <a:r>
-              <a:rPr lang="en-US" sz="2400" dirty="0"/>
-              <a:t>the </a:t>
-            </a:r>
-            <a:r>
-              <a:rPr lang="en-US" sz="2400" dirty="0">
-                <a:solidFill>
-                  <a:srgbClr val="FF0000"/>
-                </a:solidFill>
-              </a:rPr>
-              <a:t>destructor</a:t>
-            </a:r>
-            <a:r>
-              <a:rPr lang="en-US" sz="2400" dirty="0"/>
-              <a:t> function with a </a:t>
-            </a:r>
-            <a:r>
-              <a:rPr lang="en-US" sz="2400" dirty="0">
-                <a:solidFill>
-                  <a:srgbClr val="FF0000"/>
-                </a:solidFill>
-              </a:rPr>
-              <a:t>finalize() </a:t>
-            </a:r>
-            <a:r>
-              <a:rPr lang="en-US" sz="2400" dirty="0"/>
-              <a:t>function</a:t>
-            </a:r>
-            <a:r>
-              <a:rPr lang="en-US" sz="2400" dirty="0" smtClean="0"/>
-              <a:t>.</a:t>
-            </a:r>
-            <a:endParaRPr lang="en-US" sz="2400" dirty="0"/>
-          </a:p>
-          <a:p>
-            <a:pPr algn="just">
-              <a:buFont typeface="Wingdings" pitchFamily="2" charset="2"/>
-              <a:buChar char="Ø"/>
-            </a:pPr>
-            <a:r>
-              <a:rPr lang="en-US" sz="2400" dirty="0"/>
-              <a:t>C++ supports exception handling that is similar to java's. However, in C++ there is no requirement that a thrown exception be caught.</a:t>
-            </a:r>
-          </a:p>
-          <a:p>
-            <a:endParaRPr lang="en-US" sz="1900" dirty="0"/>
-          </a:p>
-        </p:txBody>
-      </p:sp>
-    </p:spTree>
-  </p:cSld>
-  <p:clrMapOvr>
-    <a:masterClrMapping/>
-  </p:clrMapOvr>
-  <p:timing>
-    <p:tnLst>
-      <p:par>
-        <p:cTn id="1" dur="indefinite" restart="never" nodeType="tmRoot"/>
-      </p:par>
-    </p:tnLst>
-  </p:timing>
-</p:sld>
-</file>
-
-<file path=ppt/slides/slide15.xml><?xml version="1.0" encoding="utf-8"?>
-<p:sld xmlns:a="http://schemas.openxmlformats.org/drawingml/2006/main" xmlns:r="http://schemas.openxmlformats.org/officeDocument/2006/relationships" xmlns:p="http://schemas.openxmlformats.org/presentationml/2006/main">
-  <p:cSld>
-    <p:spTree>
-      <p:nvGrpSpPr>
-        <p:cNvPr id="1" name=""/>
-        <p:cNvGrpSpPr/>
-        <p:nvPr/>
-      </p:nvGrpSpPr>
-      <p:grpSpPr>
-        <a:xfrm>
-          <a:off x="0" y="0"/>
-          <a:ext cx="0" cy="0"/>
-          <a:chOff x="0" y="0"/>
-          <a:chExt cx="0" cy="0"/>
-        </a:xfrm>
-      </p:grpSpPr>
-      <p:sp>
-        <p:nvSpPr>
           <p:cNvPr id="10242" name="Rectangle 2"/>
           <p:cNvSpPr>
             <a:spLocks noGrp="1" noChangeArrowheads="1"/>
@@ -6170,7 +5770,7 @@
 </p:sld>
 </file>
 
-<file path=ppt/slides/slide16.xml><?xml version="1.0" encoding="utf-8"?>
+<file path=ppt/slides/slide15.xml><?xml version="1.0" encoding="utf-8"?>
 <p:sld xmlns:a="http://schemas.openxmlformats.org/drawingml/2006/main" xmlns:r="http://schemas.openxmlformats.org/officeDocument/2006/relationships" xmlns:p="http://schemas.openxmlformats.org/presentationml/2006/main">
   <p:cSld>
     <p:spTree>
@@ -6410,7 +6010,7 @@
 </p:sld>
 </file>
 
-<file path=ppt/slides/slide17.xml><?xml version="1.0" encoding="utf-8"?>
+<file path=ppt/slides/slide16.xml><?xml version="1.0" encoding="utf-8"?>
 <p:sld xmlns:a="http://schemas.openxmlformats.org/drawingml/2006/main" xmlns:r="http://schemas.openxmlformats.org/officeDocument/2006/relationships" xmlns:p="http://schemas.openxmlformats.org/presentationml/2006/main">
   <p:cSld>
     <p:spTree>
@@ -6506,7 +6106,7 @@
             <a:fld id="{11718CF4-5AF7-4C83-83B9-E56FD8DA35A6}" type="datetime1">
               <a:rPr lang="en-US" smtClean="0"/>
               <a:pPr/>
-              <a:t>12/13/2016</a:t>
+              <a:t>12/14/2016</a:t>
             </a:fld>
             <a:endParaRPr lang="en-US"/>
           </a:p>
@@ -6553,7 +6153,7 @@
             <a:fld id="{A2DAFAA7-FEED-4301-B813-A3876799CA24}" type="slidenum">
               <a:rPr lang="en-US" smtClean="0"/>
               <a:pPr/>
-              <a:t>17</a:t>
+              <a:t>16</a:t>
             </a:fld>
             <a:endParaRPr lang="en-US"/>
           </a:p>
@@ -6636,7 +6236,7 @@
 </p:sld>
 </file>
 
-<file path=ppt/slides/slide18.xml><?xml version="1.0" encoding="utf-8"?>
+<file path=ppt/slides/slide17.xml><?xml version="1.0" encoding="utf-8"?>
 <p:sld xmlns:a="http://schemas.openxmlformats.org/drawingml/2006/main" xmlns:r="http://schemas.openxmlformats.org/officeDocument/2006/relationships" xmlns:p="http://schemas.openxmlformats.org/presentationml/2006/main">
   <p:cSld>
     <p:spTree>
@@ -6694,7 +6294,7 @@
             <a:fld id="{11718CF4-5AF7-4C83-83B9-E56FD8DA35A6}" type="datetime1">
               <a:rPr lang="en-US" smtClean="0"/>
               <a:pPr/>
-              <a:t>12/13/2016</a:t>
+              <a:t>12/14/2016</a:t>
             </a:fld>
             <a:endParaRPr lang="en-US"/>
           </a:p>
@@ -6741,7 +6341,7 @@
             <a:fld id="{A2DAFAA7-FEED-4301-B813-A3876799CA24}" type="slidenum">
               <a:rPr lang="en-US" smtClean="0"/>
               <a:pPr/>
-              <a:t>18</a:t>
+              <a:t>17</a:t>
             </a:fld>
             <a:endParaRPr lang="en-US"/>
           </a:p>
@@ -6794,7 +6394,7 @@
 </p:sld>
 </file>
 
-<file path=ppt/slides/slide19.xml><?xml version="1.0" encoding="utf-8"?>
+<file path=ppt/slides/slide18.xml><?xml version="1.0" encoding="utf-8"?>
 <p:sld xmlns:a="http://schemas.openxmlformats.org/drawingml/2006/main" xmlns:r="http://schemas.openxmlformats.org/officeDocument/2006/relationships" xmlns:p="http://schemas.openxmlformats.org/presentationml/2006/main">
   <p:cSld>
     <p:spTree>
@@ -8820,152 +8420,7 @@
 </p:sld>
 </file>
 
-<file path=ppt/slides/slide2.xml><?xml version="1.0" encoding="utf-8"?>
-<p:sld xmlns:a="http://schemas.openxmlformats.org/drawingml/2006/main" xmlns:r="http://schemas.openxmlformats.org/officeDocument/2006/relationships" xmlns:p="http://schemas.openxmlformats.org/presentationml/2006/main">
-  <p:cSld>
-    <p:spTree>
-      <p:nvGrpSpPr>
-        <p:cNvPr id="1" name=""/>
-        <p:cNvGrpSpPr/>
-        <p:nvPr/>
-      </p:nvGrpSpPr>
-      <p:grpSpPr>
-        <a:xfrm>
-          <a:off x="0" y="0"/>
-          <a:ext cx="0" cy="0"/>
-          <a:chOff x="0" y="0"/>
-          <a:chExt cx="0" cy="0"/>
-        </a:xfrm>
-      </p:grpSpPr>
-      <p:sp>
-        <p:nvSpPr>
-          <p:cNvPr id="2" name="Title 1"/>
-          <p:cNvSpPr>
-            <a:spLocks noGrp="1"/>
-          </p:cNvSpPr>
-          <p:nvPr>
-            <p:ph type="title"/>
-          </p:nvPr>
-        </p:nvSpPr>
-        <p:spPr/>
-        <p:txBody>
-          <a:bodyPr/>
-          <a:lstStyle/>
-          <a:p>
-            <a:r>
-              <a:rPr lang="en-US" dirty="0" smtClean="0"/>
-              <a:t>Introduction </a:t>
-            </a:r>
-            <a:endParaRPr lang="en-US" dirty="0"/>
-          </a:p>
-        </p:txBody>
-      </p:sp>
-      <p:sp>
-        <p:nvSpPr>
-          <p:cNvPr id="4" name="Date Placeholder 3"/>
-          <p:cNvSpPr>
-            <a:spLocks noGrp="1"/>
-          </p:cNvSpPr>
-          <p:nvPr>
-            <p:ph type="dt" sz="half" idx="10"/>
-          </p:nvPr>
-        </p:nvSpPr>
-        <p:spPr/>
-        <p:txBody>
-          <a:bodyPr/>
-          <a:lstStyle/>
-          <a:p>
-            <a:fld id="{83C0B87A-A62A-4557-A001-366F0C3D98A1}" type="datetime1">
-              <a:rPr lang="en-US" smtClean="0"/>
-              <a:pPr/>
-              <a:t>12/13/2016</a:t>
-            </a:fld>
-            <a:endParaRPr lang="en-US"/>
-          </a:p>
-        </p:txBody>
-      </p:sp>
-      <p:sp>
-        <p:nvSpPr>
-          <p:cNvPr id="6" name="Footer Placeholder 5"/>
-          <p:cNvSpPr>
-            <a:spLocks noGrp="1"/>
-          </p:cNvSpPr>
-          <p:nvPr>
-            <p:ph type="ftr" sz="quarter" idx="11"/>
-          </p:nvPr>
-        </p:nvSpPr>
-        <p:spPr/>
-        <p:txBody>
-          <a:bodyPr/>
-          <a:lstStyle/>
-          <a:p>
-            <a:r>
-              <a:rPr lang="en-US" smtClean="0"/>
-              <a:t>Object Oriented Programming using JAVA</a:t>
-            </a:r>
-            <a:endParaRPr lang="en-US"/>
-          </a:p>
-        </p:txBody>
-      </p:sp>
-      <p:sp>
-        <p:nvSpPr>
-          <p:cNvPr id="7" name="Slide Number Placeholder 6"/>
-          <p:cNvSpPr>
-            <a:spLocks noGrp="1"/>
-          </p:cNvSpPr>
-          <p:nvPr>
-            <p:ph type="sldNum" sz="quarter" idx="12"/>
-          </p:nvPr>
-        </p:nvSpPr>
-        <p:spPr/>
-        <p:txBody>
-          <a:bodyPr/>
-          <a:lstStyle/>
-          <a:p>
-            <a:fld id="{A2DAFAA7-FEED-4301-B813-A3876799CA24}" type="slidenum">
-              <a:rPr lang="en-US" smtClean="0"/>
-              <a:pPr/>
-              <a:t>2</a:t>
-            </a:fld>
-            <a:endParaRPr lang="en-US"/>
-          </a:p>
-        </p:txBody>
-      </p:sp>
-      <p:sp>
-        <p:nvSpPr>
-          <p:cNvPr id="5" name="Content Placeholder 4"/>
-          <p:cNvSpPr>
-            <a:spLocks noGrp="1"/>
-          </p:cNvSpPr>
-          <p:nvPr>
-            <p:ph idx="1"/>
-          </p:nvPr>
-        </p:nvSpPr>
-        <p:spPr/>
-        <p:txBody>
-          <a:bodyPr/>
-          <a:lstStyle/>
-          <a:p>
-            <a:endParaRPr lang="en-US"/>
-          </a:p>
-        </p:txBody>
-      </p:sp>
-    </p:spTree>
-  </p:cSld>
-  <p:clrMapOvr>
-    <a:masterClrMapping/>
-  </p:clrMapOvr>
-  <p:timing>
-    <p:tnLst>
-      <p:par>
-        <p:cTn id="1" dur="indefinite" restart="never" nodeType="tmRoot"/>
-      </p:par>
-    </p:tnLst>
-  </p:timing>
-</p:sld>
-</file>
-
-<file path=ppt/slides/slide20.xml><?xml version="1.0" encoding="utf-8"?>
+<file path=ppt/slides/slide19.xml><?xml version="1.0" encoding="utf-8"?>
 <p:sld xmlns:a="http://schemas.openxmlformats.org/drawingml/2006/main" xmlns:r="http://schemas.openxmlformats.org/officeDocument/2006/relationships" xmlns:p="http://schemas.openxmlformats.org/presentationml/2006/main">
   <p:cSld>
     <p:spTree>
@@ -10835,7 +10290,280 @@
 </p:sld>
 </file>
 
-<file path=ppt/slides/slide21.xml><?xml version="1.0" encoding="utf-8"?>
+<file path=ppt/slides/slide2.xml><?xml version="1.0" encoding="utf-8"?>
+<p:sld xmlns:a="http://schemas.openxmlformats.org/drawingml/2006/main" xmlns:r="http://schemas.openxmlformats.org/officeDocument/2006/relationships" xmlns:p="http://schemas.openxmlformats.org/presentationml/2006/main">
+  <p:cSld>
+    <p:spTree>
+      <p:nvGrpSpPr>
+        <p:cNvPr id="1" name=""/>
+        <p:cNvGrpSpPr/>
+        <p:nvPr/>
+      </p:nvGrpSpPr>
+      <p:grpSpPr>
+        <a:xfrm>
+          <a:off x="0" y="0"/>
+          <a:ext cx="0" cy="0"/>
+          <a:chOff x="0" y="0"/>
+          <a:chExt cx="0" cy="0"/>
+        </a:xfrm>
+      </p:grpSpPr>
+      <p:sp>
+        <p:nvSpPr>
+          <p:cNvPr id="2" name="Title 1"/>
+          <p:cNvSpPr>
+            <a:spLocks noGrp="1"/>
+          </p:cNvSpPr>
+          <p:nvPr>
+            <p:ph type="title"/>
+          </p:nvPr>
+        </p:nvSpPr>
+        <p:spPr/>
+        <p:txBody>
+          <a:bodyPr>
+            <a:normAutofit fontScale="90000"/>
+          </a:bodyPr>
+          <a:lstStyle/>
+          <a:p>
+            <a:r>
+              <a:rPr lang="en-US" b="1" dirty="0" smtClean="0"/>
+              <a:t/>
+            </a:r>
+            <a:br>
+              <a:rPr lang="en-US" b="1" dirty="0" smtClean="0"/>
+            </a:br>
+            <a:r>
+              <a:rPr lang="en-US" b="1" dirty="0" smtClean="0"/>
+              <a:t>Course </a:t>
+            </a:r>
+            <a:r>
+              <a:rPr lang="en-US" b="1" dirty="0" smtClean="0">
+                <a:solidFill>
+                  <a:srgbClr val="FF0000"/>
+                </a:solidFill>
+              </a:rPr>
+              <a:t>Objectives</a:t>
+            </a:r>
+            <a:br>
+              <a:rPr lang="en-US" b="1" dirty="0" smtClean="0">
+                <a:solidFill>
+                  <a:srgbClr val="FF0000"/>
+                </a:solidFill>
+              </a:rPr>
+            </a:br>
+            <a:endParaRPr lang="en-US" dirty="0">
+              <a:solidFill>
+                <a:srgbClr val="FF0000"/>
+              </a:solidFill>
+            </a:endParaRPr>
+          </a:p>
+        </p:txBody>
+      </p:sp>
+      <p:sp>
+        <p:nvSpPr>
+          <p:cNvPr id="3" name="Content Placeholder 2"/>
+          <p:cNvSpPr>
+            <a:spLocks noGrp="1"/>
+          </p:cNvSpPr>
+          <p:nvPr>
+            <p:ph idx="1"/>
+          </p:nvPr>
+        </p:nvSpPr>
+        <p:spPr>
+          <a:xfrm>
+            <a:off x="457200" y="1066800"/>
+            <a:ext cx="8229600" cy="5059363"/>
+          </a:xfrm>
+        </p:spPr>
+        <p:txBody>
+          <a:bodyPr>
+            <a:normAutofit fontScale="40000" lnSpcReduction="20000"/>
+          </a:bodyPr>
+          <a:lstStyle/>
+          <a:p>
+            <a:pPr>
+              <a:buNone/>
+            </a:pPr>
+            <a:endParaRPr lang="en-US" sz="11200" b="1" dirty="0" smtClean="0"/>
+          </a:p>
+          <a:p>
+            <a:pPr marL="514350" indent="-514350">
+              <a:buFont typeface="+mj-lt"/>
+              <a:buAutoNum type="arabicPeriod"/>
+            </a:pPr>
+            <a:r>
+              <a:rPr lang="en-US" sz="9600" dirty="0" smtClean="0"/>
+              <a:t>Little History of Java</a:t>
+            </a:r>
+          </a:p>
+          <a:p>
+            <a:pPr marL="514350" indent="-514350">
+              <a:buFont typeface="+mj-lt"/>
+              <a:buAutoNum type="arabicPeriod"/>
+            </a:pPr>
+            <a:r>
+              <a:rPr lang="en-US" sz="9600" dirty="0" smtClean="0"/>
+              <a:t>Why Opt Core Java</a:t>
+            </a:r>
+          </a:p>
+          <a:p>
+            <a:pPr marL="514350" indent="-514350">
+              <a:buFont typeface="+mj-lt"/>
+              <a:buAutoNum type="arabicPeriod"/>
+            </a:pPr>
+            <a:r>
+              <a:rPr lang="en-US" sz="9600" dirty="0" smtClean="0"/>
+              <a:t>JDK vs JRE vs </a:t>
+            </a:r>
+            <a:r>
+              <a:rPr lang="en-US" sz="9600" dirty="0" smtClean="0"/>
+              <a:t>JVM</a:t>
+            </a:r>
+          </a:p>
+          <a:p>
+            <a:pPr marL="514350" indent="-514350">
+              <a:buFont typeface="+mj-lt"/>
+              <a:buAutoNum type="arabicPeriod"/>
+            </a:pPr>
+            <a:r>
+              <a:rPr lang="en-US" sz="9600" dirty="0" smtClean="0"/>
+              <a:t>Difference b/w class and class path</a:t>
+            </a:r>
+            <a:endParaRPr lang="en-US" sz="9600" dirty="0" smtClean="0"/>
+          </a:p>
+          <a:p>
+            <a:pPr marL="514350" indent="-514350">
+              <a:buFont typeface="+mj-lt"/>
+              <a:buAutoNum type="arabicPeriod"/>
+            </a:pPr>
+            <a:r>
+              <a:rPr lang="en-US" sz="9600" dirty="0"/>
+              <a:t>How Java is different from C and C++</a:t>
+            </a:r>
+          </a:p>
+          <a:p>
+            <a:pPr marL="514350" indent="-514350">
+              <a:buFont typeface="+mj-lt"/>
+              <a:buAutoNum type="arabicPeriod"/>
+            </a:pPr>
+            <a:r>
+              <a:rPr lang="en-US" sz="9600" dirty="0"/>
+              <a:t>Characteristics of Java.</a:t>
+            </a:r>
+          </a:p>
+          <a:p>
+            <a:pPr marL="514350" indent="-514350">
+              <a:buFont typeface="+mj-lt"/>
+              <a:buAutoNum type="arabicPeriod"/>
+            </a:pPr>
+            <a:r>
+              <a:rPr lang="en-US" sz="9600" dirty="0" smtClean="0"/>
+              <a:t>Java code execution flow.</a:t>
+            </a:r>
+            <a:endParaRPr lang="en-US" sz="9600" dirty="0" smtClean="0">
+              <a:solidFill>
+                <a:srgbClr val="FF0000"/>
+              </a:solidFill>
+            </a:endParaRPr>
+          </a:p>
+          <a:p>
+            <a:pPr>
+              <a:buNone/>
+            </a:pPr>
+            <a:r>
+              <a:rPr lang="en-US" dirty="0" smtClean="0"/>
+              <a:t> </a:t>
+            </a:r>
+            <a:endParaRPr lang="en-US" dirty="0"/>
+          </a:p>
+        </p:txBody>
+      </p:sp>
+      <p:sp>
+        <p:nvSpPr>
+          <p:cNvPr id="4" name="Date Placeholder 3"/>
+          <p:cNvSpPr>
+            <a:spLocks noGrp="1"/>
+          </p:cNvSpPr>
+          <p:nvPr>
+            <p:ph type="dt" sz="half" idx="10"/>
+          </p:nvPr>
+        </p:nvSpPr>
+        <p:spPr/>
+        <p:txBody>
+          <a:bodyPr/>
+          <a:lstStyle/>
+          <a:p>
+            <a:fld id="{11718CF4-5AF7-4C83-83B9-E56FD8DA35A6}" type="datetime1">
+              <a:rPr lang="en-US" smtClean="0"/>
+              <a:pPr/>
+              <a:t>12/14/2016</a:t>
+            </a:fld>
+            <a:endParaRPr lang="en-US"/>
+          </a:p>
+        </p:txBody>
+      </p:sp>
+      <p:sp>
+        <p:nvSpPr>
+          <p:cNvPr id="5" name="Footer Placeholder 4"/>
+          <p:cNvSpPr>
+            <a:spLocks noGrp="1"/>
+          </p:cNvSpPr>
+          <p:nvPr>
+            <p:ph type="ftr" sz="quarter" idx="11"/>
+          </p:nvPr>
+        </p:nvSpPr>
+        <p:spPr/>
+        <p:txBody>
+          <a:bodyPr/>
+          <a:lstStyle/>
+          <a:p>
+            <a:r>
+              <a:rPr lang="en-US" smtClean="0"/>
+              <a:t>Object Oriented Programming using JAVA</a:t>
+            </a:r>
+            <a:endParaRPr lang="en-US"/>
+          </a:p>
+        </p:txBody>
+      </p:sp>
+      <p:sp>
+        <p:nvSpPr>
+          <p:cNvPr id="6" name="Slide Number Placeholder 5"/>
+          <p:cNvSpPr>
+            <a:spLocks noGrp="1"/>
+          </p:cNvSpPr>
+          <p:nvPr>
+            <p:ph type="sldNum" sz="quarter" idx="12"/>
+          </p:nvPr>
+        </p:nvSpPr>
+        <p:spPr/>
+        <p:txBody>
+          <a:bodyPr/>
+          <a:lstStyle/>
+          <a:p>
+            <a:fld id="{A2DAFAA7-FEED-4301-B813-A3876799CA24}" type="slidenum">
+              <a:rPr lang="en-US" smtClean="0"/>
+              <a:pPr/>
+              <a:t>2</a:t>
+            </a:fld>
+            <a:endParaRPr lang="en-US"/>
+          </a:p>
+        </p:txBody>
+      </p:sp>
+    </p:spTree>
+  </p:cSld>
+  <p:clrMapOvr>
+    <a:masterClrMapping/>
+  </p:clrMapOvr>
+  <p:timing>
+    <p:tnLst>
+      <p:par>
+        <p:cTn id="1" dur="indefinite" restart="never" nodeType="tmRoot"/>
+      </p:par>
+    </p:tnLst>
+  </p:timing>
+</p:sld>
+</file>
+
+<file path=ppt/slides/slide20.xml><?xml version="1.0" encoding="utf-8"?>
 <p:sld xmlns:a="http://schemas.openxmlformats.org/drawingml/2006/main" xmlns:r="http://schemas.openxmlformats.org/officeDocument/2006/relationships" xmlns:p="http://schemas.openxmlformats.org/presentationml/2006/main">
   <p:cSld>
     <p:spTree>
@@ -11556,7 +11284,7 @@
 </p:sld>
 </file>
 
-<file path=ppt/slides/slide22.xml><?xml version="1.0" encoding="utf-8"?>
+<file path=ppt/slides/slide21.xml><?xml version="1.0" encoding="utf-8"?>
 <p:sld xmlns:a="http://schemas.openxmlformats.org/drawingml/2006/main" xmlns:r="http://schemas.openxmlformats.org/officeDocument/2006/relationships" xmlns:p="http://schemas.openxmlformats.org/presentationml/2006/main">
   <p:cSld>
     <p:spTree>
@@ -11917,7 +11645,7 @@
 </p:sld>
 </file>
 
-<file path=ppt/slides/slide23.xml><?xml version="1.0" encoding="utf-8"?>
+<file path=ppt/slides/slide22.xml><?xml version="1.0" encoding="utf-8"?>
 <p:sld xmlns:a="http://schemas.openxmlformats.org/drawingml/2006/main" xmlns:r="http://schemas.openxmlformats.org/officeDocument/2006/relationships" xmlns:p="http://schemas.openxmlformats.org/presentationml/2006/main">
   <p:cSld>
     <p:spTree>
@@ -14243,7 +13971,7 @@
 </p:sld>
 </file>
 
-<file path=ppt/slides/slide24.xml><?xml version="1.0" encoding="utf-8"?>
+<file path=ppt/slides/slide23.xml><?xml version="1.0" encoding="utf-8"?>
 <p:sld xmlns:a="http://schemas.openxmlformats.org/drawingml/2006/main" xmlns:r="http://schemas.openxmlformats.org/officeDocument/2006/relationships" xmlns:p="http://schemas.openxmlformats.org/presentationml/2006/main">
   <p:cSld>
     <p:spTree>
@@ -15571,7 +15299,7 @@
 </p:sld>
 </file>
 
-<file path=ppt/slides/slide25.xml><?xml version="1.0" encoding="utf-8"?>
+<file path=ppt/slides/slide24.xml><?xml version="1.0" encoding="utf-8"?>
 <p:sld xmlns:a="http://schemas.openxmlformats.org/drawingml/2006/main" xmlns:r="http://schemas.openxmlformats.org/officeDocument/2006/relationships" xmlns:p="http://schemas.openxmlformats.org/presentationml/2006/main">
   <p:cSld>
     <p:spTree>
@@ -17152,7 +16880,7 @@
 </p:sld>
 </file>
 
-<file path=ppt/slides/slide26.xml><?xml version="1.0" encoding="utf-8"?>
+<file path=ppt/slides/slide25.xml><?xml version="1.0" encoding="utf-8"?>
 <p:sld xmlns:a="http://schemas.openxmlformats.org/drawingml/2006/main" xmlns:r="http://schemas.openxmlformats.org/officeDocument/2006/relationships" xmlns:p="http://schemas.openxmlformats.org/presentationml/2006/main">
   <p:cSld>
     <p:spTree>
@@ -17350,7 +17078,7 @@
 </p:sld>
 </file>
 
-<file path=ppt/slides/slide27.xml><?xml version="1.0" encoding="utf-8"?>
+<file path=ppt/slides/slide26.xml><?xml version="1.0" encoding="utf-8"?>
 <p:sld xmlns:a="http://schemas.openxmlformats.org/drawingml/2006/main" xmlns:r="http://schemas.openxmlformats.org/officeDocument/2006/relationships" xmlns:p="http://schemas.openxmlformats.org/presentationml/2006/main">
   <p:cSld>
     <p:spTree>
@@ -19946,7 +19674,7 @@
 </p:sld>
 </file>
 
-<file path=ppt/slides/slide28.xml><?xml version="1.0" encoding="utf-8"?>
+<file path=ppt/slides/slide27.xml><?xml version="1.0" encoding="utf-8"?>
 <p:sld xmlns:a="http://schemas.openxmlformats.org/drawingml/2006/main" xmlns:r="http://schemas.openxmlformats.org/officeDocument/2006/relationships" xmlns:p="http://schemas.openxmlformats.org/presentationml/2006/main">
   <p:cSld>
     <p:spTree>
@@ -21448,7 +21176,7 @@
 </p:sld>
 </file>
 
-<file path=ppt/slides/slide29.xml><?xml version="1.0" encoding="utf-8"?>
+<file path=ppt/slides/slide28.xml><?xml version="1.0" encoding="utf-8"?>
 <p:sld xmlns:a="http://schemas.openxmlformats.org/drawingml/2006/main" xmlns:r="http://schemas.openxmlformats.org/officeDocument/2006/relationships" xmlns:p="http://schemas.openxmlformats.org/presentationml/2006/main">
   <p:cSld>
     <p:spTree>
@@ -22767,502 +22495,7 @@
 </p:sld>
 </file>
 
-<file path=ppt/slides/slide3.xml><?xml version="1.0" encoding="utf-8"?>
-<p:sld xmlns:a="http://schemas.openxmlformats.org/drawingml/2006/main" xmlns:r="http://schemas.openxmlformats.org/officeDocument/2006/relationships" xmlns:p="http://schemas.openxmlformats.org/presentationml/2006/main">
-  <p:cSld>
-    <p:spTree>
-      <p:nvGrpSpPr>
-        <p:cNvPr id="1" name=""/>
-        <p:cNvGrpSpPr/>
-        <p:nvPr/>
-      </p:nvGrpSpPr>
-      <p:grpSpPr>
-        <a:xfrm>
-          <a:off x="0" y="0"/>
-          <a:ext cx="0" cy="0"/>
-          <a:chOff x="0" y="0"/>
-          <a:chExt cx="0" cy="0"/>
-        </a:xfrm>
-      </p:grpSpPr>
-      <p:sp>
-        <p:nvSpPr>
-          <p:cNvPr id="2" name="Title 1"/>
-          <p:cNvSpPr>
-            <a:spLocks noGrp="1"/>
-          </p:cNvSpPr>
-          <p:nvPr>
-            <p:ph type="title"/>
-          </p:nvPr>
-        </p:nvSpPr>
-        <p:spPr/>
-        <p:txBody>
-          <a:bodyPr>
-            <a:normAutofit fontScale="90000"/>
-          </a:bodyPr>
-          <a:lstStyle/>
-          <a:p>
-            <a:r>
-              <a:rPr lang="en-US" b="1" dirty="0" smtClean="0"/>
-              <a:t/>
-            </a:r>
-            <a:br>
-              <a:rPr lang="en-US" b="1" dirty="0" smtClean="0"/>
-            </a:br>
-            <a:r>
-              <a:rPr lang="en-US" b="1" dirty="0" smtClean="0"/>
-              <a:t>Course </a:t>
-            </a:r>
-            <a:r>
-              <a:rPr lang="en-US" b="1" dirty="0" smtClean="0">
-                <a:solidFill>
-                  <a:srgbClr val="FF0000"/>
-                </a:solidFill>
-              </a:rPr>
-              <a:t>Objectives</a:t>
-            </a:r>
-            <a:br>
-              <a:rPr lang="en-US" b="1" dirty="0" smtClean="0">
-                <a:solidFill>
-                  <a:srgbClr val="FF0000"/>
-                </a:solidFill>
-              </a:rPr>
-            </a:br>
-            <a:endParaRPr lang="en-US" dirty="0">
-              <a:solidFill>
-                <a:srgbClr val="FF0000"/>
-              </a:solidFill>
-            </a:endParaRPr>
-          </a:p>
-        </p:txBody>
-      </p:sp>
-      <p:sp>
-        <p:nvSpPr>
-          <p:cNvPr id="3" name="Content Placeholder 2"/>
-          <p:cNvSpPr>
-            <a:spLocks noGrp="1"/>
-          </p:cNvSpPr>
-          <p:nvPr>
-            <p:ph idx="1"/>
-          </p:nvPr>
-        </p:nvSpPr>
-        <p:spPr>
-          <a:xfrm>
-            <a:off x="457200" y="1066800"/>
-            <a:ext cx="8229600" cy="5059363"/>
-          </a:xfrm>
-        </p:spPr>
-        <p:txBody>
-          <a:bodyPr>
-            <a:normAutofit fontScale="25000" lnSpcReduction="20000"/>
-          </a:bodyPr>
-          <a:lstStyle/>
-          <a:p>
-            <a:pPr>
-              <a:buNone/>
-            </a:pPr>
-            <a:r>
-              <a:rPr lang="en-US" sz="11200" b="1" dirty="0" smtClean="0"/>
-              <a:t>On completion of this course we will be able to:</a:t>
-            </a:r>
-          </a:p>
-          <a:p>
-            <a:pPr>
-              <a:buNone/>
-            </a:pPr>
-            <a:endParaRPr lang="en-US" sz="11200" b="1" dirty="0" smtClean="0"/>
-          </a:p>
-          <a:p>
-            <a:pPr marL="514350" indent="-514350">
-              <a:buFont typeface="+mj-lt"/>
-              <a:buAutoNum type="arabicPeriod"/>
-            </a:pPr>
-            <a:r>
-              <a:rPr lang="en-US" sz="9600" dirty="0" smtClean="0"/>
-              <a:t>Little History of Java</a:t>
-            </a:r>
-            <a:endParaRPr lang="en-US" sz="9600" dirty="0" smtClean="0"/>
-          </a:p>
-          <a:p>
-            <a:pPr marL="514350" indent="-514350">
-              <a:buFont typeface="+mj-lt"/>
-              <a:buAutoNum type="arabicPeriod"/>
-            </a:pPr>
-            <a:r>
-              <a:rPr lang="en-US" sz="9600" dirty="0" smtClean="0"/>
-              <a:t>Identify the additional </a:t>
-            </a:r>
-            <a:r>
-              <a:rPr lang="en-US" sz="9600" dirty="0" smtClean="0">
-                <a:solidFill>
-                  <a:srgbClr val="FF0000"/>
-                </a:solidFill>
-              </a:rPr>
-              <a:t>features</a:t>
-            </a:r>
-            <a:r>
-              <a:rPr lang="en-US" sz="9600" dirty="0" smtClean="0"/>
-              <a:t> of Java compared to </a:t>
-            </a:r>
-            <a:r>
-              <a:rPr lang="en-US" sz="9600" dirty="0" smtClean="0">
-                <a:solidFill>
-                  <a:srgbClr val="FF0000"/>
-                </a:solidFill>
-              </a:rPr>
-              <a:t>C++ .</a:t>
-            </a:r>
-          </a:p>
-          <a:p>
-            <a:pPr marL="514350" indent="-514350">
-              <a:buFont typeface="+mj-lt"/>
-              <a:buAutoNum type="arabicPeriod"/>
-            </a:pPr>
-            <a:r>
-              <a:rPr lang="en-US" sz="9600" dirty="0" smtClean="0"/>
-              <a:t>Identify the difference between </a:t>
-            </a:r>
-            <a:r>
-              <a:rPr lang="en-US" sz="9600" dirty="0" smtClean="0">
-                <a:solidFill>
-                  <a:srgbClr val="FF0000"/>
-                </a:solidFill>
-              </a:rPr>
-              <a:t>Compiler</a:t>
-            </a:r>
-            <a:r>
-              <a:rPr lang="en-US" sz="9600" dirty="0" smtClean="0"/>
-              <a:t> and </a:t>
-            </a:r>
-            <a:r>
-              <a:rPr lang="en-US" sz="9600" dirty="0" smtClean="0">
-                <a:solidFill>
-                  <a:srgbClr val="FF0000"/>
-                </a:solidFill>
-              </a:rPr>
-              <a:t>Interpreter .</a:t>
-            </a:r>
-          </a:p>
-          <a:p>
-            <a:pPr marL="514350" indent="-514350">
-              <a:buFont typeface="+mj-lt"/>
-              <a:buAutoNum type="arabicPeriod"/>
-            </a:pPr>
-            <a:r>
-              <a:rPr lang="en-US" sz="9600" dirty="0" smtClean="0"/>
-              <a:t>Identify the difference between </a:t>
-            </a:r>
-            <a:r>
-              <a:rPr lang="en-US" sz="9600" dirty="0" smtClean="0">
-                <a:solidFill>
-                  <a:srgbClr val="FF0000"/>
-                </a:solidFill>
-              </a:rPr>
-              <a:t>applet</a:t>
-            </a:r>
-            <a:r>
-              <a:rPr lang="en-US" sz="9600" dirty="0" smtClean="0"/>
-              <a:t> and </a:t>
-            </a:r>
-            <a:r>
-              <a:rPr lang="en-US" sz="9600" dirty="0" smtClean="0">
-                <a:solidFill>
-                  <a:srgbClr val="FF0000"/>
-                </a:solidFill>
-              </a:rPr>
-              <a:t>application</a:t>
-            </a:r>
-            <a:r>
-              <a:rPr lang="en-US" sz="9600" dirty="0" smtClean="0"/>
-              <a:t> .</a:t>
-            </a:r>
-          </a:p>
-          <a:p>
-            <a:pPr marL="514350" indent="-514350" algn="just">
-              <a:buFont typeface="+mj-lt"/>
-              <a:buAutoNum type="arabicPeriod"/>
-            </a:pPr>
-            <a:r>
-              <a:rPr lang="en-US" sz="9600" dirty="0" smtClean="0"/>
-              <a:t>Apply </a:t>
-            </a:r>
-            <a:r>
-              <a:rPr lang="en-US" sz="9600" dirty="0" smtClean="0">
-                <a:solidFill>
-                  <a:srgbClr val="FF0000"/>
-                </a:solidFill>
-              </a:rPr>
-              <a:t>O</a:t>
-            </a:r>
-            <a:r>
-              <a:rPr lang="en-US" sz="9600" dirty="0" smtClean="0"/>
-              <a:t>bject </a:t>
-            </a:r>
-            <a:r>
-              <a:rPr lang="en-US" sz="9600" dirty="0" smtClean="0">
-                <a:solidFill>
-                  <a:srgbClr val="FF0000"/>
-                </a:solidFill>
-              </a:rPr>
-              <a:t>O</a:t>
-            </a:r>
-            <a:r>
-              <a:rPr lang="en-US" sz="9600" dirty="0" smtClean="0"/>
-              <a:t>riented </a:t>
-            </a:r>
-            <a:r>
-              <a:rPr lang="en-US" sz="9600" dirty="0" smtClean="0">
-                <a:solidFill>
-                  <a:srgbClr val="FF0000"/>
-                </a:solidFill>
-              </a:rPr>
-              <a:t>P</a:t>
-            </a:r>
-            <a:r>
-              <a:rPr lang="en-US" sz="9600" dirty="0" smtClean="0"/>
-              <a:t>rinciples of </a:t>
-            </a:r>
-            <a:r>
-              <a:rPr lang="en-US" sz="9600" dirty="0" smtClean="0">
-                <a:solidFill>
-                  <a:srgbClr val="FF0000"/>
-                </a:solidFill>
-              </a:rPr>
-              <a:t>E</a:t>
-            </a:r>
-            <a:r>
-              <a:rPr lang="en-US" sz="9600" dirty="0" smtClean="0"/>
-              <a:t>ncapsulations, </a:t>
-            </a:r>
-            <a:r>
-              <a:rPr lang="en-US" sz="9600" dirty="0" smtClean="0">
-                <a:solidFill>
-                  <a:srgbClr val="FF0000"/>
-                </a:solidFill>
-              </a:rPr>
-              <a:t>D</a:t>
-            </a:r>
-            <a:r>
-              <a:rPr lang="en-US" sz="9600" dirty="0" smtClean="0"/>
-              <a:t>ata abstraction, </a:t>
-            </a:r>
-            <a:r>
-              <a:rPr lang="en-US" sz="9600" dirty="0" smtClean="0">
-                <a:solidFill>
-                  <a:srgbClr val="FF0000"/>
-                </a:solidFill>
-              </a:rPr>
-              <a:t>I</a:t>
-            </a:r>
-            <a:r>
-              <a:rPr lang="en-US" sz="9600" dirty="0" smtClean="0"/>
-              <a:t>nheritance, </a:t>
-            </a:r>
-            <a:r>
-              <a:rPr lang="en-US" sz="9600" dirty="0" smtClean="0">
-                <a:solidFill>
-                  <a:srgbClr val="FF0000"/>
-                </a:solidFill>
-              </a:rPr>
-              <a:t>P</a:t>
-            </a:r>
-            <a:r>
-              <a:rPr lang="en-US" sz="9600" dirty="0" smtClean="0"/>
-              <a:t>olymorphism. </a:t>
-            </a:r>
-          </a:p>
-          <a:p>
-            <a:pPr marL="514350" indent="-514350">
-              <a:buFont typeface="+mj-lt"/>
-              <a:buAutoNum type="arabicPeriod"/>
-            </a:pPr>
-            <a:r>
-              <a:rPr lang="en-US" sz="9600" dirty="0" smtClean="0"/>
-              <a:t>Program using </a:t>
-            </a:r>
-            <a:r>
-              <a:rPr lang="en-US" sz="9600" dirty="0" smtClean="0">
-                <a:solidFill>
-                  <a:srgbClr val="FF0000"/>
-                </a:solidFill>
-              </a:rPr>
-              <a:t>java API </a:t>
-            </a:r>
-            <a:r>
-              <a:rPr lang="en-US" sz="9600" dirty="0" smtClean="0"/>
-              <a:t>(Application Programming Interface).</a:t>
-            </a:r>
-          </a:p>
-          <a:p>
-            <a:pPr marL="514350" indent="-514350">
-              <a:buFont typeface="+mj-lt"/>
-              <a:buAutoNum type="arabicPeriod"/>
-            </a:pPr>
-            <a:r>
-              <a:rPr lang="en-US" sz="9600" dirty="0" smtClean="0"/>
-              <a:t>Program using </a:t>
-            </a:r>
-            <a:r>
-              <a:rPr lang="en-US" sz="9600" dirty="0" smtClean="0">
-                <a:solidFill>
-                  <a:srgbClr val="FF0000"/>
-                </a:solidFill>
-              </a:rPr>
-              <a:t>Exception Handling</a:t>
-            </a:r>
-            <a:r>
-              <a:rPr lang="en-US" sz="9600" dirty="0" smtClean="0"/>
-              <a:t>, </a:t>
-            </a:r>
-            <a:r>
-              <a:rPr lang="en-US" sz="9600" dirty="0" smtClean="0">
-                <a:solidFill>
-                  <a:srgbClr val="FF0000"/>
-                </a:solidFill>
-              </a:rPr>
-              <a:t>Files</a:t>
-            </a:r>
-            <a:r>
-              <a:rPr lang="en-US" sz="9600" dirty="0" smtClean="0"/>
-              <a:t> and </a:t>
-            </a:r>
-            <a:r>
-              <a:rPr lang="en-US" sz="9600" dirty="0" smtClean="0">
-                <a:solidFill>
-                  <a:srgbClr val="FF0000"/>
-                </a:solidFill>
-              </a:rPr>
-              <a:t>Threads .</a:t>
-            </a:r>
-          </a:p>
-          <a:p>
-            <a:pPr marL="514350" indent="-514350">
-              <a:buFont typeface="+mj-lt"/>
-              <a:buAutoNum type="arabicPeriod"/>
-            </a:pPr>
-            <a:r>
-              <a:rPr lang="en-US" sz="9600" dirty="0" smtClean="0"/>
-              <a:t>Program Using </a:t>
-            </a:r>
-            <a:r>
-              <a:rPr lang="en-US" sz="9600" dirty="0" smtClean="0">
-                <a:solidFill>
-                  <a:srgbClr val="FF0000"/>
-                </a:solidFill>
-              </a:rPr>
-              <a:t>applets</a:t>
-            </a:r>
-            <a:r>
-              <a:rPr lang="en-US" sz="9600" dirty="0" smtClean="0"/>
-              <a:t> and </a:t>
-            </a:r>
-            <a:r>
-              <a:rPr lang="en-US" sz="9600" dirty="0" smtClean="0">
-                <a:solidFill>
-                  <a:srgbClr val="FF0000"/>
-                </a:solidFill>
-              </a:rPr>
-              <a:t>swings .</a:t>
-            </a:r>
-          </a:p>
-          <a:p>
-            <a:pPr>
-              <a:buNone/>
-            </a:pPr>
-            <a:r>
-              <a:rPr lang="en-US" dirty="0" smtClean="0"/>
-              <a:t> </a:t>
-            </a:r>
-            <a:endParaRPr lang="en-US" dirty="0"/>
-          </a:p>
-        </p:txBody>
-      </p:sp>
-      <p:sp>
-        <p:nvSpPr>
-          <p:cNvPr id="4" name="Date Placeholder 3"/>
-          <p:cNvSpPr>
-            <a:spLocks noGrp="1"/>
-          </p:cNvSpPr>
-          <p:nvPr>
-            <p:ph type="dt" sz="half" idx="10"/>
-          </p:nvPr>
-        </p:nvSpPr>
-        <p:spPr/>
-        <p:txBody>
-          <a:bodyPr/>
-          <a:lstStyle/>
-          <a:p>
-            <a:fld id="{11718CF4-5AF7-4C83-83B9-E56FD8DA35A6}" type="datetime1">
-              <a:rPr lang="en-US" smtClean="0"/>
-              <a:pPr/>
-              <a:t>12/13/2016</a:t>
-            </a:fld>
-            <a:endParaRPr lang="en-US"/>
-          </a:p>
-        </p:txBody>
-      </p:sp>
-      <p:sp>
-        <p:nvSpPr>
-          <p:cNvPr id="5" name="Footer Placeholder 4"/>
-          <p:cNvSpPr>
-            <a:spLocks noGrp="1"/>
-          </p:cNvSpPr>
-          <p:nvPr>
-            <p:ph type="ftr" sz="quarter" idx="11"/>
-          </p:nvPr>
-        </p:nvSpPr>
-        <p:spPr/>
-        <p:txBody>
-          <a:bodyPr/>
-          <a:lstStyle/>
-          <a:p>
-            <a:r>
-              <a:rPr lang="en-US" smtClean="0"/>
-              <a:t>Object Oriented Programming using JAVA</a:t>
-            </a:r>
-            <a:endParaRPr lang="en-US"/>
-          </a:p>
-        </p:txBody>
-      </p:sp>
-      <p:sp>
-        <p:nvSpPr>
-          <p:cNvPr id="6" name="Slide Number Placeholder 5"/>
-          <p:cNvSpPr>
-            <a:spLocks noGrp="1"/>
-          </p:cNvSpPr>
-          <p:nvPr>
-            <p:ph type="sldNum" sz="quarter" idx="12"/>
-          </p:nvPr>
-        </p:nvSpPr>
-        <p:spPr/>
-        <p:txBody>
-          <a:bodyPr/>
-          <a:lstStyle/>
-          <a:p>
-            <a:fld id="{A2DAFAA7-FEED-4301-B813-A3876799CA24}" type="slidenum">
-              <a:rPr lang="en-US" smtClean="0"/>
-              <a:pPr/>
-              <a:t>3</a:t>
-            </a:fld>
-            <a:endParaRPr lang="en-US"/>
-          </a:p>
-        </p:txBody>
-      </p:sp>
-    </p:spTree>
-  </p:cSld>
-  <p:clrMapOvr>
-    <a:masterClrMapping/>
-  </p:clrMapOvr>
-  <p:timing>
-    <p:tnLst>
-      <p:par>
-        <p:cTn id="1" dur="indefinite" restart="never" nodeType="tmRoot"/>
-      </p:par>
-    </p:tnLst>
-  </p:timing>
-</p:sld>
-</file>
-
-<file path=ppt/slides/slide30.xml><?xml version="1.0" encoding="utf-8"?>
+<file path=ppt/slides/slide29.xml><?xml version="1.0" encoding="utf-8"?>
 <p:sld xmlns:a="http://schemas.openxmlformats.org/drawingml/2006/main" xmlns:r="http://schemas.openxmlformats.org/officeDocument/2006/relationships" xmlns:p="http://schemas.openxmlformats.org/presentationml/2006/main">
   <p:cSld>
     <p:spTree>
@@ -23579,7 +22812,228 @@
 </p:sld>
 </file>
 
-<file path=ppt/slides/slide31.xml><?xml version="1.0" encoding="utf-8"?>
+<file path=ppt/slides/slide3.xml><?xml version="1.0" encoding="utf-8"?>
+<p:sld xmlns:a="http://schemas.openxmlformats.org/drawingml/2006/main" xmlns:r="http://schemas.openxmlformats.org/officeDocument/2006/relationships" xmlns:p="http://schemas.openxmlformats.org/presentationml/2006/main">
+  <p:cSld>
+    <p:spTree>
+      <p:nvGrpSpPr>
+        <p:cNvPr id="1" name=""/>
+        <p:cNvGrpSpPr/>
+        <p:nvPr/>
+      </p:nvGrpSpPr>
+      <p:grpSpPr>
+        <a:xfrm>
+          <a:off x="0" y="0"/>
+          <a:ext cx="0" cy="0"/>
+          <a:chOff x="0" y="0"/>
+          <a:chExt cx="0" cy="0"/>
+        </a:xfrm>
+      </p:grpSpPr>
+      <p:sp>
+        <p:nvSpPr>
+          <p:cNvPr id="5122" name="Rectangle 2"/>
+          <p:cNvSpPr>
+            <a:spLocks noGrp="1" noChangeArrowheads="1"/>
+          </p:cNvSpPr>
+          <p:nvPr>
+            <p:ph type="title"/>
+          </p:nvPr>
+        </p:nvSpPr>
+        <p:spPr>
+          <a:xfrm>
+            <a:off x="457200" y="228600"/>
+            <a:ext cx="7772400" cy="914400"/>
+          </a:xfrm>
+        </p:spPr>
+        <p:txBody>
+          <a:bodyPr/>
+          <a:lstStyle/>
+          <a:p>
+            <a:r>
+              <a:rPr lang="en-US" dirty="0"/>
+              <a:t>History</a:t>
+            </a:r>
+          </a:p>
+        </p:txBody>
+      </p:sp>
+      <p:sp>
+        <p:nvSpPr>
+          <p:cNvPr id="5123" name="Rectangle 3"/>
+          <p:cNvSpPr>
+            <a:spLocks noGrp="1" noChangeArrowheads="1"/>
+          </p:cNvSpPr>
+          <p:nvPr>
+            <p:ph type="body" idx="1"/>
+          </p:nvPr>
+        </p:nvSpPr>
+        <p:spPr>
+          <a:xfrm>
+            <a:off x="685800" y="1371600"/>
+            <a:ext cx="8001000" cy="5029200"/>
+          </a:xfrm>
+        </p:spPr>
+        <p:txBody>
+          <a:bodyPr>
+            <a:normAutofit fontScale="92500" lnSpcReduction="20000"/>
+          </a:bodyPr>
+          <a:lstStyle/>
+          <a:p>
+            <a:pPr>
+              <a:lnSpc>
+                <a:spcPct val="90000"/>
+              </a:lnSpc>
+            </a:pPr>
+            <a:r>
+              <a:rPr lang="en-US" sz="3000" dirty="0">
+                <a:solidFill>
+                  <a:srgbClr val="FF0000"/>
+                </a:solidFill>
+              </a:rPr>
+              <a:t>James Gosling </a:t>
+            </a:r>
+            <a:r>
+              <a:rPr lang="en-US" sz="3000" dirty="0"/>
+              <a:t>- Sun </a:t>
+            </a:r>
+            <a:r>
+              <a:rPr lang="en-US" sz="3000" dirty="0" smtClean="0"/>
+              <a:t>Microsystems</a:t>
+            </a:r>
+            <a:endParaRPr lang="en-US" sz="3000" dirty="0"/>
+          </a:p>
+          <a:p>
+            <a:pPr>
+              <a:lnSpc>
+                <a:spcPct val="90000"/>
+              </a:lnSpc>
+              <a:spcBef>
+                <a:spcPct val="50000"/>
+              </a:spcBef>
+            </a:pPr>
+            <a:r>
+              <a:rPr lang="en-US" sz="2600" dirty="0"/>
+              <a:t>Oak - Java, May 20, 1995, Sun </a:t>
+            </a:r>
+            <a:r>
+              <a:rPr lang="en-US" sz="2600" dirty="0" smtClean="0"/>
+              <a:t>World</a:t>
+            </a:r>
+            <a:endParaRPr lang="en-US" sz="2600" dirty="0">
+              <a:solidFill>
+                <a:schemeClr val="folHlink"/>
+              </a:solidFill>
+            </a:endParaRPr>
+          </a:p>
+          <a:p>
+            <a:pPr>
+              <a:lnSpc>
+                <a:spcPct val="90000"/>
+              </a:lnSpc>
+              <a:spcBef>
+                <a:spcPct val="50000"/>
+              </a:spcBef>
+            </a:pPr>
+            <a:r>
+              <a:rPr lang="en-US" sz="3100" dirty="0" smtClean="0"/>
+              <a:t>JDK Evolutions</a:t>
+            </a:r>
+            <a:endParaRPr lang="en-US" sz="2600" dirty="0"/>
+          </a:p>
+          <a:p>
+            <a:pPr lvl="1"/>
+            <a:r>
+              <a:rPr lang="da-DK" dirty="0" smtClean="0"/>
+              <a:t>JDK 1.0 (January 23, 1996)</a:t>
+            </a:r>
+          </a:p>
+          <a:p>
+            <a:pPr lvl="1"/>
+            <a:r>
+              <a:rPr lang="da-DK" dirty="0" smtClean="0"/>
+              <a:t>JDK 1.1 (February 19, 1997)</a:t>
+            </a:r>
+          </a:p>
+          <a:p>
+            <a:pPr lvl="1"/>
+            <a:r>
+              <a:rPr lang="da-DK" dirty="0" smtClean="0"/>
+              <a:t>J2SE 1.2 (December 8, 1998)</a:t>
+            </a:r>
+          </a:p>
+          <a:p>
+            <a:pPr lvl="1"/>
+            <a:r>
+              <a:rPr lang="da-DK" dirty="0" smtClean="0"/>
+              <a:t>J2SE 1.3 (May 8, 2000)</a:t>
+            </a:r>
+          </a:p>
+          <a:p>
+            <a:pPr lvl="1"/>
+            <a:r>
+              <a:rPr lang="da-DK" dirty="0" smtClean="0"/>
+              <a:t>J2SE 1.4 (February 6, 2002)</a:t>
+            </a:r>
+          </a:p>
+          <a:p>
+            <a:pPr lvl="1"/>
+            <a:r>
+              <a:rPr lang="da-DK" dirty="0" smtClean="0"/>
+              <a:t>J2SE 5.0 (September 30, 2004)</a:t>
+            </a:r>
+          </a:p>
+          <a:p>
+            <a:pPr lvl="1"/>
+            <a:r>
+              <a:rPr lang="da-DK" dirty="0" smtClean="0"/>
+              <a:t>Java SE 6 (December 11, 2006)</a:t>
+            </a:r>
+          </a:p>
+          <a:p>
+            <a:pPr lvl="1"/>
+            <a:r>
+              <a:rPr lang="da-DK" dirty="0" smtClean="0"/>
+              <a:t>Java SE 7 (July 28, 2011)</a:t>
+            </a:r>
+          </a:p>
+          <a:p>
+            <a:pPr lvl="1"/>
+            <a:r>
+              <a:rPr lang="da-DK" dirty="0"/>
+              <a:t>Java SE </a:t>
+            </a:r>
+            <a:r>
+              <a:rPr lang="da-DK" dirty="0" smtClean="0"/>
+              <a:t>8 (Mar, 2014)</a:t>
+            </a:r>
+            <a:endParaRPr lang="da-DK" dirty="0"/>
+          </a:p>
+          <a:p>
+            <a:pPr lvl="1"/>
+            <a:endParaRPr lang="da-DK" dirty="0" smtClean="0"/>
+          </a:p>
+          <a:p>
+            <a:pPr lvl="1"/>
+            <a:endParaRPr lang="da-DK" dirty="0"/>
+          </a:p>
+        </p:txBody>
+      </p:sp>
+    </p:spTree>
+  </p:cSld>
+  <p:clrMapOvr>
+    <a:masterClrMapping/>
+  </p:clrMapOvr>
+  <p:transition/>
+  <p:timing>
+    <p:tnLst>
+      <p:par>
+        <p:cTn id="1" dur="indefinite" restart="never" nodeType="tmRoot"/>
+      </p:par>
+    </p:tnLst>
+  </p:timing>
+</p:sld>
+</file>
+
+<file path=ppt/slides/slide30.xml><?xml version="1.0" encoding="utf-8"?>
 <p:sld xmlns:a="http://schemas.openxmlformats.org/drawingml/2006/main" xmlns:r="http://schemas.openxmlformats.org/officeDocument/2006/relationships" xmlns:p="http://schemas.openxmlformats.org/presentationml/2006/main">
   <p:cSld>
     <p:spTree>
@@ -23640,7 +23094,7 @@
             <a:fld id="{16C1F2B2-1B03-4106-91CB-DFF2AAF38B44}" type="slidenum">
               <a:rPr lang="en-US" altLang="en-US"/>
               <a:pPr/>
-              <a:t>31</a:t>
+              <a:t>30</a:t>
             </a:fld>
             <a:endParaRPr lang="en-US" altLang="en-US"/>
           </a:p>
@@ -24906,7 +24360,7 @@
 </p:sld>
 </file>
 
-<file path=ppt/slides/slide32.xml><?xml version="1.0" encoding="utf-8"?>
+<file path=ppt/slides/slide31.xml><?xml version="1.0" encoding="utf-8"?>
 <p:sld xmlns:a="http://schemas.openxmlformats.org/drawingml/2006/main" xmlns:r="http://schemas.openxmlformats.org/officeDocument/2006/relationships" xmlns:p="http://schemas.openxmlformats.org/presentationml/2006/main">
   <p:cSld>
     <p:spTree>
@@ -24967,7 +24421,7 @@
             <a:fld id="{60857AF1-674C-4C7A-9486-6FDC50ECC953}" type="slidenum">
               <a:rPr lang="en-US" altLang="en-US"/>
               <a:pPr/>
-              <a:t>32</a:t>
+              <a:t>31</a:t>
             </a:fld>
             <a:endParaRPr lang="en-US" altLang="en-US"/>
           </a:p>
@@ -25948,7 +25402,7 @@
 </p:sld>
 </file>
 
-<file path=ppt/slides/slide33.xml><?xml version="1.0" encoding="utf-8"?>
+<file path=ppt/slides/slide32.xml><?xml version="1.0" encoding="utf-8"?>
 <p:sld xmlns:a="http://schemas.openxmlformats.org/drawingml/2006/main" xmlns:r="http://schemas.openxmlformats.org/officeDocument/2006/relationships" xmlns:p="http://schemas.openxmlformats.org/presentationml/2006/main">
   <p:cSld>
     <p:spTree>
@@ -25983,7 +25437,7 @@
             <a:fld id="{5CFB5778-CBA2-49C2-A87A-596F0A2E6FCF}" type="slidenum">
               <a:rPr lang="en-US" altLang="en-US"/>
               <a:pPr/>
-              <a:t>33</a:t>
+              <a:t>32</a:t>
             </a:fld>
             <a:endParaRPr lang="en-US" altLang="en-US"/>
           </a:p>
@@ -26540,7 +25994,7 @@
 </p:sld>
 </file>
 
-<file path=ppt/slides/slide34.xml><?xml version="1.0" encoding="utf-8"?>
+<file path=ppt/slides/slide33.xml><?xml version="1.0" encoding="utf-8"?>
 <p:sld xmlns:a="http://schemas.openxmlformats.org/drawingml/2006/main" xmlns:r="http://schemas.openxmlformats.org/officeDocument/2006/relationships" xmlns:p="http://schemas.openxmlformats.org/presentationml/2006/main">
   <p:cSld>
     <p:spTree>
@@ -26575,7 +26029,7 @@
             <a:fld id="{55969A09-CB25-4979-977B-F8AD0BB07627}" type="slidenum">
               <a:rPr lang="en-US" altLang="en-US"/>
               <a:pPr/>
-              <a:t>34</a:t>
+              <a:t>33</a:t>
             </a:fld>
             <a:endParaRPr lang="en-US" altLang="en-US"/>
           </a:p>
@@ -26791,7 +26245,7 @@
           <a:graphicData uri="http://schemas.openxmlformats.org/presentationml/2006/ole">
             <mc:AlternateContent xmlns:mc="http://schemas.openxmlformats.org/markup-compatibility/2006">
               <mc:Choice xmlns:v="urn:schemas-microsoft-com:vml" Requires="v">
-                <p:oleObj spid="_x0000_s1061" r:id="rId3" imgW="2743200" imgH="4267200" progId="Word.Picture.8">
+                <p:oleObj spid="_x0000_s1080" r:id="rId3" imgW="2743200" imgH="4267200" progId="Word.Picture.8">
                   <p:embed/>
                 </p:oleObj>
               </mc:Choice>
@@ -26866,7 +26320,7 @@
 </p:sld>
 </file>
 
-<file path=ppt/slides/slide35.xml><?xml version="1.0" encoding="utf-8"?>
+<file path=ppt/slides/slide34.xml><?xml version="1.0" encoding="utf-8"?>
 <p:sld xmlns:a="http://schemas.openxmlformats.org/drawingml/2006/main" xmlns:r="http://schemas.openxmlformats.org/officeDocument/2006/relationships" xmlns:p="http://schemas.openxmlformats.org/presentationml/2006/main">
   <p:cSld>
     <p:spTree>
@@ -26901,7 +26355,7 @@
             <a:fld id="{44E3D03A-0DD9-44CB-992C-7B28B4202EF8}" type="slidenum">
               <a:rPr lang="en-US" altLang="en-US"/>
               <a:pPr/>
-              <a:t>35</a:t>
+              <a:t>34</a:t>
             </a:fld>
             <a:endParaRPr lang="en-US" altLang="en-US"/>
           </a:p>
@@ -26997,7 +26451,7 @@
           <a:graphicData uri="http://schemas.openxmlformats.org/presentationml/2006/ole">
             <mc:AlternateContent xmlns:mc="http://schemas.openxmlformats.org/markup-compatibility/2006">
               <mc:Choice xmlns:v="urn:schemas-microsoft-com:vml" Requires="v">
-                <p:oleObj spid="_x0000_s2084" name="Picture" r:id="rId3" imgW="3657600" imgH="1828800" progId="Word.Picture.8">
+                <p:oleObj spid="_x0000_s2103" name="Picture" r:id="rId3" imgW="3657600" imgH="1828800" progId="Word.Picture.8">
                   <p:embed/>
                 </p:oleObj>
               </mc:Choice>
@@ -27095,199 +26549,7 @@
 </p:sld>
 </file>
 
-<file path=ppt/slides/slide36.xml><?xml version="1.0" encoding="utf-8"?>
-<p:sld xmlns:a="http://schemas.openxmlformats.org/drawingml/2006/main" xmlns:r="http://schemas.openxmlformats.org/officeDocument/2006/relationships" xmlns:p="http://schemas.openxmlformats.org/presentationml/2006/main">
-  <p:cSld>
-    <p:spTree>
-      <p:nvGrpSpPr>
-        <p:cNvPr id="1" name=""/>
-        <p:cNvGrpSpPr/>
-        <p:nvPr/>
-      </p:nvGrpSpPr>
-      <p:grpSpPr>
-        <a:xfrm>
-          <a:off x="0" y="0"/>
-          <a:ext cx="0" cy="0"/>
-          <a:chOff x="0" y="0"/>
-          <a:chExt cx="0" cy="0"/>
-        </a:xfrm>
-      </p:grpSpPr>
-      <p:sp>
-        <p:nvSpPr>
-          <p:cNvPr id="2" name="Title 1"/>
-          <p:cNvSpPr>
-            <a:spLocks noGrp="1"/>
-          </p:cNvSpPr>
-          <p:nvPr>
-            <p:ph type="title"/>
-          </p:nvPr>
-        </p:nvSpPr>
-        <p:spPr>
-          <a:xfrm>
-            <a:off x="457200" y="0"/>
-            <a:ext cx="8229600" cy="1143000"/>
-          </a:xfrm>
-        </p:spPr>
-        <p:txBody>
-          <a:bodyPr/>
-          <a:lstStyle/>
-          <a:p>
-            <a:r>
-              <a:rPr lang="en-US" dirty="0" smtClean="0"/>
-              <a:t>Execution of Hello world Program</a:t>
-            </a:r>
-            <a:endParaRPr lang="en-US" dirty="0"/>
-          </a:p>
-        </p:txBody>
-      </p:sp>
-      <p:pic>
-        <p:nvPicPr>
-          <p:cNvPr id="7" name="Content Placeholder 6"/>
-          <p:cNvPicPr>
-            <a:picLocks noGrp="1" noChangeAspect="1"/>
-          </p:cNvPicPr>
-          <p:nvPr>
-            <p:ph idx="1"/>
-          </p:nvPr>
-        </p:nvPicPr>
-        <p:blipFill>
-          <a:blip r:embed="rId3">
-            <a:extLst>
-              <a:ext uri="{28A0092B-C50C-407E-A947-70E740481C1C}">
-                <a14:useLocalDpi xmlns:a14="http://schemas.microsoft.com/office/drawing/2010/main" val="0"/>
-              </a:ext>
-            </a:extLst>
-          </a:blip>
-          <a:stretch>
-            <a:fillRect/>
-          </a:stretch>
-        </p:blipFill>
-        <p:spPr>
-          <a:xfrm>
-            <a:off x="976428" y="1600200"/>
-            <a:ext cx="7191144" cy="4525963"/>
-          </a:xfrm>
-        </p:spPr>
-      </p:pic>
-      <p:sp>
-        <p:nvSpPr>
-          <p:cNvPr id="4" name="Date Placeholder 3"/>
-          <p:cNvSpPr>
-            <a:spLocks noGrp="1"/>
-          </p:cNvSpPr>
-          <p:nvPr>
-            <p:ph type="dt" sz="half" idx="10"/>
-          </p:nvPr>
-        </p:nvSpPr>
-        <p:spPr/>
-        <p:txBody>
-          <a:bodyPr/>
-          <a:lstStyle/>
-          <a:p>
-            <a:fld id="{11718CF4-5AF7-4C83-83B9-E56FD8DA35A6}" type="datetime1">
-              <a:rPr lang="en-US" smtClean="0"/>
-              <a:pPr/>
-              <a:t>12/13/2016</a:t>
-            </a:fld>
-            <a:endParaRPr lang="en-US"/>
-          </a:p>
-        </p:txBody>
-      </p:sp>
-      <p:sp>
-        <p:nvSpPr>
-          <p:cNvPr id="5" name="Footer Placeholder 4"/>
-          <p:cNvSpPr>
-            <a:spLocks noGrp="1"/>
-          </p:cNvSpPr>
-          <p:nvPr>
-            <p:ph type="ftr" sz="quarter" idx="11"/>
-          </p:nvPr>
-        </p:nvSpPr>
-        <p:spPr/>
-        <p:txBody>
-          <a:bodyPr/>
-          <a:lstStyle/>
-          <a:p>
-            <a:r>
-              <a:rPr lang="en-US" smtClean="0"/>
-              <a:t>Object Oriented Programming using JAVA</a:t>
-            </a:r>
-            <a:endParaRPr lang="en-US"/>
-          </a:p>
-        </p:txBody>
-      </p:sp>
-      <p:sp>
-        <p:nvSpPr>
-          <p:cNvPr id="6" name="Slide Number Placeholder 5"/>
-          <p:cNvSpPr>
-            <a:spLocks noGrp="1"/>
-          </p:cNvSpPr>
-          <p:nvPr>
-            <p:ph type="sldNum" sz="quarter" idx="12"/>
-          </p:nvPr>
-        </p:nvSpPr>
-        <p:spPr/>
-        <p:txBody>
-          <a:bodyPr/>
-          <a:lstStyle/>
-          <a:p>
-            <a:fld id="{A2DAFAA7-FEED-4301-B813-A3876799CA24}" type="slidenum">
-              <a:rPr lang="en-US" smtClean="0"/>
-              <a:pPr/>
-              <a:t>36</a:t>
-            </a:fld>
-            <a:endParaRPr lang="en-US"/>
-          </a:p>
-        </p:txBody>
-      </p:sp>
-      <p:pic>
-        <p:nvPicPr>
-          <p:cNvPr id="5122" name="Picture 2"/>
-          <p:cNvPicPr>
-            <a:picLocks noChangeAspect="1" noChangeArrowheads="1"/>
-          </p:cNvPicPr>
-          <p:nvPr/>
-        </p:nvPicPr>
-        <p:blipFill>
-          <a:blip r:embed="rId4" cstate="print"/>
-          <a:srcRect/>
-          <a:stretch>
-            <a:fillRect/>
-          </a:stretch>
-        </p:blipFill>
-        <p:spPr bwMode="auto">
-          <a:xfrm>
-            <a:off x="0" y="1042255"/>
-            <a:ext cx="9144000" cy="5206145"/>
-          </a:xfrm>
-          <a:prstGeom prst="rect">
-            <a:avLst/>
-          </a:prstGeom>
-          <a:noFill/>
-          <a:ln w="9525">
-            <a:noFill/>
-            <a:miter lim="800000"/>
-            <a:headEnd/>
-            <a:tailEnd/>
-          </a:ln>
-        </p:spPr>
-      </p:pic>
-    </p:spTree>
-  </p:cSld>
-  <p:clrMapOvr>
-    <a:masterClrMapping/>
-  </p:clrMapOvr>
-  <p:timing>
-    <p:tnLst>
-      <p:par>
-        <p:cTn id="1" dur="indefinite" restart="never" nodeType="tmRoot"/>
-      </p:par>
-    </p:tnLst>
-  </p:timing>
-</p:sld>
-</file>
-
-<file path=ppt/slides/slide37.xml><?xml version="1.0" encoding="utf-8"?>
+<file path=ppt/slides/slide35.xml><?xml version="1.0" encoding="utf-8"?>
 <p:sld xmlns:a="http://schemas.openxmlformats.org/drawingml/2006/main" xmlns:r="http://schemas.openxmlformats.org/officeDocument/2006/relationships" xmlns:p="http://schemas.openxmlformats.org/presentationml/2006/main">
   <p:cSld>
     <p:spTree>
@@ -27379,7 +26641,7 @@
             <a:fld id="{11718CF4-5AF7-4C83-83B9-E56FD8DA35A6}" type="datetime1">
               <a:rPr lang="en-US" smtClean="0"/>
               <a:pPr/>
-              <a:t>12/13/2016</a:t>
+              <a:t>12/14/2016</a:t>
             </a:fld>
             <a:endParaRPr lang="en-US"/>
           </a:p>
@@ -27426,7 +26688,7 @@
             <a:fld id="{A2DAFAA7-FEED-4301-B813-A3876799CA24}" type="slidenum">
               <a:rPr lang="en-US" smtClean="0"/>
               <a:pPr/>
-              <a:t>37</a:t>
+              <a:t>35</a:t>
             </a:fld>
             <a:endParaRPr lang="en-US"/>
           </a:p>
@@ -27445,7 +26707,7 @@
 </p:sld>
 </file>
 
-<file path=ppt/slides/slide38.xml><?xml version="1.0" encoding="utf-8"?>
+<file path=ppt/slides/slide36.xml><?xml version="1.0" encoding="utf-8"?>
 <p:sld xmlns:a="http://schemas.openxmlformats.org/drawingml/2006/main" xmlns:r="http://schemas.openxmlformats.org/officeDocument/2006/relationships" xmlns:p="http://schemas.openxmlformats.org/presentationml/2006/main">
   <p:cSld>
     <p:spTree>
@@ -27528,7 +26790,7 @@
             <a:fld id="{11718CF4-5AF7-4C83-83B9-E56FD8DA35A6}" type="datetime1">
               <a:rPr lang="en-US" smtClean="0"/>
               <a:pPr/>
-              <a:t>12/13/2016</a:t>
+              <a:t>12/14/2016</a:t>
             </a:fld>
             <a:endParaRPr lang="en-US"/>
           </a:p>
@@ -27575,7 +26837,7 @@
             <a:fld id="{A2DAFAA7-FEED-4301-B813-A3876799CA24}" type="slidenum">
               <a:rPr lang="en-US" smtClean="0"/>
               <a:pPr/>
-              <a:t>38</a:t>
+              <a:t>36</a:t>
             </a:fld>
             <a:endParaRPr lang="en-US"/>
           </a:p>
@@ -27594,7 +26856,7 @@
 </p:sld>
 </file>
 
-<file path=ppt/slides/slide39.xml><?xml version="1.0" encoding="utf-8"?>
+<file path=ppt/slides/slide37.xml><?xml version="1.0" encoding="utf-8"?>
 <p:sld xmlns:a="http://schemas.openxmlformats.org/drawingml/2006/main" xmlns:r="http://schemas.openxmlformats.org/officeDocument/2006/relationships" xmlns:p="http://schemas.openxmlformats.org/presentationml/2006/main">
   <p:cSld>
     <p:spTree>
@@ -27689,7 +26951,7 @@
             <a:fld id="{11718CF4-5AF7-4C83-83B9-E56FD8DA35A6}" type="datetime1">
               <a:rPr lang="en-US" smtClean="0"/>
               <a:pPr/>
-              <a:t>12/13/2016</a:t>
+              <a:t>12/14/2016</a:t>
             </a:fld>
             <a:endParaRPr lang="en-US"/>
           </a:p>
@@ -27736,7 +26998,7 @@
             <a:fld id="{A2DAFAA7-FEED-4301-B813-A3876799CA24}" type="slidenum">
               <a:rPr lang="en-US" smtClean="0"/>
               <a:pPr/>
-              <a:t>39</a:t>
+              <a:t>37</a:t>
             </a:fld>
             <a:endParaRPr lang="en-US"/>
           </a:p>
@@ -27785,228 +27047,7 @@
 </p:sld>
 </file>
 
-<file path=ppt/slides/slide4.xml><?xml version="1.0" encoding="utf-8"?>
-<p:sld xmlns:a="http://schemas.openxmlformats.org/drawingml/2006/main" xmlns:r="http://schemas.openxmlformats.org/officeDocument/2006/relationships" xmlns:p="http://schemas.openxmlformats.org/presentationml/2006/main">
-  <p:cSld>
-    <p:spTree>
-      <p:nvGrpSpPr>
-        <p:cNvPr id="1" name=""/>
-        <p:cNvGrpSpPr/>
-        <p:nvPr/>
-      </p:nvGrpSpPr>
-      <p:grpSpPr>
-        <a:xfrm>
-          <a:off x="0" y="0"/>
-          <a:ext cx="0" cy="0"/>
-          <a:chOff x="0" y="0"/>
-          <a:chExt cx="0" cy="0"/>
-        </a:xfrm>
-      </p:grpSpPr>
-      <p:sp>
-        <p:nvSpPr>
-          <p:cNvPr id="5122" name="Rectangle 2"/>
-          <p:cNvSpPr>
-            <a:spLocks noGrp="1" noChangeArrowheads="1"/>
-          </p:cNvSpPr>
-          <p:nvPr>
-            <p:ph type="title"/>
-          </p:nvPr>
-        </p:nvSpPr>
-        <p:spPr>
-          <a:xfrm>
-            <a:off x="457200" y="228600"/>
-            <a:ext cx="7772400" cy="914400"/>
-          </a:xfrm>
-        </p:spPr>
-        <p:txBody>
-          <a:bodyPr/>
-          <a:lstStyle/>
-          <a:p>
-            <a:r>
-              <a:rPr lang="en-US" dirty="0"/>
-              <a:t>History</a:t>
-            </a:r>
-          </a:p>
-        </p:txBody>
-      </p:sp>
-      <p:sp>
-        <p:nvSpPr>
-          <p:cNvPr id="5123" name="Rectangle 3"/>
-          <p:cNvSpPr>
-            <a:spLocks noGrp="1" noChangeArrowheads="1"/>
-          </p:cNvSpPr>
-          <p:nvPr>
-            <p:ph type="body" idx="1"/>
-          </p:nvPr>
-        </p:nvSpPr>
-        <p:spPr>
-          <a:xfrm>
-            <a:off x="685800" y="1371600"/>
-            <a:ext cx="8001000" cy="5029200"/>
-          </a:xfrm>
-        </p:spPr>
-        <p:txBody>
-          <a:bodyPr>
-            <a:normAutofit fontScale="92500" lnSpcReduction="20000"/>
-          </a:bodyPr>
-          <a:lstStyle/>
-          <a:p>
-            <a:pPr>
-              <a:lnSpc>
-                <a:spcPct val="90000"/>
-              </a:lnSpc>
-            </a:pPr>
-            <a:r>
-              <a:rPr lang="en-US" sz="3000" dirty="0">
-                <a:solidFill>
-                  <a:srgbClr val="FF0000"/>
-                </a:solidFill>
-              </a:rPr>
-              <a:t>James Gosling </a:t>
-            </a:r>
-            <a:r>
-              <a:rPr lang="en-US" sz="3000" dirty="0"/>
-              <a:t>- Sun </a:t>
-            </a:r>
-            <a:r>
-              <a:rPr lang="en-US" sz="3000" dirty="0" smtClean="0"/>
-              <a:t>Microsystems</a:t>
-            </a:r>
-            <a:endParaRPr lang="en-US" sz="3000" dirty="0"/>
-          </a:p>
-          <a:p>
-            <a:pPr>
-              <a:lnSpc>
-                <a:spcPct val="90000"/>
-              </a:lnSpc>
-              <a:spcBef>
-                <a:spcPct val="50000"/>
-              </a:spcBef>
-            </a:pPr>
-            <a:r>
-              <a:rPr lang="en-US" sz="2600" dirty="0"/>
-              <a:t>Oak - Java, May 20, 1995, Sun </a:t>
-            </a:r>
-            <a:r>
-              <a:rPr lang="en-US" sz="2600" dirty="0" smtClean="0"/>
-              <a:t>World</a:t>
-            </a:r>
-            <a:endParaRPr lang="en-US" sz="2600" dirty="0">
-              <a:solidFill>
-                <a:schemeClr val="folHlink"/>
-              </a:solidFill>
-            </a:endParaRPr>
-          </a:p>
-          <a:p>
-            <a:pPr>
-              <a:lnSpc>
-                <a:spcPct val="90000"/>
-              </a:lnSpc>
-              <a:spcBef>
-                <a:spcPct val="50000"/>
-              </a:spcBef>
-            </a:pPr>
-            <a:r>
-              <a:rPr lang="en-US" sz="3100" dirty="0" smtClean="0"/>
-              <a:t>JDK Evolutions</a:t>
-            </a:r>
-            <a:endParaRPr lang="en-US" sz="2600" dirty="0"/>
-          </a:p>
-          <a:p>
-            <a:pPr lvl="1"/>
-            <a:r>
-              <a:rPr lang="da-DK" dirty="0" smtClean="0"/>
-              <a:t>JDK 1.0 (January 23, 1996)</a:t>
-            </a:r>
-          </a:p>
-          <a:p>
-            <a:pPr lvl="1"/>
-            <a:r>
-              <a:rPr lang="da-DK" dirty="0" smtClean="0"/>
-              <a:t>JDK 1.1 (February 19, 1997)</a:t>
-            </a:r>
-          </a:p>
-          <a:p>
-            <a:pPr lvl="1"/>
-            <a:r>
-              <a:rPr lang="da-DK" dirty="0" smtClean="0"/>
-              <a:t>J2SE 1.2 (December 8, 1998)</a:t>
-            </a:r>
-          </a:p>
-          <a:p>
-            <a:pPr lvl="1"/>
-            <a:r>
-              <a:rPr lang="da-DK" dirty="0" smtClean="0"/>
-              <a:t>J2SE 1.3 (May 8, 2000)</a:t>
-            </a:r>
-          </a:p>
-          <a:p>
-            <a:pPr lvl="1"/>
-            <a:r>
-              <a:rPr lang="da-DK" dirty="0" smtClean="0"/>
-              <a:t>J2SE 1.4 (February 6, 2002)</a:t>
-            </a:r>
-          </a:p>
-          <a:p>
-            <a:pPr lvl="1"/>
-            <a:r>
-              <a:rPr lang="da-DK" dirty="0" smtClean="0"/>
-              <a:t>J2SE 5.0 (September 30, 2004)</a:t>
-            </a:r>
-          </a:p>
-          <a:p>
-            <a:pPr lvl="1"/>
-            <a:r>
-              <a:rPr lang="da-DK" dirty="0" smtClean="0"/>
-              <a:t>Java SE 6 (December 11, 2006)</a:t>
-            </a:r>
-          </a:p>
-          <a:p>
-            <a:pPr lvl="1"/>
-            <a:r>
-              <a:rPr lang="da-DK" dirty="0" smtClean="0"/>
-              <a:t>Java SE 7 (July 28, 2011)</a:t>
-            </a:r>
-          </a:p>
-          <a:p>
-            <a:pPr lvl="1"/>
-            <a:r>
-              <a:rPr lang="da-DK" dirty="0"/>
-              <a:t>Java SE </a:t>
-            </a:r>
-            <a:r>
-              <a:rPr lang="da-DK" dirty="0" smtClean="0"/>
-              <a:t>8 (Apr, 2014)</a:t>
-            </a:r>
-            <a:endParaRPr lang="da-DK" dirty="0"/>
-          </a:p>
-          <a:p>
-            <a:pPr lvl="1"/>
-            <a:endParaRPr lang="da-DK" dirty="0" smtClean="0"/>
-          </a:p>
-          <a:p>
-            <a:pPr lvl="1"/>
-            <a:endParaRPr lang="da-DK" dirty="0"/>
-          </a:p>
-        </p:txBody>
-      </p:sp>
-    </p:spTree>
-  </p:cSld>
-  <p:clrMapOvr>
-    <a:masterClrMapping/>
-  </p:clrMapOvr>
-  <p:transition/>
-  <p:timing>
-    <p:tnLst>
-      <p:par>
-        <p:cTn id="1" dur="indefinite" restart="never" nodeType="tmRoot"/>
-      </p:par>
-    </p:tnLst>
-  </p:timing>
-</p:sld>
-</file>
-
-<file path=ppt/slides/slide40.xml><?xml version="1.0" encoding="utf-8"?>
+<file path=ppt/slides/slide38.xml><?xml version="1.0" encoding="utf-8"?>
 <p:sld xmlns:a="http://schemas.openxmlformats.org/drawingml/2006/main" xmlns:r="http://schemas.openxmlformats.org/officeDocument/2006/relationships" xmlns:p="http://schemas.openxmlformats.org/presentationml/2006/main">
   <p:cSld>
     <p:spTree>
@@ -28089,7 +27130,7 @@
             <a:fld id="{11718CF4-5AF7-4C83-83B9-E56FD8DA35A6}" type="datetime1">
               <a:rPr lang="en-US" smtClean="0"/>
               <a:pPr/>
-              <a:t>12/13/2016</a:t>
+              <a:t>12/14/2016</a:t>
             </a:fld>
             <a:endParaRPr lang="en-US"/>
           </a:p>
@@ -28136,7 +27177,7 @@
             <a:fld id="{A2DAFAA7-FEED-4301-B813-A3876799CA24}" type="slidenum">
               <a:rPr lang="en-US" smtClean="0"/>
               <a:pPr/>
-              <a:t>40</a:t>
+              <a:t>38</a:t>
             </a:fld>
             <a:endParaRPr lang="en-US"/>
           </a:p>
@@ -28155,7 +27196,7 @@
 </p:sld>
 </file>
 
-<file path=ppt/slides/slide41.xml><?xml version="1.0" encoding="utf-8"?>
+<file path=ppt/slides/slide39.xml><?xml version="1.0" encoding="utf-8"?>
 <p:sld xmlns:a="http://schemas.openxmlformats.org/drawingml/2006/main" xmlns:r="http://schemas.openxmlformats.org/officeDocument/2006/relationships" xmlns:p="http://schemas.openxmlformats.org/presentationml/2006/main">
   <p:cSld>
     <p:spTree>
@@ -28238,7 +27279,7 @@
             <a:fld id="{11718CF4-5AF7-4C83-83B9-E56FD8DA35A6}" type="datetime1">
               <a:rPr lang="en-US" smtClean="0"/>
               <a:pPr/>
-              <a:t>12/13/2016</a:t>
+              <a:t>12/14/2016</a:t>
             </a:fld>
             <a:endParaRPr lang="en-US"/>
           </a:p>
@@ -28285,7 +27326,7 @@
             <a:fld id="{A2DAFAA7-FEED-4301-B813-A3876799CA24}" type="slidenum">
               <a:rPr lang="en-US" smtClean="0"/>
               <a:pPr/>
-              <a:t>41</a:t>
+              <a:t>39</a:t>
             </a:fld>
             <a:endParaRPr lang="en-US"/>
           </a:p>
@@ -28304,253 +27345,7 @@
 </p:sld>
 </file>
 
-<file path=ppt/slides/slide42.xml><?xml version="1.0" encoding="utf-8"?>
-<p:sld xmlns:a="http://schemas.openxmlformats.org/drawingml/2006/main" xmlns:r="http://schemas.openxmlformats.org/officeDocument/2006/relationships" xmlns:p="http://schemas.openxmlformats.org/presentationml/2006/main">
-  <p:cSld>
-    <p:spTree>
-      <p:nvGrpSpPr>
-        <p:cNvPr id="1" name=""/>
-        <p:cNvGrpSpPr/>
-        <p:nvPr/>
-      </p:nvGrpSpPr>
-      <p:grpSpPr>
-        <a:xfrm>
-          <a:off x="0" y="0"/>
-          <a:ext cx="0" cy="0"/>
-          <a:chOff x="0" y="0"/>
-          <a:chExt cx="0" cy="0"/>
-        </a:xfrm>
-      </p:grpSpPr>
-      <p:sp>
-        <p:nvSpPr>
-          <p:cNvPr id="2" name="Title 1"/>
-          <p:cNvSpPr>
-            <a:spLocks noGrp="1"/>
-          </p:cNvSpPr>
-          <p:nvPr>
-            <p:ph type="title"/>
-          </p:nvPr>
-        </p:nvSpPr>
-        <p:spPr/>
-        <p:txBody>
-          <a:bodyPr/>
-          <a:lstStyle/>
-          <a:p>
-            <a:endParaRPr lang="en-US"/>
-          </a:p>
-        </p:txBody>
-      </p:sp>
-      <p:sp>
-        <p:nvSpPr>
-          <p:cNvPr id="3" name="Content Placeholder 2"/>
-          <p:cNvSpPr>
-            <a:spLocks noGrp="1"/>
-          </p:cNvSpPr>
-          <p:nvPr>
-            <p:ph idx="1"/>
-          </p:nvPr>
-        </p:nvSpPr>
-        <p:spPr/>
-        <p:txBody>
-          <a:bodyPr/>
-          <a:lstStyle/>
-          <a:p>
-            <a:endParaRPr lang="en-US" dirty="0"/>
-          </a:p>
-        </p:txBody>
-      </p:sp>
-      <p:sp>
-        <p:nvSpPr>
-          <p:cNvPr id="4" name="Date Placeholder 3"/>
-          <p:cNvSpPr>
-            <a:spLocks noGrp="1"/>
-          </p:cNvSpPr>
-          <p:nvPr>
-            <p:ph type="dt" sz="half" idx="10"/>
-          </p:nvPr>
-        </p:nvSpPr>
-        <p:spPr/>
-        <p:txBody>
-          <a:bodyPr/>
-          <a:lstStyle/>
-          <a:p>
-            <a:fld id="{11718CF4-5AF7-4C83-83B9-E56FD8DA35A6}" type="datetime1">
-              <a:rPr lang="en-US" smtClean="0"/>
-              <a:pPr/>
-              <a:t>12/13/2016</a:t>
-            </a:fld>
-            <a:endParaRPr lang="en-US"/>
-          </a:p>
-        </p:txBody>
-      </p:sp>
-      <p:sp>
-        <p:nvSpPr>
-          <p:cNvPr id="5" name="Footer Placeholder 4"/>
-          <p:cNvSpPr>
-            <a:spLocks noGrp="1"/>
-          </p:cNvSpPr>
-          <p:nvPr>
-            <p:ph type="ftr" sz="quarter" idx="11"/>
-          </p:nvPr>
-        </p:nvSpPr>
-        <p:spPr/>
-        <p:txBody>
-          <a:bodyPr/>
-          <a:lstStyle/>
-          <a:p>
-            <a:r>
-              <a:rPr lang="en-US" smtClean="0"/>
-              <a:t>Object Oriented Programming using JAVA</a:t>
-            </a:r>
-            <a:endParaRPr lang="en-US"/>
-          </a:p>
-        </p:txBody>
-      </p:sp>
-      <p:sp>
-        <p:nvSpPr>
-          <p:cNvPr id="6" name="Slide Number Placeholder 5"/>
-          <p:cNvSpPr>
-            <a:spLocks noGrp="1"/>
-          </p:cNvSpPr>
-          <p:nvPr>
-            <p:ph type="sldNum" sz="quarter" idx="12"/>
-          </p:nvPr>
-        </p:nvSpPr>
-        <p:spPr/>
-        <p:txBody>
-          <a:bodyPr/>
-          <a:lstStyle/>
-          <a:p>
-            <a:fld id="{A2DAFAA7-FEED-4301-B813-A3876799CA24}" type="slidenum">
-              <a:rPr lang="en-US" smtClean="0"/>
-              <a:pPr/>
-              <a:t>42</a:t>
-            </a:fld>
-            <a:endParaRPr lang="en-US"/>
-          </a:p>
-        </p:txBody>
-      </p:sp>
-      <p:sp>
-        <p:nvSpPr>
-          <p:cNvPr id="7" name="Rectangle 6"/>
-          <p:cNvSpPr/>
-          <p:nvPr/>
-        </p:nvSpPr>
-        <p:spPr>
-          <a:xfrm>
-            <a:off x="2815464" y="2967335"/>
-            <a:ext cx="3513078" cy="923330"/>
-          </a:xfrm>
-          <a:prstGeom prst="rect">
-            <a:avLst/>
-          </a:prstGeom>
-          <a:noFill/>
-        </p:spPr>
-        <p:txBody>
-          <a:bodyPr wrap="none" lIns="91440" tIns="45720" rIns="91440" bIns="45720">
-            <a:spAutoFit/>
-          </a:bodyPr>
-          <a:lstStyle/>
-          <a:p>
-            <a:pPr algn="ctr"/>
-            <a:r>
-              <a:rPr lang="en-US" sz="5400" b="1" cap="none" spc="300" dirty="0" smtClean="0">
-                <a:ln w="11430" cmpd="sng">
-                  <a:solidFill>
-                    <a:schemeClr val="accent1">
-                      <a:tint val="10000"/>
-                    </a:schemeClr>
-                  </a:solidFill>
-                  <a:prstDash val="solid"/>
-                  <a:miter lim="800000"/>
-                </a:ln>
-                <a:gradFill>
-                  <a:gsLst>
-                    <a:gs pos="10000">
-                      <a:schemeClr val="accent1">
-                        <a:tint val="83000"/>
-                        <a:shade val="100000"/>
-                        <a:satMod val="200000"/>
-                      </a:schemeClr>
-                    </a:gs>
-                    <a:gs pos="75000">
-                      <a:schemeClr val="accent1">
-                        <a:tint val="100000"/>
-                        <a:shade val="50000"/>
-                        <a:satMod val="150000"/>
-                      </a:schemeClr>
-                    </a:gs>
-                  </a:gsLst>
-                  <a:lin ang="5400000"/>
-                </a:gradFill>
-                <a:effectLst>
-                  <a:glow rad="45500">
-                    <a:schemeClr val="accent1">
-                      <a:satMod val="220000"/>
-                      <a:alpha val="35000"/>
-                    </a:schemeClr>
-                  </a:glow>
-                </a:effectLst>
-              </a:rPr>
-              <a:t>Thank you</a:t>
-            </a:r>
-            <a:endParaRPr lang="en-US" sz="5400" b="1" cap="none" spc="300" dirty="0">
-              <a:ln w="11430" cmpd="sng">
-                <a:solidFill>
-                  <a:schemeClr val="accent1">
-                    <a:tint val="10000"/>
-                  </a:schemeClr>
-                </a:solidFill>
-                <a:prstDash val="solid"/>
-                <a:miter lim="800000"/>
-              </a:ln>
-              <a:gradFill>
-                <a:gsLst>
-                  <a:gs pos="10000">
-                    <a:schemeClr val="accent1">
-                      <a:tint val="83000"/>
-                      <a:shade val="100000"/>
-                      <a:satMod val="200000"/>
-                    </a:schemeClr>
-                  </a:gs>
-                  <a:gs pos="75000">
-                    <a:schemeClr val="accent1">
-                      <a:tint val="100000"/>
-                      <a:shade val="50000"/>
-                      <a:satMod val="150000"/>
-                    </a:schemeClr>
-                  </a:gs>
-                </a:gsLst>
-                <a:lin ang="5400000"/>
-              </a:gradFill>
-              <a:effectLst>
-                <a:glow rad="45500">
-                  <a:schemeClr val="accent1">
-                    <a:satMod val="220000"/>
-                    <a:alpha val="35000"/>
-                  </a:schemeClr>
-                </a:glow>
-              </a:effectLst>
-            </a:endParaRPr>
-          </a:p>
-        </p:txBody>
-      </p:sp>
-    </p:spTree>
-  </p:cSld>
-  <p:clrMapOvr>
-    <a:masterClrMapping/>
-  </p:clrMapOvr>
-  <p:timing>
-    <p:tnLst>
-      <p:par>
-        <p:cTn id="1" dur="indefinite" restart="never" nodeType="tmRoot"/>
-      </p:par>
-    </p:tnLst>
-  </p:timing>
-</p:sld>
-</file>
-
-<file path=ppt/slides/slide5.xml><?xml version="1.0" encoding="utf-8"?>
+<file path=ppt/slides/slide4.xml><?xml version="1.0" encoding="utf-8"?>
 <p:sld xmlns:a="http://schemas.openxmlformats.org/drawingml/2006/main" xmlns:r="http://schemas.openxmlformats.org/officeDocument/2006/relationships" xmlns:p="http://schemas.openxmlformats.org/presentationml/2006/main">
   <p:cSld>
     <p:spTree>
@@ -30276,7 +29071,593 @@
 </p:sld>
 </file>
 
-<file path=ppt/slides/slide6.xml><?xml version="1.0" encoding="utf-8"?>
+<file path=ppt/slides/slide40.xml><?xml version="1.0" encoding="utf-8"?>
+<p:sld xmlns:a="http://schemas.openxmlformats.org/drawingml/2006/main" xmlns:r="http://schemas.openxmlformats.org/officeDocument/2006/relationships" xmlns:p="http://schemas.openxmlformats.org/presentationml/2006/main">
+  <p:cSld>
+    <p:spTree>
+      <p:nvGrpSpPr>
+        <p:cNvPr id="1" name=""/>
+        <p:cNvGrpSpPr/>
+        <p:nvPr/>
+      </p:nvGrpSpPr>
+      <p:grpSpPr>
+        <a:xfrm>
+          <a:off x="0" y="0"/>
+          <a:ext cx="0" cy="0"/>
+          <a:chOff x="0" y="0"/>
+          <a:chExt cx="0" cy="0"/>
+        </a:xfrm>
+      </p:grpSpPr>
+      <p:sp>
+        <p:nvSpPr>
+          <p:cNvPr id="2" name="Title 1"/>
+          <p:cNvSpPr>
+            <a:spLocks noGrp="1"/>
+          </p:cNvSpPr>
+          <p:nvPr>
+            <p:ph type="title"/>
+          </p:nvPr>
+        </p:nvSpPr>
+        <p:spPr>
+          <a:xfrm>
+            <a:off x="457200" y="274638"/>
+            <a:ext cx="8229600" cy="563562"/>
+          </a:xfrm>
+        </p:spPr>
+        <p:txBody>
+          <a:bodyPr>
+            <a:normAutofit fontScale="90000"/>
+          </a:bodyPr>
+          <a:lstStyle/>
+          <a:p>
+            <a:r>
+              <a:rPr lang="en-US" dirty="0" smtClean="0"/>
+              <a:t>Path vs </a:t>
+            </a:r>
+            <a:r>
+              <a:rPr lang="en-US" dirty="0" err="1" smtClean="0"/>
+              <a:t>Classpath</a:t>
+            </a:r>
+            <a:endParaRPr lang="en-US" dirty="0"/>
+          </a:p>
+        </p:txBody>
+      </p:sp>
+      <p:graphicFrame>
+        <p:nvGraphicFramePr>
+          <p:cNvPr id="7" name="Content Placeholder 6"/>
+          <p:cNvGraphicFramePr>
+            <a:graphicFrameLocks noGrp="1"/>
+          </p:cNvGraphicFramePr>
+          <p:nvPr>
+            <p:ph idx="1"/>
+            <p:extLst>
+              <p:ext uri="{D42A27DB-BD31-4B8C-83A1-F6EECF244321}">
+                <p14:modId xmlns:p14="http://schemas.microsoft.com/office/powerpoint/2010/main" val="1808746232"/>
+              </p:ext>
+            </p:extLst>
+          </p:nvPr>
+        </p:nvGraphicFramePr>
+        <p:xfrm>
+          <a:off x="457200" y="1600200"/>
+          <a:ext cx="8229600" cy="1285240"/>
+        </p:xfrm>
+        <a:graphic>
+          <a:graphicData uri="http://schemas.openxmlformats.org/drawingml/2006/table">
+            <a:tbl>
+              <a:tblPr firstRow="1" bandRow="1">
+                <a:tableStyleId>{5C22544A-7EE6-4342-B048-85BDC9FD1C3A}</a:tableStyleId>
+              </a:tblPr>
+              <a:tblGrid>
+                <a:gridCol w="4114800"/>
+                <a:gridCol w="4114800"/>
+              </a:tblGrid>
+              <a:tr h="370840">
+                <a:tc>
+                  <a:txBody>
+                    <a:bodyPr/>
+                    <a:lstStyle/>
+                    <a:p>
+                      <a:r>
+                        <a:rPr lang="en-US" dirty="0" smtClean="0"/>
+                        <a:t>Path</a:t>
+                      </a:r>
+                      <a:endParaRPr lang="en-US" dirty="0"/>
+                    </a:p>
+                  </a:txBody>
+                  <a:tcPr/>
+                </a:tc>
+                <a:tc>
+                  <a:txBody>
+                    <a:bodyPr/>
+                    <a:lstStyle/>
+                    <a:p>
+                      <a:r>
+                        <a:rPr lang="en-US" dirty="0" err="1" smtClean="0"/>
+                        <a:t>Classpath</a:t>
+                      </a:r>
+                      <a:endParaRPr lang="en-US" dirty="0"/>
+                    </a:p>
+                  </a:txBody>
+                  <a:tcPr/>
+                </a:tc>
+              </a:tr>
+              <a:tr h="370840">
+                <a:tc>
+                  <a:txBody>
+                    <a:bodyPr/>
+                    <a:lstStyle/>
+                    <a:p>
+                      <a:r>
+                        <a:rPr lang="en-US" sz="1800" b="0" i="0" kern="1200" dirty="0" smtClean="0">
+                          <a:solidFill>
+                            <a:schemeClr val="dk1"/>
+                          </a:solidFill>
+                          <a:effectLst/>
+                          <a:latin typeface="+mn-lt"/>
+                          <a:ea typeface="+mn-ea"/>
+                          <a:cs typeface="+mn-cs"/>
+                        </a:rPr>
+                        <a:t>path variable is set for provide path for all java tools like java, </a:t>
+                      </a:r>
+                      <a:r>
+                        <a:rPr lang="en-US" sz="1800" b="0" i="0" kern="1200" dirty="0" err="1" smtClean="0">
+                          <a:solidFill>
+                            <a:schemeClr val="dk1"/>
+                          </a:solidFill>
+                          <a:effectLst/>
+                          <a:latin typeface="+mn-lt"/>
+                          <a:ea typeface="+mn-ea"/>
+                          <a:cs typeface="+mn-cs"/>
+                        </a:rPr>
+                        <a:t>javac</a:t>
+                      </a:r>
+                      <a:r>
+                        <a:rPr lang="en-US" sz="1800" b="0" i="0" kern="1200" dirty="0" smtClean="0">
+                          <a:solidFill>
+                            <a:schemeClr val="dk1"/>
+                          </a:solidFill>
+                          <a:effectLst/>
+                          <a:latin typeface="+mn-lt"/>
+                          <a:ea typeface="+mn-ea"/>
+                          <a:cs typeface="+mn-cs"/>
+                        </a:rPr>
+                        <a:t>, </a:t>
+                      </a:r>
+                      <a:r>
+                        <a:rPr lang="en-US" sz="1800" b="0" i="0" kern="1200" dirty="0" err="1" smtClean="0">
+                          <a:solidFill>
+                            <a:schemeClr val="dk1"/>
+                          </a:solidFill>
+                          <a:effectLst/>
+                          <a:latin typeface="+mn-lt"/>
+                          <a:ea typeface="+mn-ea"/>
+                          <a:cs typeface="+mn-cs"/>
+                        </a:rPr>
+                        <a:t>javap</a:t>
+                      </a:r>
+                      <a:r>
+                        <a:rPr lang="en-US" sz="1800" b="0" i="0" kern="1200" dirty="0" smtClean="0">
+                          <a:solidFill>
+                            <a:schemeClr val="dk1"/>
+                          </a:solidFill>
+                          <a:effectLst/>
+                          <a:latin typeface="+mn-lt"/>
+                          <a:ea typeface="+mn-ea"/>
+                          <a:cs typeface="+mn-cs"/>
+                        </a:rPr>
+                        <a:t>, </a:t>
+                      </a:r>
+                      <a:r>
+                        <a:rPr lang="en-US" sz="1800" b="0" i="0" kern="1200" dirty="0" err="1" smtClean="0">
+                          <a:solidFill>
+                            <a:schemeClr val="dk1"/>
+                          </a:solidFill>
+                          <a:effectLst/>
+                          <a:latin typeface="+mn-lt"/>
+                          <a:ea typeface="+mn-ea"/>
+                          <a:cs typeface="+mn-cs"/>
+                        </a:rPr>
+                        <a:t>javah</a:t>
+                      </a:r>
+                      <a:r>
+                        <a:rPr lang="en-US" sz="1800" b="0" i="0" kern="1200" dirty="0" smtClean="0">
+                          <a:solidFill>
+                            <a:schemeClr val="dk1"/>
+                          </a:solidFill>
+                          <a:effectLst/>
+                          <a:latin typeface="+mn-lt"/>
+                          <a:ea typeface="+mn-ea"/>
+                          <a:cs typeface="+mn-cs"/>
+                        </a:rPr>
+                        <a:t>, jar, </a:t>
+                      </a:r>
+                      <a:r>
+                        <a:rPr lang="en-US" sz="1800" b="0" i="0" kern="1200" dirty="0" err="1" smtClean="0">
+                          <a:solidFill>
+                            <a:schemeClr val="dk1"/>
+                          </a:solidFill>
+                          <a:effectLst/>
+                          <a:latin typeface="+mn-lt"/>
+                          <a:ea typeface="+mn-ea"/>
+                          <a:cs typeface="+mn-cs"/>
+                        </a:rPr>
+                        <a:t>appletviewer</a:t>
+                      </a:r>
+                      <a:endParaRPr lang="en-US" dirty="0"/>
+                    </a:p>
+                  </a:txBody>
+                  <a:tcPr/>
+                </a:tc>
+                <a:tc>
+                  <a:txBody>
+                    <a:bodyPr/>
+                    <a:lstStyle/>
+                    <a:p>
+                      <a:r>
+                        <a:rPr lang="en-US" sz="1800" b="0" i="0" kern="1200" dirty="0" err="1" smtClean="0">
+                          <a:solidFill>
+                            <a:schemeClr val="dk1"/>
+                          </a:solidFill>
+                          <a:effectLst/>
+                          <a:latin typeface="+mn-lt"/>
+                          <a:ea typeface="+mn-ea"/>
+                          <a:cs typeface="+mn-cs"/>
+                        </a:rPr>
+                        <a:t>classpath</a:t>
+                      </a:r>
+                      <a:r>
+                        <a:rPr lang="en-US" sz="1800" b="0" i="0" kern="1200" dirty="0" smtClean="0">
+                          <a:solidFill>
+                            <a:schemeClr val="dk1"/>
+                          </a:solidFill>
+                          <a:effectLst/>
+                          <a:latin typeface="+mn-lt"/>
+                          <a:ea typeface="+mn-ea"/>
+                          <a:cs typeface="+mn-cs"/>
+                        </a:rPr>
+                        <a:t> variable is set for provide path of all java classes which is used in our application.</a:t>
+                      </a:r>
+                      <a:endParaRPr lang="en-US" dirty="0"/>
+                    </a:p>
+                  </a:txBody>
+                  <a:tcPr/>
+                </a:tc>
+              </a:tr>
+            </a:tbl>
+          </a:graphicData>
+        </a:graphic>
+      </p:graphicFrame>
+      <p:sp>
+        <p:nvSpPr>
+          <p:cNvPr id="4" name="Date Placeholder 3"/>
+          <p:cNvSpPr>
+            <a:spLocks noGrp="1"/>
+          </p:cNvSpPr>
+          <p:nvPr>
+            <p:ph type="dt" sz="half" idx="10"/>
+          </p:nvPr>
+        </p:nvSpPr>
+        <p:spPr/>
+        <p:txBody>
+          <a:bodyPr/>
+          <a:lstStyle/>
+          <a:p>
+            <a:fld id="{11718CF4-5AF7-4C83-83B9-E56FD8DA35A6}" type="datetime1">
+              <a:rPr lang="en-US" smtClean="0"/>
+              <a:pPr/>
+              <a:t>12/14/2016</a:t>
+            </a:fld>
+            <a:endParaRPr lang="en-US"/>
+          </a:p>
+        </p:txBody>
+      </p:sp>
+      <p:sp>
+        <p:nvSpPr>
+          <p:cNvPr id="5" name="Footer Placeholder 4"/>
+          <p:cNvSpPr>
+            <a:spLocks noGrp="1"/>
+          </p:cNvSpPr>
+          <p:nvPr>
+            <p:ph type="ftr" sz="quarter" idx="11"/>
+          </p:nvPr>
+        </p:nvSpPr>
+        <p:spPr/>
+        <p:txBody>
+          <a:bodyPr/>
+          <a:lstStyle/>
+          <a:p>
+            <a:r>
+              <a:rPr lang="en-US" smtClean="0"/>
+              <a:t>Object Oriented Programming using JAVA</a:t>
+            </a:r>
+            <a:endParaRPr lang="en-US"/>
+          </a:p>
+        </p:txBody>
+      </p:sp>
+      <p:sp>
+        <p:nvSpPr>
+          <p:cNvPr id="6" name="Slide Number Placeholder 5"/>
+          <p:cNvSpPr>
+            <a:spLocks noGrp="1"/>
+          </p:cNvSpPr>
+          <p:nvPr>
+            <p:ph type="sldNum" sz="quarter" idx="12"/>
+          </p:nvPr>
+        </p:nvSpPr>
+        <p:spPr/>
+        <p:txBody>
+          <a:bodyPr/>
+          <a:lstStyle/>
+          <a:p>
+            <a:fld id="{A2DAFAA7-FEED-4301-B813-A3876799CA24}" type="slidenum">
+              <a:rPr lang="en-US" smtClean="0"/>
+              <a:pPr/>
+              <a:t>40</a:t>
+            </a:fld>
+            <a:endParaRPr lang="en-US"/>
+          </a:p>
+        </p:txBody>
+      </p:sp>
+    </p:spTree>
+    <p:extLst>
+      <p:ext uri="{BB962C8B-B14F-4D97-AF65-F5344CB8AC3E}">
+        <p14:creationId xmlns:p14="http://schemas.microsoft.com/office/powerpoint/2010/main" val="1749930523"/>
+      </p:ext>
+    </p:extLst>
+  </p:cSld>
+  <p:clrMapOvr>
+    <a:masterClrMapping/>
+  </p:clrMapOvr>
+</p:sld>
+</file>
+
+<file path=ppt/slides/slide41.xml><?xml version="1.0" encoding="utf-8"?>
+<p:sld xmlns:a="http://schemas.openxmlformats.org/drawingml/2006/main" xmlns:r="http://schemas.openxmlformats.org/officeDocument/2006/relationships" xmlns:p="http://schemas.openxmlformats.org/presentationml/2006/main">
+  <p:cSld>
+    <p:spTree>
+      <p:nvGrpSpPr>
+        <p:cNvPr id="1" name=""/>
+        <p:cNvGrpSpPr/>
+        <p:nvPr/>
+      </p:nvGrpSpPr>
+      <p:grpSpPr>
+        <a:xfrm>
+          <a:off x="0" y="0"/>
+          <a:ext cx="0" cy="0"/>
+          <a:chOff x="0" y="0"/>
+          <a:chExt cx="0" cy="0"/>
+        </a:xfrm>
+      </p:grpSpPr>
+      <p:sp>
+        <p:nvSpPr>
+          <p:cNvPr id="2" name="Title 1"/>
+          <p:cNvSpPr>
+            <a:spLocks noGrp="1"/>
+          </p:cNvSpPr>
+          <p:nvPr>
+            <p:ph type="title"/>
+          </p:nvPr>
+        </p:nvSpPr>
+        <p:spPr/>
+        <p:txBody>
+          <a:bodyPr/>
+          <a:lstStyle/>
+          <a:p>
+            <a:endParaRPr lang="en-US"/>
+          </a:p>
+        </p:txBody>
+      </p:sp>
+      <p:sp>
+        <p:nvSpPr>
+          <p:cNvPr id="3" name="Content Placeholder 2"/>
+          <p:cNvSpPr>
+            <a:spLocks noGrp="1"/>
+          </p:cNvSpPr>
+          <p:nvPr>
+            <p:ph idx="1"/>
+          </p:nvPr>
+        </p:nvSpPr>
+        <p:spPr/>
+        <p:txBody>
+          <a:bodyPr/>
+          <a:lstStyle/>
+          <a:p>
+            <a:endParaRPr lang="en-US" dirty="0"/>
+          </a:p>
+        </p:txBody>
+      </p:sp>
+      <p:sp>
+        <p:nvSpPr>
+          <p:cNvPr id="4" name="Date Placeholder 3"/>
+          <p:cNvSpPr>
+            <a:spLocks noGrp="1"/>
+          </p:cNvSpPr>
+          <p:nvPr>
+            <p:ph type="dt" sz="half" idx="10"/>
+          </p:nvPr>
+        </p:nvSpPr>
+        <p:spPr/>
+        <p:txBody>
+          <a:bodyPr/>
+          <a:lstStyle/>
+          <a:p>
+            <a:fld id="{11718CF4-5AF7-4C83-83B9-E56FD8DA35A6}" type="datetime1">
+              <a:rPr lang="en-US" smtClean="0"/>
+              <a:pPr/>
+              <a:t>12/14/2016</a:t>
+            </a:fld>
+            <a:endParaRPr lang="en-US"/>
+          </a:p>
+        </p:txBody>
+      </p:sp>
+      <p:sp>
+        <p:nvSpPr>
+          <p:cNvPr id="5" name="Footer Placeholder 4"/>
+          <p:cNvSpPr>
+            <a:spLocks noGrp="1"/>
+          </p:cNvSpPr>
+          <p:nvPr>
+            <p:ph type="ftr" sz="quarter" idx="11"/>
+          </p:nvPr>
+        </p:nvSpPr>
+        <p:spPr/>
+        <p:txBody>
+          <a:bodyPr/>
+          <a:lstStyle/>
+          <a:p>
+            <a:r>
+              <a:rPr lang="en-US" smtClean="0"/>
+              <a:t>Object Oriented Programming using JAVA</a:t>
+            </a:r>
+            <a:endParaRPr lang="en-US"/>
+          </a:p>
+        </p:txBody>
+      </p:sp>
+      <p:sp>
+        <p:nvSpPr>
+          <p:cNvPr id="6" name="Slide Number Placeholder 5"/>
+          <p:cNvSpPr>
+            <a:spLocks noGrp="1"/>
+          </p:cNvSpPr>
+          <p:nvPr>
+            <p:ph type="sldNum" sz="quarter" idx="12"/>
+          </p:nvPr>
+        </p:nvSpPr>
+        <p:spPr/>
+        <p:txBody>
+          <a:bodyPr/>
+          <a:lstStyle/>
+          <a:p>
+            <a:fld id="{A2DAFAA7-FEED-4301-B813-A3876799CA24}" type="slidenum">
+              <a:rPr lang="en-US" smtClean="0"/>
+              <a:pPr/>
+              <a:t>41</a:t>
+            </a:fld>
+            <a:endParaRPr lang="en-US"/>
+          </a:p>
+        </p:txBody>
+      </p:sp>
+      <p:sp>
+        <p:nvSpPr>
+          <p:cNvPr id="7" name="Rectangle 6"/>
+          <p:cNvSpPr/>
+          <p:nvPr/>
+        </p:nvSpPr>
+        <p:spPr>
+          <a:xfrm>
+            <a:off x="2815464" y="2967335"/>
+            <a:ext cx="3513078" cy="923330"/>
+          </a:xfrm>
+          <a:prstGeom prst="rect">
+            <a:avLst/>
+          </a:prstGeom>
+          <a:noFill/>
+        </p:spPr>
+        <p:txBody>
+          <a:bodyPr wrap="none" lIns="91440" tIns="45720" rIns="91440" bIns="45720">
+            <a:spAutoFit/>
+          </a:bodyPr>
+          <a:lstStyle/>
+          <a:p>
+            <a:pPr algn="ctr"/>
+            <a:r>
+              <a:rPr lang="en-US" sz="5400" b="1" cap="none" spc="300" dirty="0" smtClean="0">
+                <a:ln w="11430" cmpd="sng">
+                  <a:solidFill>
+                    <a:schemeClr val="accent1">
+                      <a:tint val="10000"/>
+                    </a:schemeClr>
+                  </a:solidFill>
+                  <a:prstDash val="solid"/>
+                  <a:miter lim="800000"/>
+                </a:ln>
+                <a:gradFill>
+                  <a:gsLst>
+                    <a:gs pos="10000">
+                      <a:schemeClr val="accent1">
+                        <a:tint val="83000"/>
+                        <a:shade val="100000"/>
+                        <a:satMod val="200000"/>
+                      </a:schemeClr>
+                    </a:gs>
+                    <a:gs pos="75000">
+                      <a:schemeClr val="accent1">
+                        <a:tint val="100000"/>
+                        <a:shade val="50000"/>
+                        <a:satMod val="150000"/>
+                      </a:schemeClr>
+                    </a:gs>
+                  </a:gsLst>
+                  <a:lin ang="5400000"/>
+                </a:gradFill>
+                <a:effectLst>
+                  <a:glow rad="45500">
+                    <a:schemeClr val="accent1">
+                      <a:satMod val="220000"/>
+                      <a:alpha val="35000"/>
+                    </a:schemeClr>
+                  </a:glow>
+                </a:effectLst>
+              </a:rPr>
+              <a:t>Thank you</a:t>
+            </a:r>
+            <a:endParaRPr lang="en-US" sz="5400" b="1" cap="none" spc="300" dirty="0">
+              <a:ln w="11430" cmpd="sng">
+                <a:solidFill>
+                  <a:schemeClr val="accent1">
+                    <a:tint val="10000"/>
+                  </a:schemeClr>
+                </a:solidFill>
+                <a:prstDash val="solid"/>
+                <a:miter lim="800000"/>
+              </a:ln>
+              <a:gradFill>
+                <a:gsLst>
+                  <a:gs pos="10000">
+                    <a:schemeClr val="accent1">
+                      <a:tint val="83000"/>
+                      <a:shade val="100000"/>
+                      <a:satMod val="200000"/>
+                    </a:schemeClr>
+                  </a:gs>
+                  <a:gs pos="75000">
+                    <a:schemeClr val="accent1">
+                      <a:tint val="100000"/>
+                      <a:shade val="50000"/>
+                      <a:satMod val="150000"/>
+                    </a:schemeClr>
+                  </a:gs>
+                </a:gsLst>
+                <a:lin ang="5400000"/>
+              </a:gradFill>
+              <a:effectLst>
+                <a:glow rad="45500">
+                  <a:schemeClr val="accent1">
+                    <a:satMod val="220000"/>
+                    <a:alpha val="35000"/>
+                  </a:schemeClr>
+                </a:glow>
+              </a:effectLst>
+            </a:endParaRPr>
+          </a:p>
+        </p:txBody>
+      </p:sp>
+    </p:spTree>
+  </p:cSld>
+  <p:clrMapOvr>
+    <a:masterClrMapping/>
+  </p:clrMapOvr>
+  <p:timing>
+    <p:tnLst>
+      <p:par>
+        <p:cTn id="1" dur="indefinite" restart="never" nodeType="tmRoot"/>
+      </p:par>
+    </p:tnLst>
+  </p:timing>
+</p:sld>
+</file>
+
+<file path=ppt/slides/slide5.xml><?xml version="1.0" encoding="utf-8"?>
 <p:sld xmlns:a="http://schemas.openxmlformats.org/drawingml/2006/main" xmlns:r="http://schemas.openxmlformats.org/officeDocument/2006/relationships" xmlns:p="http://schemas.openxmlformats.org/presentationml/2006/main">
   <p:cSld>
     <p:spTree>
@@ -32355,7 +31736,7 @@
 </p:sld>
 </file>
 
-<file path=ppt/slides/slide7.xml><?xml version="1.0" encoding="utf-8"?>
+<file path=ppt/slides/slide6.xml><?xml version="1.0" encoding="utf-8"?>
 <p:sld xmlns:a="http://schemas.openxmlformats.org/drawingml/2006/main" xmlns:r="http://schemas.openxmlformats.org/officeDocument/2006/relationships" xmlns:p="http://schemas.openxmlformats.org/presentationml/2006/main">
   <p:cSld>
     <p:spTree>
@@ -32496,6 +31877,288 @@
               <a:rPr lang="en-US" dirty="0"/>
               <a:t> necessitated the invention of Java</a:t>
             </a:r>
+          </a:p>
+        </p:txBody>
+      </p:sp>
+    </p:spTree>
+  </p:cSld>
+  <p:clrMapOvr>
+    <a:masterClrMapping/>
+  </p:clrMapOvr>
+  <p:timing>
+    <p:tnLst>
+      <p:par>
+        <p:cTn id="1" dur="indefinite" restart="never" nodeType="tmRoot"/>
+      </p:par>
+    </p:tnLst>
+  </p:timing>
+</p:sld>
+</file>
+
+<file path=ppt/slides/slide7.xml><?xml version="1.0" encoding="utf-8"?>
+<p:sld xmlns:a="http://schemas.openxmlformats.org/drawingml/2006/main" xmlns:r="http://schemas.openxmlformats.org/officeDocument/2006/relationships" xmlns:p="http://schemas.openxmlformats.org/presentationml/2006/main">
+  <p:cSld>
+    <p:spTree>
+      <p:nvGrpSpPr>
+        <p:cNvPr id="1" name=""/>
+        <p:cNvGrpSpPr/>
+        <p:nvPr/>
+      </p:nvGrpSpPr>
+      <p:grpSpPr>
+        <a:xfrm>
+          <a:off x="0" y="0"/>
+          <a:ext cx="0" cy="0"/>
+          <a:chOff x="0" y="0"/>
+          <a:chExt cx="0" cy="0"/>
+        </a:xfrm>
+      </p:grpSpPr>
+      <p:sp>
+        <p:nvSpPr>
+          <p:cNvPr id="15362" name="Rectangle 2"/>
+          <p:cNvSpPr>
+            <a:spLocks noGrp="1" noChangeArrowheads="1"/>
+          </p:cNvSpPr>
+          <p:nvPr>
+            <p:ph type="title"/>
+          </p:nvPr>
+        </p:nvSpPr>
+        <p:spPr/>
+        <p:txBody>
+          <a:bodyPr/>
+          <a:lstStyle/>
+          <a:p>
+            <a:r>
+              <a:rPr lang="en-US"/>
+              <a:t>Cont..</a:t>
+            </a:r>
+          </a:p>
+        </p:txBody>
+      </p:sp>
+      <p:sp>
+        <p:nvSpPr>
+          <p:cNvPr id="15363" name="Rectangle 3"/>
+          <p:cNvSpPr>
+            <a:spLocks noGrp="1" noChangeArrowheads="1"/>
+          </p:cNvSpPr>
+          <p:nvPr>
+            <p:ph type="body" idx="1"/>
+          </p:nvPr>
+        </p:nvSpPr>
+        <p:spPr/>
+        <p:txBody>
+          <a:bodyPr>
+            <a:normAutofit lnSpcReduction="10000"/>
+          </a:bodyPr>
+          <a:lstStyle/>
+          <a:p>
+            <a:pPr>
+              <a:spcBef>
+                <a:spcPct val="50000"/>
+              </a:spcBef>
+            </a:pPr>
+            <a:r>
+              <a:rPr lang="en-US" sz="3600" dirty="0"/>
+              <a:t>Java </a:t>
+            </a:r>
+            <a:r>
+              <a:rPr lang="en-US" sz="3600" dirty="0" smtClean="0">
+                <a:solidFill>
+                  <a:srgbClr val="FF0000"/>
+                </a:solidFill>
+              </a:rPr>
+              <a:t>Editions.</a:t>
+            </a:r>
+            <a:endParaRPr lang="en-US" sz="3600" dirty="0">
+              <a:solidFill>
+                <a:srgbClr val="FF0000"/>
+              </a:solidFill>
+            </a:endParaRPr>
+          </a:p>
+          <a:p>
+            <a:pPr lvl="1" algn="just">
+              <a:spcBef>
+                <a:spcPct val="50000"/>
+              </a:spcBef>
+              <a:buFont typeface="Wingdings" pitchFamily="2" charset="2"/>
+              <a:buChar char="Ø"/>
+            </a:pPr>
+            <a:r>
+              <a:rPr lang="en-US" b="1" dirty="0" smtClean="0">
+                <a:solidFill>
+                  <a:srgbClr val="FF0000"/>
+                </a:solidFill>
+              </a:rPr>
+              <a:t>J2SE</a:t>
+            </a:r>
+            <a:r>
+              <a:rPr lang="en-US" dirty="0" smtClean="0"/>
+              <a:t>(</a:t>
+            </a:r>
+            <a:r>
+              <a:rPr lang="en-US" dirty="0" smtClean="0">
+                <a:latin typeface="Palatino" charset="0"/>
+                <a:cs typeface="Times New Roman" pitchFamily="18" charset="0"/>
+              </a:rPr>
+              <a:t>Java 2 </a:t>
+            </a:r>
+            <a:r>
+              <a:rPr lang="en-US" dirty="0">
+                <a:latin typeface="Palatino" charset="0"/>
+                <a:cs typeface="Times New Roman" pitchFamily="18" charset="0"/>
+              </a:rPr>
+              <a:t>Standard Edition</a:t>
+            </a:r>
+            <a:r>
+              <a:rPr lang="en-US" dirty="0"/>
+              <a:t>) - </a:t>
+            </a:r>
+            <a:r>
+              <a:rPr lang="en-US" dirty="0">
+                <a:latin typeface="Palatino" charset="0"/>
+                <a:cs typeface="Times New Roman" pitchFamily="18" charset="0"/>
+              </a:rPr>
+              <a:t>to develop client-side standalone applications or </a:t>
+            </a:r>
+            <a:r>
+              <a:rPr lang="en-US" dirty="0" smtClean="0">
+                <a:latin typeface="Palatino" charset="0"/>
+                <a:cs typeface="Times New Roman" pitchFamily="18" charset="0"/>
+              </a:rPr>
+              <a:t>applets.</a:t>
+            </a:r>
+            <a:endParaRPr lang="en-US" dirty="0"/>
+          </a:p>
+          <a:p>
+            <a:pPr lvl="1" algn="just">
+              <a:spcBef>
+                <a:spcPct val="50000"/>
+              </a:spcBef>
+              <a:buFont typeface="Wingdings" pitchFamily="2" charset="2"/>
+              <a:buChar char="Ø"/>
+            </a:pPr>
+            <a:r>
+              <a:rPr lang="en-US" b="1" dirty="0" smtClean="0">
+                <a:solidFill>
+                  <a:srgbClr val="FF0000"/>
+                </a:solidFill>
+              </a:rPr>
+              <a:t>J2ME</a:t>
+            </a:r>
+            <a:r>
+              <a:rPr lang="en-US" dirty="0" smtClean="0"/>
+              <a:t>(</a:t>
+            </a:r>
+            <a:r>
+              <a:rPr lang="en-US" dirty="0" smtClean="0">
+                <a:latin typeface="Palatino" charset="0"/>
+                <a:cs typeface="Times New Roman" pitchFamily="18" charset="0"/>
+              </a:rPr>
+              <a:t>Java 2 </a:t>
+            </a:r>
+            <a:r>
+              <a:rPr lang="en-US" dirty="0">
+                <a:latin typeface="Palatino" charset="0"/>
+                <a:cs typeface="Times New Roman" pitchFamily="18" charset="0"/>
+              </a:rPr>
+              <a:t>Micro Edition </a:t>
+            </a:r>
+            <a:r>
+              <a:rPr lang="en-US" dirty="0"/>
+              <a:t>) - </a:t>
+            </a:r>
+            <a:r>
+              <a:rPr lang="en-US" dirty="0">
+                <a:latin typeface="Palatino" charset="0"/>
+                <a:cs typeface="Times New Roman" pitchFamily="18" charset="0"/>
+              </a:rPr>
+              <a:t>to develop applications for mobile devices such as cell </a:t>
+            </a:r>
+            <a:r>
+              <a:rPr lang="en-US" dirty="0" smtClean="0">
+                <a:latin typeface="Palatino" charset="0"/>
+                <a:cs typeface="Times New Roman" pitchFamily="18" charset="0"/>
+              </a:rPr>
+              <a:t>phones.</a:t>
+            </a:r>
+            <a:endParaRPr lang="en-US" dirty="0"/>
+          </a:p>
+          <a:p>
+            <a:pPr lvl="1" algn="just">
+              <a:spcBef>
+                <a:spcPct val="50000"/>
+              </a:spcBef>
+              <a:buFont typeface="Wingdings" pitchFamily="2" charset="2"/>
+              <a:buChar char="Ø"/>
+            </a:pPr>
+            <a:r>
+              <a:rPr lang="en-US" b="1" dirty="0" smtClean="0">
+                <a:solidFill>
+                  <a:srgbClr val="FF0000"/>
+                </a:solidFill>
+              </a:rPr>
+              <a:t>J2EE</a:t>
+            </a:r>
+            <a:r>
+              <a:rPr lang="en-US" dirty="0" smtClean="0"/>
+              <a:t>(</a:t>
+            </a:r>
+            <a:r>
+              <a:rPr lang="en-US" dirty="0" smtClean="0">
+                <a:latin typeface="Palatino" charset="0"/>
+                <a:cs typeface="Times New Roman" pitchFamily="18" charset="0"/>
+              </a:rPr>
+              <a:t>Java 2 </a:t>
+            </a:r>
+            <a:r>
+              <a:rPr lang="en-US" dirty="0">
+                <a:latin typeface="Palatino" charset="0"/>
+                <a:cs typeface="Times New Roman" pitchFamily="18" charset="0"/>
+              </a:rPr>
+              <a:t>Enterprise Edition </a:t>
+            </a:r>
+            <a:r>
+              <a:rPr lang="en-US" dirty="0"/>
+              <a:t>) - </a:t>
+            </a:r>
+            <a:r>
+              <a:rPr lang="en-US" dirty="0">
+                <a:latin typeface="Palatino" charset="0"/>
+                <a:cs typeface="Times New Roman" pitchFamily="18" charset="0"/>
+              </a:rPr>
+              <a:t>to develop server-side applications such as Java </a:t>
+            </a:r>
+            <a:r>
+              <a:rPr lang="en-US" dirty="0" err="1">
+                <a:latin typeface="Palatino" charset="0"/>
+                <a:cs typeface="Times New Roman" pitchFamily="18" charset="0"/>
+              </a:rPr>
+              <a:t>servlets</a:t>
+            </a:r>
+            <a:r>
+              <a:rPr lang="en-US" dirty="0">
+                <a:latin typeface="Palatino" charset="0"/>
+                <a:cs typeface="Times New Roman" pitchFamily="18" charset="0"/>
+              </a:rPr>
+              <a:t> and Java </a:t>
+            </a:r>
+            <a:r>
+              <a:rPr lang="en-US" dirty="0" err="1" smtClean="0">
+                <a:latin typeface="Palatino" charset="0"/>
+                <a:cs typeface="Times New Roman" pitchFamily="18" charset="0"/>
+              </a:rPr>
+              <a:t>ServerPages</a:t>
+            </a:r>
+            <a:r>
+              <a:rPr lang="en-US" dirty="0" smtClean="0">
+                <a:latin typeface="Palatino" charset="0"/>
+                <a:cs typeface="Times New Roman" pitchFamily="18" charset="0"/>
+              </a:rPr>
+              <a:t>.</a:t>
+            </a:r>
+            <a:endParaRPr lang="en-US" dirty="0">
+              <a:latin typeface="Palatino" charset="0"/>
+              <a:cs typeface="Times New Roman" pitchFamily="18" charset="0"/>
+            </a:endParaRPr>
           </a:p>
         </p:txBody>
       </p:sp>
@@ -32533,7 +32196,7 @@
       </p:grpSpPr>
       <p:sp>
         <p:nvSpPr>
-          <p:cNvPr id="15362" name="Rectangle 2"/>
+          <p:cNvPr id="8194" name="Rectangle 2"/>
           <p:cNvSpPr>
             <a:spLocks noGrp="1" noChangeArrowheads="1"/>
           </p:cNvSpPr>
@@ -32547,15 +32210,32 @@
           <a:lstStyle/>
           <a:p>
             <a:r>
-              <a:rPr lang="en-US"/>
-              <a:t>Cont..</a:t>
+              <a:rPr lang="en-US" altLang="zh-CN" sz="4000" dirty="0">
+                <a:ea typeface="SimSun" pitchFamily="2" charset="-122"/>
+              </a:rPr>
+              <a:t>What is </a:t>
+            </a:r>
+            <a:r>
+              <a:rPr lang="en-US" altLang="zh-CN" sz="4000" dirty="0">
+                <a:solidFill>
+                  <a:srgbClr val="FF0000"/>
+                </a:solidFill>
+                <a:ea typeface="SimSun" pitchFamily="2" charset="-122"/>
+              </a:rPr>
+              <a:t>java</a:t>
+            </a:r>
+            <a:r>
+              <a:rPr lang="en-US" altLang="zh-CN" sz="4000" dirty="0">
+                <a:ea typeface="SimSun" pitchFamily="2" charset="-122"/>
+              </a:rPr>
+              <a:t>?</a:t>
             </a:r>
           </a:p>
         </p:txBody>
       </p:sp>
       <p:sp>
         <p:nvSpPr>
-          <p:cNvPr id="15363" name="Rectangle 3"/>
+          <p:cNvPr id="8195" name="Rectangle 3"/>
           <p:cNvSpPr>
             <a:spLocks noGrp="1" noChangeArrowheads="1"/>
           </p:cNvSpPr>
@@ -32566,217 +32246,197 @@
         <p:spPr/>
         <p:txBody>
           <a:bodyPr>
-            <a:normAutofit lnSpcReduction="10000"/>
+            <a:noAutofit/>
           </a:bodyPr>
           <a:lstStyle/>
           <a:p>
             <a:pPr>
-              <a:spcBef>
-                <a:spcPct val="50000"/>
-              </a:spcBef>
+              <a:lnSpc>
+                <a:spcPct val="150000"/>
+              </a:lnSpc>
             </a:pPr>
             <a:r>
-              <a:rPr lang="en-US" sz="3600" dirty="0"/>
-              <a:t>Java </a:t>
-            </a:r>
-            <a:r>
-              <a:rPr lang="en-US" sz="3600" dirty="0" smtClean="0">
+              <a:rPr lang="en-US" altLang="zh-CN" dirty="0">
+                <a:ea typeface="SimSun" pitchFamily="2" charset="-122"/>
+              </a:rPr>
+              <a:t>A general-purpose </a:t>
+            </a:r>
+            <a:r>
+              <a:rPr lang="en-US" altLang="zh-CN" dirty="0">
                 <a:solidFill>
                   <a:srgbClr val="FF0000"/>
                 </a:solidFill>
+                <a:ea typeface="SimSun" pitchFamily="2" charset="-122"/>
               </a:rPr>
-              <a:t>Editions.</a:t>
-            </a:r>
-            <a:endParaRPr lang="en-US" sz="3600" dirty="0">
-              <a:solidFill>
-                <a:srgbClr val="FF0000"/>
-              </a:solidFill>
-            </a:endParaRPr>
-          </a:p>
-          <a:p>
-            <a:pPr lvl="1" algn="just">
-              <a:spcBef>
-                <a:spcPct val="50000"/>
-              </a:spcBef>
-              <a:buFont typeface="Wingdings" pitchFamily="2" charset="2"/>
-              <a:buChar char="Ø"/>
-            </a:pPr>
-            <a:r>
-              <a:rPr lang="en-US" b="1" dirty="0" smtClean="0">
+              <a:t>object-oriented </a:t>
+            </a:r>
+            <a:r>
+              <a:rPr lang="en-US" altLang="zh-CN" dirty="0" smtClean="0">
                 <a:solidFill>
                   <a:srgbClr val="FF0000"/>
                 </a:solidFill>
+                <a:ea typeface="SimSun" pitchFamily="2" charset="-122"/>
               </a:rPr>
-              <a:t>J2SE</a:t>
-            </a:r>
-            <a:r>
-              <a:rPr lang="en-US" dirty="0" smtClean="0"/>
-              <a:t>(</a:t>
-            </a:r>
-            <a:r>
-              <a:rPr lang="en-US" dirty="0" smtClean="0">
-                <a:latin typeface="Palatino" charset="0"/>
-                <a:cs typeface="Times New Roman" pitchFamily="18" charset="0"/>
+              <a:t>language</a:t>
+            </a:r>
+            <a:r>
+              <a:rPr lang="en-US" altLang="zh-CN" dirty="0" smtClean="0">
+                <a:ea typeface="SimSun" pitchFamily="2" charset="-122"/>
               </a:rPr>
-              <a:t>Java 2 </a:t>
-            </a:r>
-            <a:r>
-              <a:rPr lang="en-US" dirty="0">
-                <a:latin typeface="Palatino" charset="0"/>
-                <a:cs typeface="Times New Roman" pitchFamily="18" charset="0"/>
-              </a:rPr>
-              <a:t>Standard Edition</a:t>
-            </a:r>
-            <a:r>
-              <a:rPr lang="en-US" dirty="0"/>
-              <a:t>) - </a:t>
-            </a:r>
-            <a:r>
-              <a:rPr lang="en-US" dirty="0">
-                <a:latin typeface="Palatino" charset="0"/>
-                <a:cs typeface="Times New Roman" pitchFamily="18" charset="0"/>
-              </a:rPr>
-              <a:t>to develop client-side standalone applications or </a:t>
-            </a:r>
-            <a:r>
-              <a:rPr lang="en-US" dirty="0" smtClean="0">
-                <a:latin typeface="Palatino" charset="0"/>
-                <a:cs typeface="Times New Roman" pitchFamily="18" charset="0"/>
-              </a:rPr>
-              <a:t>applets.</a:t>
-            </a:r>
-            <a:endParaRPr lang="en-US" dirty="0"/>
-          </a:p>
-          <a:p>
-            <a:pPr lvl="1" algn="just">
-              <a:spcBef>
-                <a:spcPct val="50000"/>
-              </a:spcBef>
-              <a:buFont typeface="Wingdings" pitchFamily="2" charset="2"/>
-              <a:buChar char="Ø"/>
+              <a:t>.</a:t>
+            </a:r>
+            <a:endParaRPr lang="en-US" altLang="zh-CN" dirty="0">
+              <a:ea typeface="SimSun" pitchFamily="2" charset="-122"/>
+            </a:endParaRPr>
+          </a:p>
+          <a:p>
+            <a:pPr>
+              <a:lnSpc>
+                <a:spcPct val="150000"/>
+              </a:lnSpc>
             </a:pPr>
             <a:r>
-              <a:rPr lang="en-US" b="1" dirty="0" smtClean="0">
+              <a:rPr lang="en-US" altLang="zh-CN" dirty="0">
                 <a:solidFill>
                   <a:srgbClr val="FF0000"/>
                 </a:solidFill>
+                <a:ea typeface="SimSun" pitchFamily="2" charset="-122"/>
               </a:rPr>
-              <a:t>J2ME</a:t>
-            </a:r>
-            <a:r>
-              <a:rPr lang="en-US" dirty="0" smtClean="0"/>
-              <a:t>(</a:t>
-            </a:r>
-            <a:r>
-              <a:rPr lang="en-US" dirty="0" smtClean="0">
-                <a:latin typeface="Palatino" charset="0"/>
-                <a:cs typeface="Times New Roman" pitchFamily="18" charset="0"/>
+              <a:t>W</a:t>
+            </a:r>
+            <a:r>
+              <a:rPr lang="en-US" altLang="zh-CN" dirty="0">
+                <a:ea typeface="SimSun" pitchFamily="2" charset="-122"/>
               </a:rPr>
-              <a:t>Java 2 </a:t>
-            </a:r>
-            <a:r>
-              <a:rPr lang="en-US" dirty="0">
-                <a:latin typeface="Palatino" charset="0"/>
-                <a:cs typeface="Times New Roman" pitchFamily="18" charset="0"/>
-              </a:rPr>
-              <a:t>Micro Edition </a:t>
-            </a:r>
-            <a:r>
-              <a:rPr lang="en-US" dirty="0"/>
-              <a:t>) - </a:t>
-            </a:r>
-            <a:r>
-              <a:rPr lang="en-US" dirty="0">
-                <a:latin typeface="Palatino" charset="0"/>
-                <a:cs typeface="Times New Roman" pitchFamily="18" charset="0"/>
-              </a:rPr>
-              <a:t>to develop applications for mobile devices such as cell </a:t>
-            </a:r>
-            <a:r>
-              <a:rPr lang="en-US" dirty="0" smtClean="0">
-                <a:latin typeface="Palatino" charset="0"/>
-                <a:cs typeface="Times New Roman" pitchFamily="18" charset="0"/>
-              </a:rPr>
-              <a:t>phones.</a:t>
-            </a:r>
-            <a:endParaRPr lang="en-US" dirty="0"/>
-          </a:p>
-          <a:p>
-            <a:pPr lvl="1" algn="just">
-              <a:spcBef>
-                <a:spcPct val="50000"/>
-              </a:spcBef>
-              <a:buFont typeface="Wingdings" pitchFamily="2" charset="2"/>
-              <a:buChar char="Ø"/>
-            </a:pPr>
-            <a:r>
-              <a:rPr lang="en-US" b="1" dirty="0" smtClean="0">
+              <a:t>rite </a:t>
+            </a:r>
+            <a:r>
+              <a:rPr lang="en-US" altLang="zh-CN" dirty="0" smtClean="0">
                 <a:solidFill>
                   <a:srgbClr val="FF0000"/>
                 </a:solidFill>
+                <a:ea typeface="SimSun" pitchFamily="2" charset="-122"/>
               </a:rPr>
-              <a:t>J2EE</a:t>
-            </a:r>
-            <a:r>
-              <a:rPr lang="en-US" dirty="0" smtClean="0"/>
-              <a:t>(</a:t>
-            </a:r>
-            <a:r>
-              <a:rPr lang="en-US" dirty="0" smtClean="0">
-                <a:latin typeface="Palatino" charset="0"/>
-                <a:cs typeface="Times New Roman" pitchFamily="18" charset="0"/>
+              <a:t>O</a:t>
+            </a:r>
+            <a:r>
+              <a:rPr lang="en-US" altLang="zh-CN" dirty="0" smtClean="0">
+                <a:ea typeface="SimSun" pitchFamily="2" charset="-122"/>
               </a:rPr>
-              <a:t>Java 2 </a:t>
-            </a:r>
-            <a:r>
-              <a:rPr lang="en-US" dirty="0">
-                <a:latin typeface="Palatino" charset="0"/>
-                <a:cs typeface="Times New Roman" pitchFamily="18" charset="0"/>
+              <a:t>nce </a:t>
+            </a:r>
+            <a:r>
+              <a:rPr lang="en-US" altLang="zh-CN" dirty="0" smtClean="0">
+                <a:solidFill>
+                  <a:srgbClr val="FF0000"/>
+                </a:solidFill>
+                <a:ea typeface="SimSun" pitchFamily="2" charset="-122"/>
               </a:rPr>
-              <a:t>Enterprise Edition </a:t>
-            </a:r>
-            <a:r>
-              <a:rPr lang="en-US" dirty="0"/>
-              <a:t>) - </a:t>
-            </a:r>
-            <a:r>
-              <a:rPr lang="en-US" dirty="0">
-                <a:latin typeface="Palatino" charset="0"/>
-                <a:cs typeface="Times New Roman" pitchFamily="18" charset="0"/>
+              <a:t>R</a:t>
+            </a:r>
+            <a:r>
+              <a:rPr lang="en-US" altLang="zh-CN" dirty="0" smtClean="0">
+                <a:ea typeface="SimSun" pitchFamily="2" charset="-122"/>
               </a:rPr>
-              <a:t>to develop server-side applications such as Java </a:t>
-            </a:r>
-            <a:r>
-              <a:rPr lang="en-US" dirty="0" err="1">
-                <a:latin typeface="Palatino" charset="0"/>
-                <a:cs typeface="Times New Roman" pitchFamily="18" charset="0"/>
+              <a:t>un </a:t>
+            </a:r>
+            <a:r>
+              <a:rPr lang="en-US" altLang="zh-CN" dirty="0" smtClean="0">
+                <a:solidFill>
+                  <a:srgbClr val="FF0000"/>
+                </a:solidFill>
+                <a:ea typeface="SimSun" pitchFamily="2" charset="-122"/>
               </a:rPr>
-              <a:t>servlets</a:t>
-            </a:r>
-            <a:r>
-              <a:rPr lang="en-US" dirty="0">
-                <a:latin typeface="Palatino" charset="0"/>
-                <a:cs typeface="Times New Roman" pitchFamily="18" charset="0"/>
+              <a:t>A</a:t>
+            </a:r>
+            <a:r>
+              <a:rPr lang="en-US" altLang="zh-CN" dirty="0" smtClean="0">
+                <a:ea typeface="SimSun" pitchFamily="2" charset="-122"/>
               </a:rPr>
-              <a:t> and Java </a:t>
-            </a:r>
-            <a:r>
-              <a:rPr lang="en-US" dirty="0" err="1" smtClean="0">
-                <a:latin typeface="Palatino" charset="0"/>
-                <a:cs typeface="Times New Roman" pitchFamily="18" charset="0"/>
+              <a:t>nywhere </a:t>
+            </a:r>
+            <a:r>
+              <a:rPr lang="en-US" altLang="zh-CN" dirty="0">
+                <a:ea typeface="SimSun" pitchFamily="2" charset="-122"/>
               </a:rPr>
-              <a:t>ServerPages</a:t>
-            </a:r>
-            <a:r>
-              <a:rPr lang="en-US" dirty="0" smtClean="0">
-                <a:latin typeface="Palatino" charset="0"/>
-                <a:cs typeface="Times New Roman" pitchFamily="18" charset="0"/>
+              <a:t>(WORA</a:t>
+            </a:r>
+            <a:r>
+              <a:rPr lang="en-US" altLang="zh-CN" dirty="0" smtClean="0">
+                <a:ea typeface="SimSun" pitchFamily="2" charset="-122"/>
               </a:rPr>
-              <a:t>.</a:t>
-            </a:r>
-            <a:endParaRPr lang="en-US" dirty="0">
-              <a:latin typeface="Palatino" charset="0"/>
-              <a:cs typeface="Times New Roman" pitchFamily="18" charset="0"/>
+              <a:t>).</a:t>
+            </a:r>
+            <a:endParaRPr lang="en-US" altLang="zh-CN" dirty="0">
+              <a:ea typeface="SimSun" pitchFamily="2" charset="-122"/>
+            </a:endParaRPr>
+          </a:p>
+          <a:p>
+            <a:pPr>
+              <a:lnSpc>
+                <a:spcPct val="150000"/>
+              </a:lnSpc>
+            </a:pPr>
+            <a:r>
+              <a:rPr lang="en-US" altLang="zh-CN" dirty="0">
+                <a:ea typeface="SimSun" pitchFamily="2" charset="-122"/>
+              </a:rPr>
+              <a:t>Designed for easy </a:t>
+            </a:r>
+            <a:r>
+              <a:rPr lang="en-US" altLang="zh-CN" dirty="0">
+                <a:solidFill>
+                  <a:srgbClr val="FF0000"/>
+                </a:solidFill>
+                <a:ea typeface="SimSun" pitchFamily="2" charset="-122"/>
+              </a:rPr>
+              <a:t>Web/Internet</a:t>
+            </a:r>
+            <a:r>
+              <a:rPr lang="en-US" altLang="zh-CN" dirty="0">
+                <a:ea typeface="SimSun" pitchFamily="2" charset="-122"/>
+              </a:rPr>
+              <a:t> </a:t>
+            </a:r>
+            <a:r>
+              <a:rPr lang="en-US" altLang="zh-CN" dirty="0" smtClean="0">
+                <a:ea typeface="SimSun" pitchFamily="2" charset="-122"/>
+              </a:rPr>
+              <a:t>applications.</a:t>
+            </a:r>
+            <a:endParaRPr lang="en-US" altLang="zh-CN" dirty="0">
+              <a:ea typeface="SimSun" pitchFamily="2" charset="-122"/>
+            </a:endParaRPr>
+          </a:p>
+          <a:p>
+            <a:pPr>
+              <a:lnSpc>
+                <a:spcPct val="150000"/>
+              </a:lnSpc>
+            </a:pPr>
+            <a:r>
+              <a:rPr lang="en-US" altLang="zh-CN" dirty="0">
+                <a:solidFill>
+                  <a:srgbClr val="FF0000"/>
+                </a:solidFill>
+                <a:ea typeface="SimSun" pitchFamily="2" charset="-122"/>
+              </a:rPr>
+              <a:t>Widespread</a:t>
+            </a:r>
+            <a:r>
+              <a:rPr lang="en-US" altLang="zh-CN" dirty="0">
+                <a:ea typeface="SimSun" pitchFamily="2" charset="-122"/>
+              </a:rPr>
+              <a:t> </a:t>
+            </a:r>
+            <a:r>
+              <a:rPr lang="en-US" altLang="zh-CN" dirty="0" smtClean="0">
+                <a:ea typeface="SimSun" pitchFamily="2" charset="-122"/>
+              </a:rPr>
+              <a:t>acceptance.</a:t>
+            </a:r>
+            <a:endParaRPr lang="en-US" altLang="zh-CN" dirty="0">
+              <a:ea typeface="SimSun" pitchFamily="2" charset="-122"/>
             </a:endParaRPr>
           </a:p>
         </p:txBody>
@@ -32815,7 +32475,7 @@
       </p:grpSpPr>
       <p:sp>
         <p:nvSpPr>
-          <p:cNvPr id="8194" name="Rectangle 2"/>
+          <p:cNvPr id="16386" name="Rectangle 2"/>
           <p:cNvSpPr>
             <a:spLocks noGrp="1" noChangeArrowheads="1"/>
           </p:cNvSpPr>
@@ -32829,32 +32489,44 @@
           <a:lstStyle/>
           <a:p>
             <a:r>
-              <a:rPr lang="en-US" altLang="zh-CN" sz="4000" dirty="0">
-                <a:ea typeface="SimSun" pitchFamily="2" charset="-122"/>
-              </a:rPr>
-              <a:t>What is </a:t>
-            </a:r>
-            <a:r>
-              <a:rPr lang="en-US" altLang="zh-CN" sz="4000" dirty="0">
+              <a:rPr lang="en-US" dirty="0"/>
+              <a:t>How is </a:t>
+            </a:r>
+            <a:r>
+              <a:rPr lang="en-US" dirty="0">
                 <a:solidFill>
                   <a:srgbClr val="FF0000"/>
                 </a:solidFill>
-                <a:ea typeface="SimSun" pitchFamily="2" charset="-122"/>
               </a:rPr>
-              <a:t>java</a:t>
-            </a:r>
-            <a:r>
-              <a:rPr lang="en-US" altLang="zh-CN" sz="4000" dirty="0">
-                <a:ea typeface="SimSun" pitchFamily="2" charset="-122"/>
+              <a:t>Java</a:t>
+            </a:r>
+            <a:r>
+              <a:rPr lang="en-US" dirty="0"/>
+              <a:t> different </a:t>
+            </a:r>
+            <a:r>
+              <a:rPr lang="en-US" dirty="0" smtClean="0"/>
+              <a:t>from </a:t>
+            </a:r>
+            <a:r>
+              <a:rPr lang="en-US" dirty="0" smtClean="0">
+                <a:solidFill>
+                  <a:srgbClr val="FF0000"/>
+                </a:solidFill>
               </a:rPr>
-              <a:t>?</a:t>
-            </a:r>
+              <a:t>C</a:t>
+            </a:r>
+            <a:r>
+              <a:rPr lang="en-US" dirty="0" smtClean="0"/>
+              <a:t>…</a:t>
+            </a:r>
+            <a:endParaRPr lang="en-US" dirty="0"/>
           </a:p>
         </p:txBody>
       </p:sp>
       <p:sp>
         <p:nvSpPr>
-          <p:cNvPr id="8195" name="Rectangle 3"/>
+          <p:cNvPr id="16388" name="Rectangle 4"/>
           <p:cNvSpPr>
             <a:spLocks noGrp="1" noChangeArrowheads="1"/>
           </p:cNvSpPr>
@@ -32865,198 +32537,221 @@
         <p:spPr/>
         <p:txBody>
           <a:bodyPr>
-            <a:noAutofit/>
+            <a:normAutofit/>
           </a:bodyPr>
           <a:lstStyle/>
           <a:p>
             <a:pPr>
               <a:lnSpc>
-                <a:spcPct val="150000"/>
+                <a:spcPct val="90000"/>
               </a:lnSpc>
             </a:pPr>
             <a:r>
-              <a:rPr lang="en-US" altLang="zh-CN" dirty="0">
-                <a:ea typeface="SimSun" pitchFamily="2" charset="-122"/>
+              <a:rPr lang="en-US" sz="2200" b="1" dirty="0"/>
+              <a:t>C </a:t>
+            </a:r>
+            <a:r>
+              <a:rPr lang="en-US" sz="2200" b="1" dirty="0" smtClean="0"/>
+              <a:t> Language</a:t>
+            </a:r>
+            <a:r>
+              <a:rPr lang="en-US" sz="2200" b="1" dirty="0"/>
+              <a:t>:</a:t>
+            </a:r>
+          </a:p>
+          <a:p>
+            <a:pPr lvl="1" algn="just">
+              <a:lnSpc>
+                <a:spcPct val="90000"/>
+              </a:lnSpc>
+            </a:pPr>
+            <a:r>
+              <a:rPr lang="en-US" sz="2200" dirty="0"/>
+              <a:t>Major difference is that C is a </a:t>
+            </a:r>
+            <a:r>
+              <a:rPr lang="en-US" sz="2200" dirty="0">
+                <a:solidFill>
+                  <a:srgbClr val="FF3300"/>
+                </a:solidFill>
               </a:rPr>
-              <a:t>A general-purpose </a:t>
-            </a:r>
-            <a:r>
-              <a:rPr lang="en-US" altLang="zh-CN" dirty="0">
+              <a:t>structure oriented </a:t>
+            </a:r>
+            <a:r>
+              <a:rPr lang="en-US" sz="2200" dirty="0" smtClean="0">
                 <a:solidFill>
-                  <a:srgbClr val="FF0000"/>
+                  <a:srgbClr val="FF3300"/>
                 </a:solidFill>
-                <a:ea typeface="SimSun" pitchFamily="2" charset="-122"/>
-              </a:rPr>
-              <a:t>object-oriented </a:t>
-            </a:r>
-            <a:r>
-              <a:rPr lang="en-US" altLang="zh-CN" dirty="0" smtClean="0">
-                <a:solidFill>
-                  <a:srgbClr val="FF0000"/>
-                </a:solidFill>
-                <a:ea typeface="SimSun" pitchFamily="2" charset="-122"/>
               </a:rPr>
               <a:t>language</a:t>
             </a:r>
             <a:r>
-              <a:rPr lang="en-US" altLang="zh-CN" dirty="0" smtClean="0">
-                <a:ea typeface="SimSun" pitchFamily="2" charset="-122"/>
+              <a:rPr lang="en-US" sz="2200" dirty="0" smtClean="0"/>
+              <a:t> </a:t>
+            </a:r>
+            <a:r>
+              <a:rPr lang="en-US" sz="2200" dirty="0"/>
+              <a:t>and Java is an </a:t>
+            </a:r>
+            <a:r>
+              <a:rPr lang="en-US" sz="2200" dirty="0">
+                <a:solidFill>
+                  <a:srgbClr val="FF3300"/>
+                </a:solidFill>
               </a:rPr>
-              <a:t>.</a:t>
-            </a:r>
-            <a:endParaRPr lang="en-US" altLang="zh-CN" dirty="0">
-              <a:ea typeface="SimSun" pitchFamily="2" charset="-122"/>
-            </a:endParaRPr>
-          </a:p>
-          <a:p>
-            <a:pPr>
+              <a:t>object oriented language</a:t>
+            </a:r>
+            <a:r>
+              <a:rPr lang="en-US" sz="2200" dirty="0"/>
+              <a:t> and has mechanism to define classes and objects.</a:t>
+            </a:r>
+          </a:p>
+          <a:p>
+            <a:pPr lvl="1">
               <a:lnSpc>
-                <a:spcPct val="150000"/>
+                <a:spcPct val="90000"/>
               </a:lnSpc>
             </a:pPr>
             <a:r>
-              <a:rPr lang="en-US" altLang="zh-CN" dirty="0">
+              <a:rPr lang="en-US" sz="2200" dirty="0"/>
+              <a:t>Java does not support an explicit </a:t>
+            </a:r>
+            <a:r>
+              <a:rPr lang="en-US" sz="2200" dirty="0">
                 <a:solidFill>
-                  <a:srgbClr val="FF0000"/>
+                  <a:srgbClr val="FF3300"/>
                 </a:solidFill>
-                <a:ea typeface="SimSun" pitchFamily="2" charset="-122"/>
               </a:rPr>
-              <a:t>W</a:t>
-            </a:r>
-            <a:r>
-              <a:rPr lang="en-US" altLang="zh-CN" dirty="0">
-                <a:ea typeface="SimSun" pitchFamily="2" charset="-122"/>
-              </a:rPr>
-              <a:t>rite </a:t>
-            </a:r>
-            <a:r>
-              <a:rPr lang="en-US" altLang="zh-CN" dirty="0" smtClean="0">
-                <a:solidFill>
-                  <a:srgbClr val="FF0000"/>
-                </a:solidFill>
-                <a:ea typeface="SimSun" pitchFamily="2" charset="-122"/>
-              </a:rPr>
-              <a:t>O</a:t>
-            </a:r>
-            <a:r>
-              <a:rPr lang="en-US" altLang="zh-CN" dirty="0" smtClean="0">
-                <a:ea typeface="SimSun" pitchFamily="2" charset="-122"/>
-              </a:rPr>
-              <a:t>nce </a:t>
-            </a:r>
-            <a:r>
-              <a:rPr lang="en-US" altLang="zh-CN" dirty="0" smtClean="0">
-                <a:solidFill>
-                  <a:srgbClr val="FF0000"/>
-                </a:solidFill>
-                <a:ea typeface="SimSun" pitchFamily="2" charset="-122"/>
-              </a:rPr>
-              <a:t>R</a:t>
-            </a:r>
-            <a:r>
-              <a:rPr lang="en-US" altLang="zh-CN" dirty="0" smtClean="0">
-                <a:ea typeface="SimSun" pitchFamily="2" charset="-122"/>
-              </a:rPr>
-              <a:t>un </a:t>
-            </a:r>
-            <a:r>
-              <a:rPr lang="en-US" altLang="zh-CN" dirty="0" smtClean="0">
-                <a:solidFill>
-                  <a:srgbClr val="FF0000"/>
-                </a:solidFill>
-                <a:ea typeface="SimSun" pitchFamily="2" charset="-122"/>
-              </a:rPr>
-              <a:t>A</a:t>
-            </a:r>
-            <a:r>
-              <a:rPr lang="en-US" altLang="zh-CN" dirty="0" smtClean="0">
-                <a:ea typeface="SimSun" pitchFamily="2" charset="-122"/>
-              </a:rPr>
-              <a:t>nywhere </a:t>
-            </a:r>
-            <a:r>
-              <a:rPr lang="en-US" altLang="zh-CN" dirty="0">
-                <a:ea typeface="SimSun" pitchFamily="2" charset="-122"/>
-              </a:rPr>
-              <a:t>(WORA</a:t>
-            </a:r>
-            <a:r>
-              <a:rPr lang="en-US" altLang="zh-CN" dirty="0" smtClean="0">
-                <a:ea typeface="SimSun" pitchFamily="2" charset="-122"/>
-              </a:rPr>
-              <a:t>).</a:t>
-            </a:r>
-            <a:endParaRPr lang="en-US" altLang="zh-CN" dirty="0">
-              <a:ea typeface="SimSun" pitchFamily="2" charset="-122"/>
-            </a:endParaRPr>
-          </a:p>
-          <a:p>
-            <a:pPr>
+              <a:t>pointer</a:t>
+            </a:r>
+            <a:r>
+              <a:rPr lang="en-US" sz="2200" dirty="0"/>
+              <a:t> type</a:t>
+            </a:r>
+          </a:p>
+          <a:p>
+            <a:pPr lvl="1" algn="just">
               <a:lnSpc>
-                <a:spcPct val="150000"/>
+                <a:spcPct val="90000"/>
               </a:lnSpc>
             </a:pPr>
             <a:r>
-              <a:rPr lang="en-US" altLang="zh-CN" dirty="0">
-                <a:ea typeface="SimSun" pitchFamily="2" charset="-122"/>
+              <a:rPr lang="en-US" sz="2200" dirty="0"/>
+              <a:t>Java does not have </a:t>
+            </a:r>
+            <a:r>
+              <a:rPr lang="en-US" sz="2200" dirty="0">
+                <a:solidFill>
+                  <a:srgbClr val="FF3300"/>
+                </a:solidFill>
               </a:rPr>
-              <a:t>Designed for easy </a:t>
-            </a:r>
-            <a:r>
-              <a:rPr lang="en-US" altLang="zh-CN" dirty="0">
-                <a:solidFill>
-                  <a:srgbClr val="FF0000"/>
-                </a:solidFill>
-                <a:ea typeface="SimSun" pitchFamily="2" charset="-122"/>
-              </a:rPr>
-              <a:t>Web/Internet</a:t>
-            </a:r>
-            <a:r>
-              <a:rPr lang="en-US" altLang="zh-CN" dirty="0">
-                <a:ea typeface="SimSun" pitchFamily="2" charset="-122"/>
-              </a:rPr>
-              <a:t> </a:t>
-            </a:r>
-            <a:r>
-              <a:rPr lang="en-US" altLang="zh-CN" dirty="0" smtClean="0">
-                <a:ea typeface="SimSun" pitchFamily="2" charset="-122"/>
-              </a:rPr>
-              <a:t>applications.</a:t>
-            </a:r>
-            <a:endParaRPr lang="en-US" altLang="zh-CN" dirty="0">
-              <a:ea typeface="SimSun" pitchFamily="2" charset="-122"/>
-            </a:endParaRPr>
-          </a:p>
-          <a:p>
-            <a:pPr>
+              <a:t>preprocessor</a:t>
+            </a:r>
+            <a:r>
+              <a:rPr lang="en-US" sz="2200" dirty="0"/>
+              <a:t>, so we cant use #define, #include and #</a:t>
+            </a:r>
+            <a:r>
+              <a:rPr lang="en-US" sz="2200" dirty="0" err="1"/>
+              <a:t>ifdef</a:t>
+            </a:r>
+            <a:r>
+              <a:rPr lang="en-US" sz="2200" dirty="0"/>
+              <a:t> statements.</a:t>
+            </a:r>
+          </a:p>
+          <a:p>
+            <a:pPr lvl="1" algn="just">
               <a:lnSpc>
-                <a:spcPct val="150000"/>
+                <a:spcPct val="90000"/>
               </a:lnSpc>
             </a:pPr>
             <a:r>
-              <a:rPr lang="en-US" altLang="zh-CN" dirty="0">
-                <a:solidFill>
-                  <a:srgbClr val="FF0000"/>
-                </a:solidFill>
-                <a:ea typeface="SimSun" pitchFamily="2" charset="-122"/>
-              </a:rPr>
-              <a:t>Widespread</a:t>
-            </a:r>
-            <a:r>
-              <a:rPr lang="en-US" altLang="zh-CN" dirty="0">
-                <a:ea typeface="SimSun" pitchFamily="2" charset="-122"/>
-              </a:rPr>
-              <a:t> </a:t>
-            </a:r>
-            <a:r>
-              <a:rPr lang="en-US" altLang="zh-CN" dirty="0" smtClean="0">
-                <a:ea typeface="SimSun" pitchFamily="2" charset="-122"/>
-              </a:rPr>
-              <a:t>acceptance.</a:t>
-            </a:r>
-            <a:endParaRPr lang="en-US" altLang="zh-CN" dirty="0">
-              <a:ea typeface="SimSun" pitchFamily="2" charset="-122"/>
-            </a:endParaRPr>
+              <a:rPr lang="en-US" sz="2200" dirty="0"/>
+              <a:t>Java does not include structures, unions and </a:t>
+            </a:r>
+            <a:r>
+              <a:rPr lang="en-US" sz="2200" dirty="0" err="1"/>
+              <a:t>enum</a:t>
+            </a:r>
+            <a:r>
+              <a:rPr lang="en-US" sz="2200" dirty="0"/>
+              <a:t> data types.</a:t>
+            </a:r>
+          </a:p>
+          <a:p>
+            <a:pPr lvl="1" algn="just">
+              <a:lnSpc>
+                <a:spcPct val="90000"/>
+              </a:lnSpc>
+            </a:pPr>
+            <a:r>
+              <a:rPr lang="en-US" sz="2200" dirty="0"/>
+              <a:t>Java does not include keywords like </a:t>
+            </a:r>
+            <a:r>
+              <a:rPr lang="en-US" sz="2200" dirty="0" err="1"/>
+              <a:t>goto</a:t>
+            </a:r>
+            <a:r>
+              <a:rPr lang="en-US" sz="2200" dirty="0"/>
+              <a:t>, </a:t>
+            </a:r>
+            <a:r>
+              <a:rPr lang="en-US" sz="2200" dirty="0" err="1"/>
+              <a:t>sizeof</a:t>
+            </a:r>
+            <a:r>
+              <a:rPr lang="en-US" sz="2200" dirty="0"/>
+              <a:t> and </a:t>
+            </a:r>
+            <a:r>
+              <a:rPr lang="en-US" sz="2200" dirty="0" err="1"/>
+              <a:t>typedef</a:t>
+            </a:r>
+            <a:r>
+              <a:rPr lang="en-US" sz="2200" dirty="0"/>
+              <a:t>.</a:t>
+            </a:r>
+          </a:p>
+          <a:p>
+            <a:pPr lvl="1" algn="just">
+              <a:lnSpc>
+                <a:spcPct val="90000"/>
+              </a:lnSpc>
+            </a:pPr>
+            <a:r>
+              <a:rPr lang="en-US" sz="2200" dirty="0"/>
+              <a:t>Java adds labeled break and continue statements.</a:t>
+            </a:r>
+          </a:p>
+          <a:p>
+            <a:pPr lvl="1" algn="just">
+              <a:lnSpc>
+                <a:spcPct val="90000"/>
+              </a:lnSpc>
+            </a:pPr>
+            <a:r>
+              <a:rPr lang="en-US" sz="2200" dirty="0"/>
+              <a:t>Java adds many features required for object oriented programming.</a:t>
+            </a:r>
+          </a:p>
+          <a:p>
+            <a:pPr lvl="1">
+              <a:lnSpc>
+                <a:spcPct val="90000"/>
+              </a:lnSpc>
+              <a:buNone/>
+            </a:pPr>
+            <a:endParaRPr lang="en-US" sz="2000" dirty="0"/>
+          </a:p>
+          <a:p>
+            <a:pPr lvl="1">
+              <a:lnSpc>
+                <a:spcPct val="90000"/>
+              </a:lnSpc>
+            </a:pPr>
+            <a:endParaRPr lang="en-US" sz="2000" dirty="0"/>
           </a:p>
         </p:txBody>
       </p:sp>
